--- a/Крайнов фин 2.pptx
+++ b/Крайнов фин 2.pptx
@@ -229,7 +229,7 @@
             <a:fld id="{6B82548C-EAA0-4F98-90B8-F588E14A775F}" type="datetimeFigureOut">
               <a:rPr lang="ru-RU" smtClean="0"/>
               <a:pPr/>
-              <a:t>20.04.2021</a:t>
+              <a:t>21.04.2021</a:t>
             </a:fld>
             <a:endParaRPr lang="ru-RU" dirty="0"/>
           </a:p>
@@ -1331,7 +1331,7 @@
             <a:fld id="{CE9C3C40-C23C-4741-A600-5B99CA51CC6A}" type="datetime1">
               <a:rPr lang="ru-RU" smtClean="0"/>
               <a:pPr/>
-              <a:t>20.04.2021</a:t>
+              <a:t>21.04.2021</a:t>
             </a:fld>
             <a:endParaRPr lang="ru-RU" dirty="0"/>
           </a:p>
@@ -1503,7 +1503,7 @@
             <a:fld id="{1D070FA6-A07B-4671-B280-AF019BE3E935}" type="datetime1">
               <a:rPr lang="ru-RU" smtClean="0"/>
               <a:pPr/>
-              <a:t>20.04.2021</a:t>
+              <a:t>21.04.2021</a:t>
             </a:fld>
             <a:endParaRPr lang="ru-RU" dirty="0"/>
           </a:p>
@@ -1685,7 +1685,7 @@
             <a:fld id="{B1FB9956-0F8A-4303-AD13-D82C2F3EB061}" type="datetime1">
               <a:rPr lang="ru-RU" smtClean="0"/>
               <a:pPr/>
-              <a:t>20.04.2021</a:t>
+              <a:t>21.04.2021</a:t>
             </a:fld>
             <a:endParaRPr lang="ru-RU" dirty="0"/>
           </a:p>
@@ -1873,7 +1873,7 @@
             <a:fld id="{7C08641B-D866-4AED-9BCD-A8CEF1A297A1}" type="datetime1">
               <a:rPr lang="ru-RU" smtClean="0"/>
               <a:pPr/>
-              <a:t>20.04.2021</a:t>
+              <a:t>21.04.2021</a:t>
             </a:fld>
             <a:endParaRPr lang="ru-RU" dirty="0"/>
           </a:p>
@@ -1940,7 +1940,7 @@
           <p:cNvPr id="7" name="Прямоугольник 6">
             <a:extLst>
               <a:ext uri="{FF2B5EF4-FFF2-40B4-BE49-F238E27FC236}">
-                <a16:creationId xmlns:a16="http://schemas.microsoft.com/office/drawing/2014/main" xmlns="" id="{527BAA5E-164F-45A3-897B-BD561E9B8A39}"/>
+                <a16:creationId xmlns="" xmlns:a16="http://schemas.microsoft.com/office/drawing/2014/main" id="{527BAA5E-164F-45A3-897B-BD561E9B8A39}"/>
               </a:ext>
             </a:extLst>
           </p:cNvPr>
@@ -2180,7 +2180,7 @@
             <a:fld id="{68F3169D-25FC-4CCC-9835-A712E07C2AB4}" type="datetime1">
               <a:rPr lang="ru-RU" smtClean="0"/>
               <a:pPr/>
-              <a:t>20.04.2021</a:t>
+              <a:t>21.04.2021</a:t>
             </a:fld>
             <a:endParaRPr lang="ru-RU" dirty="0"/>
           </a:p>
@@ -2414,7 +2414,7 @@
             <a:fld id="{42386BF5-D1EA-43A3-AE1C-E5A43B039450}" type="datetime1">
               <a:rPr lang="ru-RU" smtClean="0"/>
               <a:pPr/>
-              <a:t>20.04.2021</a:t>
+              <a:t>21.04.2021</a:t>
             </a:fld>
             <a:endParaRPr lang="ru-RU" dirty="0"/>
           </a:p>
@@ -2783,7 +2783,7 @@
             <a:fld id="{B9D08361-EC6C-46B1-AC80-C22A1550886E}" type="datetime1">
               <a:rPr lang="ru-RU" smtClean="0"/>
               <a:pPr/>
-              <a:t>20.04.2021</a:t>
+              <a:t>21.04.2021</a:t>
             </a:fld>
             <a:endParaRPr lang="ru-RU" dirty="0"/>
           </a:p>
@@ -2903,7 +2903,7 @@
             <a:fld id="{573381EF-20A4-477C-90BC-CBE76C27463B}" type="datetime1">
               <a:rPr lang="ru-RU" smtClean="0"/>
               <a:pPr/>
-              <a:t>20.04.2021</a:t>
+              <a:t>21.04.2021</a:t>
             </a:fld>
             <a:endParaRPr lang="ru-RU" dirty="0"/>
           </a:p>
@@ -3000,7 +3000,7 @@
             <a:fld id="{B7441B70-E847-4ED8-B1CC-11C2CD43FC6E}" type="datetime1">
               <a:rPr lang="ru-RU" smtClean="0"/>
               <a:pPr/>
-              <a:t>20.04.2021</a:t>
+              <a:t>21.04.2021</a:t>
             </a:fld>
             <a:endParaRPr lang="ru-RU" dirty="0"/>
           </a:p>
@@ -3279,7 +3279,7 @@
             <a:fld id="{B04C54BD-0EB7-4E97-8C66-53E07DF2557A}" type="datetime1">
               <a:rPr lang="ru-RU" smtClean="0"/>
               <a:pPr/>
-              <a:t>20.04.2021</a:t>
+              <a:t>21.04.2021</a:t>
             </a:fld>
             <a:endParaRPr lang="ru-RU" dirty="0"/>
           </a:p>
@@ -3538,7 +3538,7 @@
             <a:fld id="{A1C7B037-1989-4FF7-BD58-95622BADFCB1}" type="datetime1">
               <a:rPr lang="ru-RU" smtClean="0"/>
               <a:pPr/>
-              <a:t>20.04.2021</a:t>
+              <a:t>21.04.2021</a:t>
             </a:fld>
             <a:endParaRPr lang="ru-RU" dirty="0"/>
           </a:p>
@@ -3753,7 +3753,7 @@
             <a:fld id="{297D7BE2-7632-410E-B636-211B737EA5E5}" type="datetime1">
               <a:rPr lang="ru-RU" smtClean="0"/>
               <a:pPr/>
-              <a:t>20.04.2021</a:t>
+              <a:t>21.04.2021</a:t>
             </a:fld>
             <a:endParaRPr lang="ru-RU" dirty="0"/>
           </a:p>
@@ -4165,7 +4165,7 @@
           <p:cNvPr id="5" name="TextBox 12">
             <a:extLst>
               <a:ext uri="{FF2B5EF4-FFF2-40B4-BE49-F238E27FC236}">
-                <a16:creationId xmlns:a16="http://schemas.microsoft.com/office/drawing/2014/main" xmlns="" id="{08333B1C-2DE8-4FB8-9D07-2039CCB10FE7}"/>
+                <a16:creationId xmlns="" xmlns:a16="http://schemas.microsoft.com/office/drawing/2014/main" id="{08333B1C-2DE8-4FB8-9D07-2039CCB10FE7}"/>
               </a:ext>
             </a:extLst>
           </p:cNvPr>
@@ -4299,7 +4299,7 @@
           <p:cNvPr id="6" name="Rectangle 1">
             <a:extLst>
               <a:ext uri="{FF2B5EF4-FFF2-40B4-BE49-F238E27FC236}">
-                <a16:creationId xmlns:a16="http://schemas.microsoft.com/office/drawing/2014/main" xmlns="" id="{04024E97-49A0-4E51-A0B3-370F800E9273}"/>
+                <a16:creationId xmlns="" xmlns:a16="http://schemas.microsoft.com/office/drawing/2014/main" id="{04024E97-49A0-4E51-A0B3-370F800E9273}"/>
               </a:ext>
             </a:extLst>
           </p:cNvPr>
@@ -4429,7 +4429,7 @@
           <p:cNvPr id="7" name="Picture 2" descr="http://www.unn.ru/images/header_summer.jpg">
             <a:extLst>
               <a:ext uri="{FF2B5EF4-FFF2-40B4-BE49-F238E27FC236}">
-                <a16:creationId xmlns:a16="http://schemas.microsoft.com/office/drawing/2014/main" xmlns="" id="{BE687E47-C4A4-4B49-898D-8FFAF0448A35}"/>
+                <a16:creationId xmlns="" xmlns:a16="http://schemas.microsoft.com/office/drawing/2014/main" id="{BE687E47-C4A4-4B49-898D-8FFAF0448A35}"/>
               </a:ext>
             </a:extLst>
           </p:cNvPr>
@@ -4461,7 +4461,7 @@
           <p:cNvPr id="8" name="Picture 4">
             <a:extLst>
               <a:ext uri="{FF2B5EF4-FFF2-40B4-BE49-F238E27FC236}">
-                <a16:creationId xmlns:a16="http://schemas.microsoft.com/office/drawing/2014/main" xmlns="" id="{54F43B98-A9BA-49D8-9CC0-4B186B101ED3}"/>
+                <a16:creationId xmlns="" xmlns:a16="http://schemas.microsoft.com/office/drawing/2014/main" id="{54F43B98-A9BA-49D8-9CC0-4B186B101ED3}"/>
               </a:ext>
             </a:extLst>
           </p:cNvPr>
@@ -4499,7 +4499,7 @@
           <p:cNvPr id="9" name="Прямоугольник 8">
             <a:extLst>
               <a:ext uri="{FF2B5EF4-FFF2-40B4-BE49-F238E27FC236}">
-                <a16:creationId xmlns:a16="http://schemas.microsoft.com/office/drawing/2014/main" xmlns="" id="{7BE1D65F-3F05-4762-95B0-6C8038195B0F}"/>
+                <a16:creationId xmlns="" xmlns:a16="http://schemas.microsoft.com/office/drawing/2014/main" id="{7BE1D65F-3F05-4762-95B0-6C8038195B0F}"/>
               </a:ext>
             </a:extLst>
           </p:cNvPr>
@@ -4605,7 +4605,7 @@
           <p:cNvPr id="10" name="TextBox 9">
             <a:extLst>
               <a:ext uri="{FF2B5EF4-FFF2-40B4-BE49-F238E27FC236}">
-                <a16:creationId xmlns:a16="http://schemas.microsoft.com/office/drawing/2014/main" xmlns="" id="{927AD824-3941-4F09-9309-2BECE1F1E8E6}"/>
+                <a16:creationId xmlns="" xmlns:a16="http://schemas.microsoft.com/office/drawing/2014/main" id="{927AD824-3941-4F09-9309-2BECE1F1E8E6}"/>
               </a:ext>
             </a:extLst>
           </p:cNvPr>
@@ -4878,7 +4878,7 @@
           <p:cNvPr id="7" name="Заголовок 6">
             <a:extLst>
               <a:ext uri="{FF2B5EF4-FFF2-40B4-BE49-F238E27FC236}">
-                <a16:creationId xmlns:a16="http://schemas.microsoft.com/office/drawing/2014/main" xmlns="" id="{6192612A-9B48-4BC0-A715-E74A8AFE0071}"/>
+                <a16:creationId xmlns="" xmlns:a16="http://schemas.microsoft.com/office/drawing/2014/main" id="{6192612A-9B48-4BC0-A715-E74A8AFE0071}"/>
               </a:ext>
             </a:extLst>
           </p:cNvPr>
@@ -4909,7 +4909,7 @@
           <p:cNvPr id="9" name="Объект 8">
             <a:extLst>
               <a:ext uri="{FF2B5EF4-FFF2-40B4-BE49-F238E27FC236}">
-                <a16:creationId xmlns:a16="http://schemas.microsoft.com/office/drawing/2014/main" xmlns="" id="{380DFBBE-C183-416F-A343-3598174724F2}"/>
+                <a16:creationId xmlns="" xmlns:a16="http://schemas.microsoft.com/office/drawing/2014/main" id="{380DFBBE-C183-416F-A343-3598174724F2}"/>
               </a:ext>
             </a:extLst>
           </p:cNvPr>
@@ -5041,7 +5041,7 @@
           <p:cNvPr id="6" name="Номер слайда 5">
             <a:extLst>
               <a:ext uri="{FF2B5EF4-FFF2-40B4-BE49-F238E27FC236}">
-                <a16:creationId xmlns:a16="http://schemas.microsoft.com/office/drawing/2014/main" xmlns="" id="{C9F63731-B63A-4456-BCF3-549B23B5240C}"/>
+                <a16:creationId xmlns="" xmlns:a16="http://schemas.microsoft.com/office/drawing/2014/main" id="{C9F63731-B63A-4456-BCF3-549B23B5240C}"/>
               </a:ext>
             </a:extLst>
           </p:cNvPr>
@@ -5140,7 +5140,7 @@
           <p:cNvPr id="11" name="TextBox 10">
             <a:extLst>
               <a:ext uri="{FF2B5EF4-FFF2-40B4-BE49-F238E27FC236}">
-                <a16:creationId xmlns:a16="http://schemas.microsoft.com/office/drawing/2014/main" xmlns="" id="{1BCD4BBC-E89B-4827-80B2-04BA7814016F}"/>
+                <a16:creationId xmlns="" xmlns:a16="http://schemas.microsoft.com/office/drawing/2014/main" id="{1BCD4BBC-E89B-4827-80B2-04BA7814016F}"/>
               </a:ext>
             </a:extLst>
           </p:cNvPr>
@@ -5260,7 +5260,7 @@
           <p:cNvPr id="7" name="Заголовок 6">
             <a:extLst>
               <a:ext uri="{FF2B5EF4-FFF2-40B4-BE49-F238E27FC236}">
-                <a16:creationId xmlns:a16="http://schemas.microsoft.com/office/drawing/2014/main" xmlns="" id="{E7A56D62-F2D6-4FA9-8562-24C32106A9B7}"/>
+                <a16:creationId xmlns="" xmlns:a16="http://schemas.microsoft.com/office/drawing/2014/main" id="{E7A56D62-F2D6-4FA9-8562-24C32106A9B7}"/>
               </a:ext>
             </a:extLst>
           </p:cNvPr>
@@ -5290,7 +5290,7 @@
           <p:cNvPr id="3" name="Номер слайда 2">
             <a:extLst>
               <a:ext uri="{FF2B5EF4-FFF2-40B4-BE49-F238E27FC236}">
-                <a16:creationId xmlns:a16="http://schemas.microsoft.com/office/drawing/2014/main" xmlns="" id="{8F070C9E-3A09-4349-9B21-5CDD6176BA99}"/>
+                <a16:creationId xmlns="" xmlns:a16="http://schemas.microsoft.com/office/drawing/2014/main" id="{8F070C9E-3A09-4349-9B21-5CDD6176BA99}"/>
               </a:ext>
             </a:extLst>
           </p:cNvPr>
@@ -5320,7 +5320,7 @@
           <p:cNvPr id="17" name="TextBox 16">
             <a:extLst>
               <a:ext uri="{FF2B5EF4-FFF2-40B4-BE49-F238E27FC236}">
-                <a16:creationId xmlns:a16="http://schemas.microsoft.com/office/drawing/2014/main" xmlns="" id="{2EB4B3A4-5586-40D7-83BC-00768F72EFDA}"/>
+                <a16:creationId xmlns="" xmlns:a16="http://schemas.microsoft.com/office/drawing/2014/main" id="{2EB4B3A4-5586-40D7-83BC-00768F72EFDA}"/>
               </a:ext>
             </a:extLst>
           </p:cNvPr>
@@ -5396,7 +5396,7 @@
           <p:cNvPr id="18" name="TextBox 17">
             <a:extLst>
               <a:ext uri="{FF2B5EF4-FFF2-40B4-BE49-F238E27FC236}">
-                <a16:creationId xmlns:a16="http://schemas.microsoft.com/office/drawing/2014/main" xmlns="" id="{D84B793B-04A2-431B-A3F8-EFAC14F72D0D}"/>
+                <a16:creationId xmlns="" xmlns:a16="http://schemas.microsoft.com/office/drawing/2014/main" id="{D84B793B-04A2-431B-A3F8-EFAC14F72D0D}"/>
               </a:ext>
             </a:extLst>
           </p:cNvPr>
@@ -5467,7 +5467,7 @@
           <p:cNvPr id="4" name="Рисунок 3">
             <a:extLst>
               <a:ext uri="{FF2B5EF4-FFF2-40B4-BE49-F238E27FC236}">
-                <a16:creationId xmlns:a16="http://schemas.microsoft.com/office/drawing/2014/main" xmlns="" id="{F4304A50-9376-4BDB-8461-7864B4BEF683}"/>
+                <a16:creationId xmlns="" xmlns:a16="http://schemas.microsoft.com/office/drawing/2014/main" id="{F4304A50-9376-4BDB-8461-7864B4BEF683}"/>
               </a:ext>
             </a:extLst>
           </p:cNvPr>
@@ -5507,7 +5507,7 @@
           <p:cNvPr id="12" name="TextBox 11">
             <a:extLst>
               <a:ext uri="{FF2B5EF4-FFF2-40B4-BE49-F238E27FC236}">
-                <a16:creationId xmlns:a16="http://schemas.microsoft.com/office/drawing/2014/main" xmlns="" id="{7C9D448E-A0B9-4411-B450-7D6E28A41C10}"/>
+                <a16:creationId xmlns="" xmlns:a16="http://schemas.microsoft.com/office/drawing/2014/main" id="{7C9D448E-A0B9-4411-B450-7D6E28A41C10}"/>
               </a:ext>
             </a:extLst>
           </p:cNvPr>
@@ -5587,7 +5587,7 @@
           <p:cNvPr id="2" name="TextBox 1">
             <a:extLst>
               <a:ext uri="{FF2B5EF4-FFF2-40B4-BE49-F238E27FC236}">
-                <a16:creationId xmlns:a16="http://schemas.microsoft.com/office/drawing/2014/main" xmlns="" id="{D2AE04BA-986C-45AB-8D2A-B3A5D9034034}"/>
+                <a16:creationId xmlns="" xmlns:a16="http://schemas.microsoft.com/office/drawing/2014/main" id="{D2AE04BA-986C-45AB-8D2A-B3A5D9034034}"/>
               </a:ext>
             </a:extLst>
           </p:cNvPr>
@@ -5978,7 +5978,7 @@
           <p:cNvPr id="10" name="Рисунок 9">
             <a:extLst>
               <a:ext uri="{FF2B5EF4-FFF2-40B4-BE49-F238E27FC236}">
-                <a16:creationId xmlns:a16="http://schemas.microsoft.com/office/drawing/2014/main" xmlns="" id="{F35784E6-2AAF-4BC9-B30E-CA63A90B6F4D}"/>
+                <a16:creationId xmlns="" xmlns:a16="http://schemas.microsoft.com/office/drawing/2014/main" id="{F35784E6-2AAF-4BC9-B30E-CA63A90B6F4D}"/>
               </a:ext>
             </a:extLst>
           </p:cNvPr>
@@ -6018,7 +6018,7 @@
           <p:cNvPr id="12" name="Рисунок 11">
             <a:extLst>
               <a:ext uri="{FF2B5EF4-FFF2-40B4-BE49-F238E27FC236}">
-                <a16:creationId xmlns:a16="http://schemas.microsoft.com/office/drawing/2014/main" xmlns="" id="{E0750C36-A92D-46F8-A006-BC7D5E6B9DFB}"/>
+                <a16:creationId xmlns="" xmlns:a16="http://schemas.microsoft.com/office/drawing/2014/main" id="{E0750C36-A92D-46F8-A006-BC7D5E6B9DFB}"/>
               </a:ext>
             </a:extLst>
           </p:cNvPr>
@@ -6058,7 +6058,7 @@
           <p:cNvPr id="14" name="Рисунок 13">
             <a:extLst>
               <a:ext uri="{FF2B5EF4-FFF2-40B4-BE49-F238E27FC236}">
-                <a16:creationId xmlns:a16="http://schemas.microsoft.com/office/drawing/2014/main" xmlns="" id="{2CA5C081-A510-4AE1-B9DD-B2685B5EB611}"/>
+                <a16:creationId xmlns="" xmlns:a16="http://schemas.microsoft.com/office/drawing/2014/main" id="{2CA5C081-A510-4AE1-B9DD-B2685B5EB611}"/>
               </a:ext>
             </a:extLst>
           </p:cNvPr>
@@ -6098,7 +6098,7 @@
           <p:cNvPr id="15" name="TextBox 14">
             <a:extLst>
               <a:ext uri="{FF2B5EF4-FFF2-40B4-BE49-F238E27FC236}">
-                <a16:creationId xmlns:a16="http://schemas.microsoft.com/office/drawing/2014/main" xmlns="" id="{19C702A2-388A-427F-8678-13C9718FB845}"/>
+                <a16:creationId xmlns="" xmlns:a16="http://schemas.microsoft.com/office/drawing/2014/main" id="{19C702A2-388A-427F-8678-13C9718FB845}"/>
               </a:ext>
             </a:extLst>
           </p:cNvPr>
@@ -6134,7 +6134,7 @@
           <p:cNvPr id="16" name="TextBox 15">
             <a:extLst>
               <a:ext uri="{FF2B5EF4-FFF2-40B4-BE49-F238E27FC236}">
-                <a16:creationId xmlns:a16="http://schemas.microsoft.com/office/drawing/2014/main" xmlns="" id="{7EE57E99-3FCE-4E36-979B-72E56BF03587}"/>
+                <a16:creationId xmlns="" xmlns:a16="http://schemas.microsoft.com/office/drawing/2014/main" id="{7EE57E99-3FCE-4E36-979B-72E56BF03587}"/>
               </a:ext>
             </a:extLst>
           </p:cNvPr>
@@ -6170,7 +6170,7 @@
           <p:cNvPr id="17" name="TextBox 16">
             <a:extLst>
               <a:ext uri="{FF2B5EF4-FFF2-40B4-BE49-F238E27FC236}">
-                <a16:creationId xmlns:a16="http://schemas.microsoft.com/office/drawing/2014/main" xmlns="" id="{C6925466-3ED0-4407-9606-E5A4BB7C5145}"/>
+                <a16:creationId xmlns="" xmlns:a16="http://schemas.microsoft.com/office/drawing/2014/main" id="{C6925466-3ED0-4407-9606-E5A4BB7C5145}"/>
               </a:ext>
             </a:extLst>
           </p:cNvPr>
@@ -6206,7 +6206,7 @@
           <p:cNvPr id="18" name="TextBox 17">
             <a:extLst>
               <a:ext uri="{FF2B5EF4-FFF2-40B4-BE49-F238E27FC236}">
-                <a16:creationId xmlns:a16="http://schemas.microsoft.com/office/drawing/2014/main" xmlns="" id="{B3EC1482-C7CC-4C1B-AC9B-F83928C2AA6B}"/>
+                <a16:creationId xmlns="" xmlns:a16="http://schemas.microsoft.com/office/drawing/2014/main" id="{B3EC1482-C7CC-4C1B-AC9B-F83928C2AA6B}"/>
               </a:ext>
             </a:extLst>
           </p:cNvPr>
@@ -6304,7 +6304,7 @@
           <p:cNvPr id="19" name="TextBox 18">
             <a:extLst>
               <a:ext uri="{FF2B5EF4-FFF2-40B4-BE49-F238E27FC236}">
-                <a16:creationId xmlns:a16="http://schemas.microsoft.com/office/drawing/2014/main" xmlns="" id="{306E7840-9DBE-4672-A2BB-C6CB0F2CA436}"/>
+                <a16:creationId xmlns="" xmlns:a16="http://schemas.microsoft.com/office/drawing/2014/main" id="{306E7840-9DBE-4672-A2BB-C6CB0F2CA436}"/>
               </a:ext>
             </a:extLst>
           </p:cNvPr>
@@ -6564,7 +6564,7 @@
           <p:cNvPr id="11" name="Заголовок 10">
             <a:extLst>
               <a:ext uri="{FF2B5EF4-FFF2-40B4-BE49-F238E27FC236}">
-                <a16:creationId xmlns:a16="http://schemas.microsoft.com/office/drawing/2014/main" xmlns="" id="{56E87C3A-473A-4420-9282-E1873D063D56}"/>
+                <a16:creationId xmlns="" xmlns:a16="http://schemas.microsoft.com/office/drawing/2014/main" id="{56E87C3A-473A-4420-9282-E1873D063D56}"/>
               </a:ext>
             </a:extLst>
           </p:cNvPr>
@@ -6648,7 +6648,7 @@
           <p:cNvPr id="7" name="Номер слайда 6">
             <a:extLst>
               <a:ext uri="{FF2B5EF4-FFF2-40B4-BE49-F238E27FC236}">
-                <a16:creationId xmlns:a16="http://schemas.microsoft.com/office/drawing/2014/main" xmlns="" id="{A3164012-125C-4366-978D-BBF703D5D182}"/>
+                <a16:creationId xmlns="" xmlns:a16="http://schemas.microsoft.com/office/drawing/2014/main" id="{A3164012-125C-4366-978D-BBF703D5D182}"/>
               </a:ext>
             </a:extLst>
           </p:cNvPr>
@@ -6678,7 +6678,7 @@
           <p:cNvPr id="30" name="Прямоугольник 29">
             <a:extLst>
               <a:ext uri="{FF2B5EF4-FFF2-40B4-BE49-F238E27FC236}">
-                <a16:creationId xmlns:a16="http://schemas.microsoft.com/office/drawing/2014/main" xmlns="" id="{21DFA590-9397-4CD8-8918-AAC7C3530398}"/>
+                <a16:creationId xmlns="" xmlns:a16="http://schemas.microsoft.com/office/drawing/2014/main" id="{21DFA590-9397-4CD8-8918-AAC7C3530398}"/>
               </a:ext>
             </a:extLst>
           </p:cNvPr>
@@ -6732,7 +6732,7 @@
           <p:cNvPr id="46" name="TextBox 45">
             <a:extLst>
               <a:ext uri="{FF2B5EF4-FFF2-40B4-BE49-F238E27FC236}">
-                <a16:creationId xmlns:a16="http://schemas.microsoft.com/office/drawing/2014/main" xmlns="" id="{B530A057-A26B-4BBD-A724-EF3FE277F262}"/>
+                <a16:creationId xmlns="" xmlns:a16="http://schemas.microsoft.com/office/drawing/2014/main" id="{B530A057-A26B-4BBD-A724-EF3FE277F262}"/>
               </a:ext>
             </a:extLst>
           </p:cNvPr>
@@ -6789,7 +6789,7 @@
           <p:cNvPr id="47" name="Прямая со стрелкой 46">
             <a:extLst>
               <a:ext uri="{FF2B5EF4-FFF2-40B4-BE49-F238E27FC236}">
-                <a16:creationId xmlns:a16="http://schemas.microsoft.com/office/drawing/2014/main" xmlns="" id="{8437FE05-27CC-4E32-BDB3-ED9FBAA38917}"/>
+                <a16:creationId xmlns="" xmlns:a16="http://schemas.microsoft.com/office/drawing/2014/main" id="{8437FE05-27CC-4E32-BDB3-ED9FBAA38917}"/>
               </a:ext>
             </a:extLst>
           </p:cNvPr>
@@ -6837,7 +6837,7 @@
           <p:cNvPr id="60" name="Стрелка: вверх 59">
             <a:extLst>
               <a:ext uri="{FF2B5EF4-FFF2-40B4-BE49-F238E27FC236}">
-                <a16:creationId xmlns:a16="http://schemas.microsoft.com/office/drawing/2014/main" xmlns="" id="{AD56F3DF-97EC-40B2-9DE4-A08AF4CB5F5B}"/>
+                <a16:creationId xmlns="" xmlns:a16="http://schemas.microsoft.com/office/drawing/2014/main" id="{AD56F3DF-97EC-40B2-9DE4-A08AF4CB5F5B}"/>
               </a:ext>
             </a:extLst>
           </p:cNvPr>
@@ -6987,7 +6987,7 @@
           <p:cNvPr id="63" name="TextBox 62">
             <a:extLst>
               <a:ext uri="{FF2B5EF4-FFF2-40B4-BE49-F238E27FC236}">
-                <a16:creationId xmlns:a16="http://schemas.microsoft.com/office/drawing/2014/main" xmlns="" id="{BB548EFC-B179-4520-B40D-42887BE06C43}"/>
+                <a16:creationId xmlns="" xmlns:a16="http://schemas.microsoft.com/office/drawing/2014/main" id="{BB548EFC-B179-4520-B40D-42887BE06C43}"/>
               </a:ext>
             </a:extLst>
           </p:cNvPr>
@@ -7027,7 +7027,7 @@
           <p:cNvPr id="64" name="Прямая со стрелкой 63">
             <a:extLst>
               <a:ext uri="{FF2B5EF4-FFF2-40B4-BE49-F238E27FC236}">
-                <a16:creationId xmlns:a16="http://schemas.microsoft.com/office/drawing/2014/main" xmlns="" id="{54A2315C-FADD-462E-BD16-CC30DF0A5FB2}"/>
+                <a16:creationId xmlns="" xmlns:a16="http://schemas.microsoft.com/office/drawing/2014/main" id="{54A2315C-FADD-462E-BD16-CC30DF0A5FB2}"/>
               </a:ext>
             </a:extLst>
           </p:cNvPr>
@@ -7075,7 +7075,7 @@
           <p:cNvPr id="65" name="TextBox 64">
             <a:extLst>
               <a:ext uri="{FF2B5EF4-FFF2-40B4-BE49-F238E27FC236}">
-                <a16:creationId xmlns:a16="http://schemas.microsoft.com/office/drawing/2014/main" xmlns="" id="{8B44D742-9577-4DD3-A040-2A762C4E1B8C}"/>
+                <a16:creationId xmlns="" xmlns:a16="http://schemas.microsoft.com/office/drawing/2014/main" id="{8B44D742-9577-4DD3-A040-2A762C4E1B8C}"/>
               </a:ext>
             </a:extLst>
           </p:cNvPr>
@@ -7115,7 +7115,7 @@
           <p:cNvPr id="66" name="Прямая со стрелкой 65">
             <a:extLst>
               <a:ext uri="{FF2B5EF4-FFF2-40B4-BE49-F238E27FC236}">
-                <a16:creationId xmlns:a16="http://schemas.microsoft.com/office/drawing/2014/main" xmlns="" id="{60D05CB2-AED3-49D2-8D87-1F2B96FC7946}"/>
+                <a16:creationId xmlns="" xmlns:a16="http://schemas.microsoft.com/office/drawing/2014/main" id="{60D05CB2-AED3-49D2-8D87-1F2B96FC7946}"/>
               </a:ext>
             </a:extLst>
           </p:cNvPr>
@@ -7163,7 +7163,7 @@
           <p:cNvPr id="67" name="TextBox 66">
             <a:extLst>
               <a:ext uri="{FF2B5EF4-FFF2-40B4-BE49-F238E27FC236}">
-                <a16:creationId xmlns:a16="http://schemas.microsoft.com/office/drawing/2014/main" xmlns="" id="{59489281-5C13-465D-8FCA-184A5E22E680}"/>
+                <a16:creationId xmlns="" xmlns:a16="http://schemas.microsoft.com/office/drawing/2014/main" id="{59489281-5C13-465D-8FCA-184A5E22E680}"/>
               </a:ext>
             </a:extLst>
           </p:cNvPr>
@@ -7203,7 +7203,7 @@
           <p:cNvPr id="68" name="Прямая со стрелкой 67">
             <a:extLst>
               <a:ext uri="{FF2B5EF4-FFF2-40B4-BE49-F238E27FC236}">
-                <a16:creationId xmlns:a16="http://schemas.microsoft.com/office/drawing/2014/main" xmlns="" id="{C9731CF6-7608-4BAD-BEF3-9DF2BD38FC4C}"/>
+                <a16:creationId xmlns="" xmlns:a16="http://schemas.microsoft.com/office/drawing/2014/main" id="{C9731CF6-7608-4BAD-BEF3-9DF2BD38FC4C}"/>
               </a:ext>
             </a:extLst>
           </p:cNvPr>
@@ -7251,7 +7251,7 @@
           <p:cNvPr id="69" name="TextBox 68">
             <a:extLst>
               <a:ext uri="{FF2B5EF4-FFF2-40B4-BE49-F238E27FC236}">
-                <a16:creationId xmlns:a16="http://schemas.microsoft.com/office/drawing/2014/main" xmlns="" id="{E099C3C1-73E1-4BFB-B6A8-DE7EBE0ECF76}"/>
+                <a16:creationId xmlns="" xmlns:a16="http://schemas.microsoft.com/office/drawing/2014/main" id="{E099C3C1-73E1-4BFB-B6A8-DE7EBE0ECF76}"/>
               </a:ext>
             </a:extLst>
           </p:cNvPr>
@@ -7291,7 +7291,7 @@
           <p:cNvPr id="73" name="Прямоугольник 72">
             <a:extLst>
               <a:ext uri="{FF2B5EF4-FFF2-40B4-BE49-F238E27FC236}">
-                <a16:creationId xmlns:a16="http://schemas.microsoft.com/office/drawing/2014/main" xmlns="" id="{E5E25B20-B3AD-4DE1-B898-52C35E6D6EEE}"/>
+                <a16:creationId xmlns="" xmlns:a16="http://schemas.microsoft.com/office/drawing/2014/main" id="{E5E25B20-B3AD-4DE1-B898-52C35E6D6EEE}"/>
               </a:ext>
             </a:extLst>
           </p:cNvPr>
@@ -7345,7 +7345,7 @@
           <p:cNvPr id="75" name="Прямоугольник 74">
             <a:extLst>
               <a:ext uri="{FF2B5EF4-FFF2-40B4-BE49-F238E27FC236}">
-                <a16:creationId xmlns:a16="http://schemas.microsoft.com/office/drawing/2014/main" xmlns="" id="{7BCD91F2-1DED-48BF-BC8D-BC78A968C3FA}"/>
+                <a16:creationId xmlns="" xmlns:a16="http://schemas.microsoft.com/office/drawing/2014/main" id="{7BCD91F2-1DED-48BF-BC8D-BC78A968C3FA}"/>
               </a:ext>
             </a:extLst>
           </p:cNvPr>
@@ -7399,7 +7399,7 @@
           <p:cNvPr id="77" name="Прямая со стрелкой 76">
             <a:extLst>
               <a:ext uri="{FF2B5EF4-FFF2-40B4-BE49-F238E27FC236}">
-                <a16:creationId xmlns:a16="http://schemas.microsoft.com/office/drawing/2014/main" xmlns="" id="{FCE4D230-AA70-4213-B641-B7A486271E38}"/>
+                <a16:creationId xmlns="" xmlns:a16="http://schemas.microsoft.com/office/drawing/2014/main" id="{FCE4D230-AA70-4213-B641-B7A486271E38}"/>
               </a:ext>
             </a:extLst>
           </p:cNvPr>
@@ -7556,7 +7556,7 @@
           <p:cNvPr id="2" name="Заголовок 1">
             <a:extLst>
               <a:ext uri="{FF2B5EF4-FFF2-40B4-BE49-F238E27FC236}">
-                <a16:creationId xmlns:a16="http://schemas.microsoft.com/office/drawing/2014/main" xmlns="" id="{5750857A-B71A-4E37-8E27-044C598B12B5}"/>
+                <a16:creationId xmlns="" xmlns:a16="http://schemas.microsoft.com/office/drawing/2014/main" id="{5750857A-B71A-4E37-8E27-044C598B12B5}"/>
               </a:ext>
             </a:extLst>
           </p:cNvPr>
@@ -7584,14 +7584,7 @@
                 <a:latin typeface="Times New Roman" panose="02020603050405020304" pitchFamily="18" charset="0"/>
                 <a:cs typeface="Times New Roman" panose="02020603050405020304" pitchFamily="18" charset="0"/>
               </a:rPr>
-              <a:t>ДСК сигнал </a:t>
-            </a:r>
-            <a:r>
-              <a:rPr lang="ru-RU" dirty="0" smtClean="0">
-                <a:latin typeface="Times New Roman" panose="02020603050405020304" pitchFamily="18" charset="0"/>
-                <a:cs typeface="Times New Roman" panose="02020603050405020304" pitchFamily="18" charset="0"/>
-              </a:rPr>
-              <a:t>СТЕКЛА: </a:t>
+              <a:t>ДСК сигнал СТЕКЛА: </a:t>
             </a:r>
             <a:r>
               <a:rPr lang="en-US" dirty="0">
@@ -7647,7 +7640,7 @@
           <p:cNvPr id="63" name="Номер слайда 62">
             <a:extLst>
               <a:ext uri="{FF2B5EF4-FFF2-40B4-BE49-F238E27FC236}">
-                <a16:creationId xmlns:a16="http://schemas.microsoft.com/office/drawing/2014/main" xmlns="" id="{1CBEC0F9-6CA2-4552-8705-253C15B2EF16}"/>
+                <a16:creationId xmlns="" xmlns:a16="http://schemas.microsoft.com/office/drawing/2014/main" id="{1CBEC0F9-6CA2-4552-8705-253C15B2EF16}"/>
               </a:ext>
             </a:extLst>
           </p:cNvPr>
@@ -7682,7 +7675,7 @@
           <p:cNvPr id="40" name="TextBox 39">
             <a:extLst>
               <a:ext uri="{FF2B5EF4-FFF2-40B4-BE49-F238E27FC236}">
-                <a16:creationId xmlns:a16="http://schemas.microsoft.com/office/drawing/2014/main" xmlns="" id="{CCA7D172-AAF8-45C3-A233-9CBDE2F210CC}"/>
+                <a16:creationId xmlns="" xmlns:a16="http://schemas.microsoft.com/office/drawing/2014/main" id="{CCA7D172-AAF8-45C3-A233-9CBDE2F210CC}"/>
               </a:ext>
             </a:extLst>
           </p:cNvPr>
@@ -7751,7 +7744,7 @@
           <p:cNvPr id="41" name="Прямая со стрелкой 40">
             <a:extLst>
               <a:ext uri="{FF2B5EF4-FFF2-40B4-BE49-F238E27FC236}">
-                <a16:creationId xmlns:a16="http://schemas.microsoft.com/office/drawing/2014/main" xmlns="" id="{A00C9D6E-EF7A-480B-9F5A-F694848A3F00}"/>
+                <a16:creationId xmlns="" xmlns:a16="http://schemas.microsoft.com/office/drawing/2014/main" id="{A00C9D6E-EF7A-480B-9F5A-F694848A3F00}"/>
               </a:ext>
             </a:extLst>
           </p:cNvPr>
@@ -7799,7 +7792,7 @@
           <p:cNvPr id="42" name="TextBox 41">
             <a:extLst>
               <a:ext uri="{FF2B5EF4-FFF2-40B4-BE49-F238E27FC236}">
-                <a16:creationId xmlns:a16="http://schemas.microsoft.com/office/drawing/2014/main" xmlns="" id="{EDCCDE12-53A8-47A3-B66E-EFA61A09E688}"/>
+                <a16:creationId xmlns="" xmlns:a16="http://schemas.microsoft.com/office/drawing/2014/main" id="{EDCCDE12-53A8-47A3-B66E-EFA61A09E688}"/>
               </a:ext>
             </a:extLst>
           </p:cNvPr>
@@ -7839,7 +7832,7 @@
           <p:cNvPr id="44" name="Прямая со стрелкой 43">
             <a:extLst>
               <a:ext uri="{FF2B5EF4-FFF2-40B4-BE49-F238E27FC236}">
-                <a16:creationId xmlns:a16="http://schemas.microsoft.com/office/drawing/2014/main" xmlns="" id="{0D672F98-12A7-4929-BC3C-B87EF3888A1C}"/>
+                <a16:creationId xmlns="" xmlns:a16="http://schemas.microsoft.com/office/drawing/2014/main" id="{0D672F98-12A7-4929-BC3C-B87EF3888A1C}"/>
               </a:ext>
             </a:extLst>
           </p:cNvPr>
@@ -7887,7 +7880,7 @@
           <p:cNvPr id="49" name="TextBox 48">
             <a:extLst>
               <a:ext uri="{FF2B5EF4-FFF2-40B4-BE49-F238E27FC236}">
-                <a16:creationId xmlns:a16="http://schemas.microsoft.com/office/drawing/2014/main" xmlns="" id="{621D0BE5-A6E9-43D1-A2C6-78A1A8F2799B}"/>
+                <a16:creationId xmlns="" xmlns:a16="http://schemas.microsoft.com/office/drawing/2014/main" id="{621D0BE5-A6E9-43D1-A2C6-78A1A8F2799B}"/>
               </a:ext>
             </a:extLst>
           </p:cNvPr>
@@ -7927,7 +7920,7 @@
           <p:cNvPr id="50" name="Прямая со стрелкой 49">
             <a:extLst>
               <a:ext uri="{FF2B5EF4-FFF2-40B4-BE49-F238E27FC236}">
-                <a16:creationId xmlns:a16="http://schemas.microsoft.com/office/drawing/2014/main" xmlns="" id="{2C043252-6D21-4C19-B6EC-C38252BA96C8}"/>
+                <a16:creationId xmlns="" xmlns:a16="http://schemas.microsoft.com/office/drawing/2014/main" id="{2C043252-6D21-4C19-B6EC-C38252BA96C8}"/>
               </a:ext>
             </a:extLst>
           </p:cNvPr>
@@ -7975,7 +7968,7 @@
           <p:cNvPr id="35" name="TextBox 34">
             <a:extLst>
               <a:ext uri="{FF2B5EF4-FFF2-40B4-BE49-F238E27FC236}">
-                <a16:creationId xmlns:a16="http://schemas.microsoft.com/office/drawing/2014/main" xmlns="" id="{2581EE7D-D624-4712-A143-23318A8CEAF6}"/>
+                <a16:creationId xmlns="" xmlns:a16="http://schemas.microsoft.com/office/drawing/2014/main" id="{2581EE7D-D624-4712-A143-23318A8CEAF6}"/>
               </a:ext>
             </a:extLst>
           </p:cNvPr>
@@ -8015,7 +8008,7 @@
           <p:cNvPr id="36" name="Прямая со стрелкой 35">
             <a:extLst>
               <a:ext uri="{FF2B5EF4-FFF2-40B4-BE49-F238E27FC236}">
-                <a16:creationId xmlns:a16="http://schemas.microsoft.com/office/drawing/2014/main" xmlns="" id="{419D6A75-F292-4A76-BDA5-7BA221530760}"/>
+                <a16:creationId xmlns="" xmlns:a16="http://schemas.microsoft.com/office/drawing/2014/main" id="{419D6A75-F292-4A76-BDA5-7BA221530760}"/>
               </a:ext>
             </a:extLst>
           </p:cNvPr>
@@ -8063,7 +8056,7 @@
           <p:cNvPr id="37" name="TextBox 36">
             <a:extLst>
               <a:ext uri="{FF2B5EF4-FFF2-40B4-BE49-F238E27FC236}">
-                <a16:creationId xmlns:a16="http://schemas.microsoft.com/office/drawing/2014/main" xmlns="" id="{4A5D79C8-1C04-457D-A3AE-BB916FBA4720}"/>
+                <a16:creationId xmlns="" xmlns:a16="http://schemas.microsoft.com/office/drawing/2014/main" id="{4A5D79C8-1C04-457D-A3AE-BB916FBA4720}"/>
               </a:ext>
             </a:extLst>
           </p:cNvPr>
@@ -8103,7 +8096,7 @@
           <p:cNvPr id="51" name="Прямоугольник 50">
             <a:extLst>
               <a:ext uri="{FF2B5EF4-FFF2-40B4-BE49-F238E27FC236}">
-                <a16:creationId xmlns:a16="http://schemas.microsoft.com/office/drawing/2014/main" xmlns="" id="{023A2662-74E1-4125-A759-41AD7EA9DB13}"/>
+                <a16:creationId xmlns="" xmlns:a16="http://schemas.microsoft.com/office/drawing/2014/main" id="{023A2662-74E1-4125-A759-41AD7EA9DB13}"/>
               </a:ext>
             </a:extLst>
           </p:cNvPr>
@@ -8157,7 +8150,7 @@
           <p:cNvPr id="52" name="Прямоугольник 51">
             <a:extLst>
               <a:ext uri="{FF2B5EF4-FFF2-40B4-BE49-F238E27FC236}">
-                <a16:creationId xmlns:a16="http://schemas.microsoft.com/office/drawing/2014/main" xmlns="" id="{2447693C-72C4-4721-8B1B-B8248172E5C5}"/>
+                <a16:creationId xmlns="" xmlns:a16="http://schemas.microsoft.com/office/drawing/2014/main" id="{2447693C-72C4-4721-8B1B-B8248172E5C5}"/>
               </a:ext>
             </a:extLst>
           </p:cNvPr>
@@ -8211,7 +8204,7 @@
           <p:cNvPr id="54" name="Прямоугольник 53">
             <a:extLst>
               <a:ext uri="{FF2B5EF4-FFF2-40B4-BE49-F238E27FC236}">
-                <a16:creationId xmlns:a16="http://schemas.microsoft.com/office/drawing/2014/main" xmlns="" id="{C598C44C-32E0-4C46-81AE-E7762BEA4E94}"/>
+                <a16:creationId xmlns="" xmlns:a16="http://schemas.microsoft.com/office/drawing/2014/main" id="{C598C44C-32E0-4C46-81AE-E7762BEA4E94}"/>
               </a:ext>
             </a:extLst>
           </p:cNvPr>
@@ -8265,7 +8258,7 @@
           <p:cNvPr id="65" name="Прямая со стрелкой 64">
             <a:extLst>
               <a:ext uri="{FF2B5EF4-FFF2-40B4-BE49-F238E27FC236}">
-                <a16:creationId xmlns:a16="http://schemas.microsoft.com/office/drawing/2014/main" xmlns="" id="{88B58083-A176-45C0-9CEB-7E95574A1775}"/>
+                <a16:creationId xmlns="" xmlns:a16="http://schemas.microsoft.com/office/drawing/2014/main" id="{88B58083-A176-45C0-9CEB-7E95574A1775}"/>
               </a:ext>
             </a:extLst>
           </p:cNvPr>
@@ -8313,7 +8306,7 @@
           <p:cNvPr id="39" name="Стрелка: вверх 59">
             <a:extLst>
               <a:ext uri="{FF2B5EF4-FFF2-40B4-BE49-F238E27FC236}">
-                <a16:creationId xmlns:a16="http://schemas.microsoft.com/office/drawing/2014/main" xmlns="" id="{AD56F3DF-97EC-40B2-9DE4-A08AF4CB5F5B}"/>
+                <a16:creationId xmlns="" xmlns:a16="http://schemas.microsoft.com/office/drawing/2014/main" id="{AD56F3DF-97EC-40B2-9DE4-A08AF4CB5F5B}"/>
               </a:ext>
             </a:extLst>
           </p:cNvPr>
@@ -8572,7 +8565,7 @@
           <p:cNvPr id="2" name="Заголовок 1">
             <a:extLst>
               <a:ext uri="{FF2B5EF4-FFF2-40B4-BE49-F238E27FC236}">
-                <a16:creationId xmlns:a16="http://schemas.microsoft.com/office/drawing/2014/main" xmlns="" id="{5750857A-B71A-4E37-8E27-044C598B12B5}"/>
+                <a16:creationId xmlns="" xmlns:a16="http://schemas.microsoft.com/office/drawing/2014/main" id="{5750857A-B71A-4E37-8E27-044C598B12B5}"/>
               </a:ext>
             </a:extLst>
           </p:cNvPr>
@@ -8600,14 +8593,7 @@
                 <a:latin typeface="Times New Roman" panose="02020603050405020304" pitchFamily="18" charset="0"/>
                 <a:cs typeface="Times New Roman" panose="02020603050405020304" pitchFamily="18" charset="0"/>
               </a:rPr>
-              <a:t>ДСК сигнал </a:t>
-            </a:r>
-            <a:r>
-              <a:rPr lang="ru-RU" dirty="0" smtClean="0">
-                <a:latin typeface="Times New Roman" panose="02020603050405020304" pitchFamily="18" charset="0"/>
-                <a:cs typeface="Times New Roman" panose="02020603050405020304" pitchFamily="18" charset="0"/>
-              </a:rPr>
-              <a:t>СТЕКЛА: </a:t>
+              <a:t>ДСК сигнал СТЕКЛА: </a:t>
             </a:r>
             <a:r>
               <a:rPr lang="en-US" dirty="0" smtClean="0">
@@ -8663,7 +8649,7 @@
           <p:cNvPr id="63" name="Номер слайда 62">
             <a:extLst>
               <a:ext uri="{FF2B5EF4-FFF2-40B4-BE49-F238E27FC236}">
-                <a16:creationId xmlns:a16="http://schemas.microsoft.com/office/drawing/2014/main" xmlns="" id="{1CBEC0F9-6CA2-4552-8705-253C15B2EF16}"/>
+                <a16:creationId xmlns="" xmlns:a16="http://schemas.microsoft.com/office/drawing/2014/main" id="{1CBEC0F9-6CA2-4552-8705-253C15B2EF16}"/>
               </a:ext>
             </a:extLst>
           </p:cNvPr>
@@ -8698,7 +8684,7 @@
           <p:cNvPr id="40" name="TextBox 39">
             <a:extLst>
               <a:ext uri="{FF2B5EF4-FFF2-40B4-BE49-F238E27FC236}">
-                <a16:creationId xmlns:a16="http://schemas.microsoft.com/office/drawing/2014/main" xmlns="" id="{CCA7D172-AAF8-45C3-A233-9CBDE2F210CC}"/>
+                <a16:creationId xmlns="" xmlns:a16="http://schemas.microsoft.com/office/drawing/2014/main" id="{CCA7D172-AAF8-45C3-A233-9CBDE2F210CC}"/>
               </a:ext>
             </a:extLst>
           </p:cNvPr>
@@ -8759,7 +8745,7 @@
           <p:cNvPr id="41" name="Прямая со стрелкой 40">
             <a:extLst>
               <a:ext uri="{FF2B5EF4-FFF2-40B4-BE49-F238E27FC236}">
-                <a16:creationId xmlns:a16="http://schemas.microsoft.com/office/drawing/2014/main" xmlns="" id="{A00C9D6E-EF7A-480B-9F5A-F694848A3F00}"/>
+                <a16:creationId xmlns="" xmlns:a16="http://schemas.microsoft.com/office/drawing/2014/main" id="{A00C9D6E-EF7A-480B-9F5A-F694848A3F00}"/>
               </a:ext>
             </a:extLst>
           </p:cNvPr>
@@ -8807,7 +8793,7 @@
           <p:cNvPr id="42" name="TextBox 41">
             <a:extLst>
               <a:ext uri="{FF2B5EF4-FFF2-40B4-BE49-F238E27FC236}">
-                <a16:creationId xmlns:a16="http://schemas.microsoft.com/office/drawing/2014/main" xmlns="" id="{EDCCDE12-53A8-47A3-B66E-EFA61A09E688}"/>
+                <a16:creationId xmlns="" xmlns:a16="http://schemas.microsoft.com/office/drawing/2014/main" id="{EDCCDE12-53A8-47A3-B66E-EFA61A09E688}"/>
               </a:ext>
             </a:extLst>
           </p:cNvPr>
@@ -8847,7 +8833,7 @@
           <p:cNvPr id="44" name="Прямая со стрелкой 43">
             <a:extLst>
               <a:ext uri="{FF2B5EF4-FFF2-40B4-BE49-F238E27FC236}">
-                <a16:creationId xmlns:a16="http://schemas.microsoft.com/office/drawing/2014/main" xmlns="" id="{0D672F98-12A7-4929-BC3C-B87EF3888A1C}"/>
+                <a16:creationId xmlns="" xmlns:a16="http://schemas.microsoft.com/office/drawing/2014/main" id="{0D672F98-12A7-4929-BC3C-B87EF3888A1C}"/>
               </a:ext>
             </a:extLst>
           </p:cNvPr>
@@ -8895,7 +8881,7 @@
           <p:cNvPr id="49" name="TextBox 48">
             <a:extLst>
               <a:ext uri="{FF2B5EF4-FFF2-40B4-BE49-F238E27FC236}">
-                <a16:creationId xmlns:a16="http://schemas.microsoft.com/office/drawing/2014/main" xmlns="" id="{621D0BE5-A6E9-43D1-A2C6-78A1A8F2799B}"/>
+                <a16:creationId xmlns="" xmlns:a16="http://schemas.microsoft.com/office/drawing/2014/main" id="{621D0BE5-A6E9-43D1-A2C6-78A1A8F2799B}"/>
               </a:ext>
             </a:extLst>
           </p:cNvPr>
@@ -8935,7 +8921,7 @@
           <p:cNvPr id="50" name="Прямая со стрелкой 49">
             <a:extLst>
               <a:ext uri="{FF2B5EF4-FFF2-40B4-BE49-F238E27FC236}">
-                <a16:creationId xmlns:a16="http://schemas.microsoft.com/office/drawing/2014/main" xmlns="" id="{2C043252-6D21-4C19-B6EC-C38252BA96C8}"/>
+                <a16:creationId xmlns="" xmlns:a16="http://schemas.microsoft.com/office/drawing/2014/main" id="{2C043252-6D21-4C19-B6EC-C38252BA96C8}"/>
               </a:ext>
             </a:extLst>
           </p:cNvPr>
@@ -8983,7 +8969,7 @@
           <p:cNvPr id="35" name="TextBox 34">
             <a:extLst>
               <a:ext uri="{FF2B5EF4-FFF2-40B4-BE49-F238E27FC236}">
-                <a16:creationId xmlns:a16="http://schemas.microsoft.com/office/drawing/2014/main" xmlns="" id="{2581EE7D-D624-4712-A143-23318A8CEAF6}"/>
+                <a16:creationId xmlns="" xmlns:a16="http://schemas.microsoft.com/office/drawing/2014/main" id="{2581EE7D-D624-4712-A143-23318A8CEAF6}"/>
               </a:ext>
             </a:extLst>
           </p:cNvPr>
@@ -9023,7 +9009,7 @@
           <p:cNvPr id="36" name="Прямая со стрелкой 35">
             <a:extLst>
               <a:ext uri="{FF2B5EF4-FFF2-40B4-BE49-F238E27FC236}">
-                <a16:creationId xmlns:a16="http://schemas.microsoft.com/office/drawing/2014/main" xmlns="" id="{419D6A75-F292-4A76-BDA5-7BA221530760}"/>
+                <a16:creationId xmlns="" xmlns:a16="http://schemas.microsoft.com/office/drawing/2014/main" id="{419D6A75-F292-4A76-BDA5-7BA221530760}"/>
               </a:ext>
             </a:extLst>
           </p:cNvPr>
@@ -9071,7 +9057,7 @@
           <p:cNvPr id="37" name="TextBox 36">
             <a:extLst>
               <a:ext uri="{FF2B5EF4-FFF2-40B4-BE49-F238E27FC236}">
-                <a16:creationId xmlns:a16="http://schemas.microsoft.com/office/drawing/2014/main" xmlns="" id="{4A5D79C8-1C04-457D-A3AE-BB916FBA4720}"/>
+                <a16:creationId xmlns="" xmlns:a16="http://schemas.microsoft.com/office/drawing/2014/main" id="{4A5D79C8-1C04-457D-A3AE-BB916FBA4720}"/>
               </a:ext>
             </a:extLst>
           </p:cNvPr>
@@ -9111,7 +9097,7 @@
           <p:cNvPr id="51" name="Прямоугольник 50">
             <a:extLst>
               <a:ext uri="{FF2B5EF4-FFF2-40B4-BE49-F238E27FC236}">
-                <a16:creationId xmlns:a16="http://schemas.microsoft.com/office/drawing/2014/main" xmlns="" id="{023A2662-74E1-4125-A759-41AD7EA9DB13}"/>
+                <a16:creationId xmlns="" xmlns:a16="http://schemas.microsoft.com/office/drawing/2014/main" id="{023A2662-74E1-4125-A759-41AD7EA9DB13}"/>
               </a:ext>
             </a:extLst>
           </p:cNvPr>
@@ -9165,7 +9151,7 @@
           <p:cNvPr id="52" name="Прямоугольник 51">
             <a:extLst>
               <a:ext uri="{FF2B5EF4-FFF2-40B4-BE49-F238E27FC236}">
-                <a16:creationId xmlns:a16="http://schemas.microsoft.com/office/drawing/2014/main" xmlns="" id="{2447693C-72C4-4721-8B1B-B8248172E5C5}"/>
+                <a16:creationId xmlns="" xmlns:a16="http://schemas.microsoft.com/office/drawing/2014/main" id="{2447693C-72C4-4721-8B1B-B8248172E5C5}"/>
               </a:ext>
             </a:extLst>
           </p:cNvPr>
@@ -9219,7 +9205,7 @@
           <p:cNvPr id="54" name="Прямоугольник 53">
             <a:extLst>
               <a:ext uri="{FF2B5EF4-FFF2-40B4-BE49-F238E27FC236}">
-                <a16:creationId xmlns:a16="http://schemas.microsoft.com/office/drawing/2014/main" xmlns="" id="{C598C44C-32E0-4C46-81AE-E7762BEA4E94}"/>
+                <a16:creationId xmlns="" xmlns:a16="http://schemas.microsoft.com/office/drawing/2014/main" id="{C598C44C-32E0-4C46-81AE-E7762BEA4E94}"/>
               </a:ext>
             </a:extLst>
           </p:cNvPr>
@@ -9273,7 +9259,7 @@
           <p:cNvPr id="65" name="Прямая со стрелкой 64">
             <a:extLst>
               <a:ext uri="{FF2B5EF4-FFF2-40B4-BE49-F238E27FC236}">
-                <a16:creationId xmlns:a16="http://schemas.microsoft.com/office/drawing/2014/main" xmlns="" id="{88B58083-A176-45C0-9CEB-7E95574A1775}"/>
+                <a16:creationId xmlns="" xmlns:a16="http://schemas.microsoft.com/office/drawing/2014/main" id="{88B58083-A176-45C0-9CEB-7E95574A1775}"/>
               </a:ext>
             </a:extLst>
           </p:cNvPr>
@@ -9321,7 +9307,7 @@
           <p:cNvPr id="34" name="Стрелка: вверх 59">
             <a:extLst>
               <a:ext uri="{FF2B5EF4-FFF2-40B4-BE49-F238E27FC236}">
-                <a16:creationId xmlns:a16="http://schemas.microsoft.com/office/drawing/2014/main" xmlns="" id="{AD56F3DF-97EC-40B2-9DE4-A08AF4CB5F5B}"/>
+                <a16:creationId xmlns="" xmlns:a16="http://schemas.microsoft.com/office/drawing/2014/main" id="{AD56F3DF-97EC-40B2-9DE4-A08AF4CB5F5B}"/>
               </a:ext>
             </a:extLst>
           </p:cNvPr>
@@ -9508,7 +9494,7 @@
           <p:cNvPr id="2" name="Заголовок 1">
             <a:extLst>
               <a:ext uri="{FF2B5EF4-FFF2-40B4-BE49-F238E27FC236}">
-                <a16:creationId xmlns:a16="http://schemas.microsoft.com/office/drawing/2014/main" xmlns="" id="{804B3D23-5310-4A6F-8BAC-53EC5DED660E}"/>
+                <a16:creationId xmlns="" xmlns:a16="http://schemas.microsoft.com/office/drawing/2014/main" id="{804B3D23-5310-4A6F-8BAC-53EC5DED660E}"/>
               </a:ext>
             </a:extLst>
           </p:cNvPr>
@@ -9543,7 +9529,7 @@
           <p:cNvPr id="4" name="Объект 3">
             <a:extLst>
               <a:ext uri="{FF2B5EF4-FFF2-40B4-BE49-F238E27FC236}">
-                <a16:creationId xmlns:a16="http://schemas.microsoft.com/office/drawing/2014/main" xmlns="" id="{5A64B944-A78D-44D4-B123-B1A6655D7AFF}"/>
+                <a16:creationId xmlns="" xmlns:a16="http://schemas.microsoft.com/office/drawing/2014/main" id="{5A64B944-A78D-44D4-B123-B1A6655D7AFF}"/>
               </a:ext>
             </a:extLst>
           </p:cNvPr>
@@ -9851,7 +9837,7 @@
           <p:cNvPr id="3" name="Номер слайда 2">
             <a:extLst>
               <a:ext uri="{FF2B5EF4-FFF2-40B4-BE49-F238E27FC236}">
-                <a16:creationId xmlns:a16="http://schemas.microsoft.com/office/drawing/2014/main" xmlns="" id="{F03C2823-ECF7-4DEF-8B68-D6722E2BF2C3}"/>
+                <a16:creationId xmlns="" xmlns:a16="http://schemas.microsoft.com/office/drawing/2014/main" id="{F03C2823-ECF7-4DEF-8B68-D6722E2BF2C3}"/>
               </a:ext>
             </a:extLst>
           </p:cNvPr>
@@ -9996,36 +9982,6 @@
               <a:latin typeface="Times New Roman" pitchFamily="18" charset="0"/>
               <a:cs typeface="Times New Roman" pitchFamily="18" charset="0"/>
             </a:endParaRPr>
-          </a:p>
-        </p:txBody>
-      </p:sp>
-      <p:sp>
-        <p:nvSpPr>
-          <p:cNvPr id="4" name="Номер слайда 3">
-            <a:extLst>
-              <a:ext uri="{FF2B5EF4-FFF2-40B4-BE49-F238E27FC236}">
-                <a16:creationId xmlns:a16="http://schemas.microsoft.com/office/drawing/2014/main" xmlns="" id="{862C2B69-C2B5-4835-9CC1-9A4E76B54967}"/>
-              </a:ext>
-            </a:extLst>
-          </p:cNvPr>
-          <p:cNvSpPr>
-            <a:spLocks noGrp="1"/>
-          </p:cNvSpPr>
-          <p:nvPr>
-            <p:ph type="sldNum" sz="quarter" idx="12"/>
-          </p:nvPr>
-        </p:nvSpPr>
-        <p:spPr/>
-        <p:txBody>
-          <a:bodyPr/>
-          <a:lstStyle/>
-          <a:p>
-            <a:fld id="{C9EB4E2A-F2F9-42E4-914F-48C9A8B5C503}" type="slidenum">
-              <a:rPr lang="ru-RU" smtClean="0"/>
-              <a:pPr/>
-              <a:t>9</a:t>
-            </a:fld>
-            <a:endParaRPr lang="ru-RU" dirty="0"/>
           </a:p>
         </p:txBody>
       </p:sp>

--- a/Крайнов фин 2.pptx
+++ b/Крайнов фин 2.pptx
@@ -117,7 +117,7 @@
   </p:defaultTextStyle>
   <p:extLst>
     <p:ext uri="{EFAFB233-063F-42B5-8137-9DF3F51BA10A}">
-      <p15:sldGuideLst xmlns:p15="http://schemas.microsoft.com/office/powerpoint/2012/main">
+      <p15:sldGuideLst xmlns:p15="http://schemas.microsoft.com/office/powerpoint/2012/main" xmlns="">
         <p15:guide id="1" orient="horz" pos="2160">
           <p15:clr>
             <a:srgbClr val="A4A3A4"/>
@@ -139,7 +139,7 @@
   <p:cmAuthor id="1" name="IlIa" initials="I" lastIdx="1" clrIdx="0">
     <p:extLst>
       <p:ext uri="{19B8F6BF-5375-455C-9EA6-DF929625EA0E}">
-        <p15:presenceInfo xmlns:p15="http://schemas.microsoft.com/office/powerpoint/2012/main" userId="IlIa" providerId="None"/>
+        <p15:presenceInfo xmlns:p15="http://schemas.microsoft.com/office/powerpoint/2012/main" xmlns="" userId="IlIa" providerId="None"/>
       </p:ext>
     </p:extLst>
   </p:cmAuthor>
@@ -397,7 +397,7 @@
     </p:spTree>
     <p:extLst>
       <p:ext uri="{BB962C8B-B14F-4D97-AF65-F5344CB8AC3E}">
-        <p14:creationId xmlns:p14="http://schemas.microsoft.com/office/powerpoint/2010/main" val="437426441"/>
+        <p14:creationId xmlns:p14="http://schemas.microsoft.com/office/powerpoint/2010/main" xmlns="" val="437426441"/>
       </p:ext>
     </p:extLst>
   </p:cSld>
@@ -572,7 +572,7 @@
     </p:spTree>
     <p:extLst>
       <p:ext uri="{BB962C8B-B14F-4D97-AF65-F5344CB8AC3E}">
-        <p14:creationId xmlns:p14="http://schemas.microsoft.com/office/powerpoint/2010/main" val="1006374730"/>
+        <p14:creationId xmlns:p14="http://schemas.microsoft.com/office/powerpoint/2010/main" xmlns="" val="1006374730"/>
       </p:ext>
     </p:extLst>
   </p:cSld>
@@ -657,7 +657,7 @@
     </p:spTree>
     <p:extLst>
       <p:ext uri="{BB962C8B-B14F-4D97-AF65-F5344CB8AC3E}">
-        <p14:creationId xmlns:p14="http://schemas.microsoft.com/office/powerpoint/2010/main" val="32094456"/>
+        <p14:creationId xmlns:p14="http://schemas.microsoft.com/office/powerpoint/2010/main" xmlns="" val="32094456"/>
       </p:ext>
     </p:extLst>
   </p:cSld>
@@ -758,7 +758,7 @@
     </p:spTree>
     <p:extLst>
       <p:ext uri="{BB962C8B-B14F-4D97-AF65-F5344CB8AC3E}">
-        <p14:creationId xmlns:p14="http://schemas.microsoft.com/office/powerpoint/2010/main" val="159424742"/>
+        <p14:creationId xmlns:p14="http://schemas.microsoft.com/office/powerpoint/2010/main" xmlns="" val="159424742"/>
       </p:ext>
     </p:extLst>
   </p:cSld>
@@ -883,7 +883,7 @@
     </p:spTree>
     <p:extLst>
       <p:ext uri="{BB962C8B-B14F-4D97-AF65-F5344CB8AC3E}">
-        <p14:creationId xmlns:p14="http://schemas.microsoft.com/office/powerpoint/2010/main" val="1556042712"/>
+        <p14:creationId xmlns:p14="http://schemas.microsoft.com/office/powerpoint/2010/main" xmlns="" val="1556042712"/>
       </p:ext>
     </p:extLst>
   </p:cSld>
@@ -1008,7 +1008,7 @@
     </p:spTree>
     <p:extLst>
       <p:ext uri="{BB962C8B-B14F-4D97-AF65-F5344CB8AC3E}">
-        <p14:creationId xmlns:p14="http://schemas.microsoft.com/office/powerpoint/2010/main" val="274394275"/>
+        <p14:creationId xmlns:p14="http://schemas.microsoft.com/office/powerpoint/2010/main" xmlns="" val="274394275"/>
       </p:ext>
     </p:extLst>
   </p:cSld>
@@ -1096,7 +1096,7 @@
     </p:spTree>
     <p:extLst>
       <p:ext uri="{BB962C8B-B14F-4D97-AF65-F5344CB8AC3E}">
-        <p14:creationId xmlns:p14="http://schemas.microsoft.com/office/powerpoint/2010/main" val="4203310378"/>
+        <p14:creationId xmlns:p14="http://schemas.microsoft.com/office/powerpoint/2010/main" xmlns="" val="4203310378"/>
       </p:ext>
     </p:extLst>
   </p:cSld>
@@ -1189,7 +1189,7 @@
     </p:spTree>
     <p:extLst>
       <p:ext uri="{BB962C8B-B14F-4D97-AF65-F5344CB8AC3E}">
-        <p14:creationId xmlns:p14="http://schemas.microsoft.com/office/powerpoint/2010/main" val="2405680100"/>
+        <p14:creationId xmlns:p14="http://schemas.microsoft.com/office/powerpoint/2010/main" xmlns="" val="2405680100"/>
       </p:ext>
     </p:extLst>
   </p:cSld>
@@ -1383,7 +1383,7 @@
     </p:spTree>
     <p:extLst>
       <p:ext uri="{BB962C8B-B14F-4D97-AF65-F5344CB8AC3E}">
-        <p14:creationId xmlns:p14="http://schemas.microsoft.com/office/powerpoint/2010/main" val="4068198096"/>
+        <p14:creationId xmlns:p14="http://schemas.microsoft.com/office/powerpoint/2010/main" xmlns="" val="4068198096"/>
       </p:ext>
     </p:extLst>
   </p:cSld>
@@ -1555,7 +1555,7 @@
     </p:spTree>
     <p:extLst>
       <p:ext uri="{BB962C8B-B14F-4D97-AF65-F5344CB8AC3E}">
-        <p14:creationId xmlns:p14="http://schemas.microsoft.com/office/powerpoint/2010/main" val="2199996533"/>
+        <p14:creationId xmlns:p14="http://schemas.microsoft.com/office/powerpoint/2010/main" xmlns="" val="2199996533"/>
       </p:ext>
     </p:extLst>
   </p:cSld>
@@ -1737,7 +1737,7 @@
     </p:spTree>
     <p:extLst>
       <p:ext uri="{BB962C8B-B14F-4D97-AF65-F5344CB8AC3E}">
-        <p14:creationId xmlns:p14="http://schemas.microsoft.com/office/powerpoint/2010/main" val="832696215"/>
+        <p14:creationId xmlns:p14="http://schemas.microsoft.com/office/powerpoint/2010/main" xmlns="" val="832696215"/>
       </p:ext>
     </p:extLst>
   </p:cSld>
@@ -1940,7 +1940,7 @@
           <p:cNvPr id="7" name="Прямоугольник 6">
             <a:extLst>
               <a:ext uri="{FF2B5EF4-FFF2-40B4-BE49-F238E27FC236}">
-                <a16:creationId xmlns="" xmlns:a16="http://schemas.microsoft.com/office/drawing/2014/main" id="{527BAA5E-164F-45A3-897B-BD561E9B8A39}"/>
+                <a16:creationId xmlns:a16="http://schemas.microsoft.com/office/drawing/2014/main" xmlns="" id="{527BAA5E-164F-45A3-897B-BD561E9B8A39}"/>
               </a:ext>
             </a:extLst>
           </p:cNvPr>
@@ -1986,7 +1986,7 @@
     </p:spTree>
     <p:extLst>
       <p:ext uri="{BB962C8B-B14F-4D97-AF65-F5344CB8AC3E}">
-        <p14:creationId xmlns:p14="http://schemas.microsoft.com/office/powerpoint/2010/main" val="74049986"/>
+        <p14:creationId xmlns:p14="http://schemas.microsoft.com/office/powerpoint/2010/main" xmlns="" val="74049986"/>
       </p:ext>
     </p:extLst>
   </p:cSld>
@@ -2232,7 +2232,7 @@
     </p:spTree>
     <p:extLst>
       <p:ext uri="{BB962C8B-B14F-4D97-AF65-F5344CB8AC3E}">
-        <p14:creationId xmlns:p14="http://schemas.microsoft.com/office/powerpoint/2010/main" val="2206270743"/>
+        <p14:creationId xmlns:p14="http://schemas.microsoft.com/office/powerpoint/2010/main" xmlns="" val="2206270743"/>
       </p:ext>
     </p:extLst>
   </p:cSld>
@@ -2466,7 +2466,7 @@
     </p:spTree>
     <p:extLst>
       <p:ext uri="{BB962C8B-B14F-4D97-AF65-F5344CB8AC3E}">
-        <p14:creationId xmlns:p14="http://schemas.microsoft.com/office/powerpoint/2010/main" val="4282383855"/>
+        <p14:creationId xmlns:p14="http://schemas.microsoft.com/office/powerpoint/2010/main" xmlns="" val="4282383855"/>
       </p:ext>
     </p:extLst>
   </p:cSld>
@@ -2835,7 +2835,7 @@
     </p:spTree>
     <p:extLst>
       <p:ext uri="{BB962C8B-B14F-4D97-AF65-F5344CB8AC3E}">
-        <p14:creationId xmlns:p14="http://schemas.microsoft.com/office/powerpoint/2010/main" val="3041597538"/>
+        <p14:creationId xmlns:p14="http://schemas.microsoft.com/office/powerpoint/2010/main" xmlns="" val="3041597538"/>
       </p:ext>
     </p:extLst>
   </p:cSld>
@@ -2955,7 +2955,7 @@
     </p:spTree>
     <p:extLst>
       <p:ext uri="{BB962C8B-B14F-4D97-AF65-F5344CB8AC3E}">
-        <p14:creationId xmlns:p14="http://schemas.microsoft.com/office/powerpoint/2010/main" val="2984864602"/>
+        <p14:creationId xmlns:p14="http://schemas.microsoft.com/office/powerpoint/2010/main" xmlns="" val="2984864602"/>
       </p:ext>
     </p:extLst>
   </p:cSld>
@@ -3052,7 +3052,7 @@
     </p:spTree>
     <p:extLst>
       <p:ext uri="{BB962C8B-B14F-4D97-AF65-F5344CB8AC3E}">
-        <p14:creationId xmlns:p14="http://schemas.microsoft.com/office/powerpoint/2010/main" val="2850460180"/>
+        <p14:creationId xmlns:p14="http://schemas.microsoft.com/office/powerpoint/2010/main" xmlns="" val="2850460180"/>
       </p:ext>
     </p:extLst>
   </p:cSld>
@@ -3331,7 +3331,7 @@
     </p:spTree>
     <p:extLst>
       <p:ext uri="{BB962C8B-B14F-4D97-AF65-F5344CB8AC3E}">
-        <p14:creationId xmlns:p14="http://schemas.microsoft.com/office/powerpoint/2010/main" val="2930097769"/>
+        <p14:creationId xmlns:p14="http://schemas.microsoft.com/office/powerpoint/2010/main" xmlns="" val="2930097769"/>
       </p:ext>
     </p:extLst>
   </p:cSld>
@@ -3590,7 +3590,7 @@
     </p:spTree>
     <p:extLst>
       <p:ext uri="{BB962C8B-B14F-4D97-AF65-F5344CB8AC3E}">
-        <p14:creationId xmlns:p14="http://schemas.microsoft.com/office/powerpoint/2010/main" val="1454835736"/>
+        <p14:creationId xmlns:p14="http://schemas.microsoft.com/office/powerpoint/2010/main" xmlns="" val="1454835736"/>
       </p:ext>
     </p:extLst>
   </p:cSld>
@@ -3841,7 +3841,7 @@
     </p:spTree>
     <p:extLst>
       <p:ext uri="{BB962C8B-B14F-4D97-AF65-F5344CB8AC3E}">
-        <p14:creationId xmlns:p14="http://schemas.microsoft.com/office/powerpoint/2010/main" val="1161659600"/>
+        <p14:creationId xmlns:p14="http://schemas.microsoft.com/office/powerpoint/2010/main" xmlns="" val="1161659600"/>
       </p:ext>
     </p:extLst>
   </p:cSld>
@@ -4165,7 +4165,7 @@
           <p:cNvPr id="5" name="TextBox 12">
             <a:extLst>
               <a:ext uri="{FF2B5EF4-FFF2-40B4-BE49-F238E27FC236}">
-                <a16:creationId xmlns="" xmlns:a16="http://schemas.microsoft.com/office/drawing/2014/main" id="{08333B1C-2DE8-4FB8-9D07-2039CCB10FE7}"/>
+                <a16:creationId xmlns:a16="http://schemas.microsoft.com/office/drawing/2014/main" xmlns="" id="{08333B1C-2DE8-4FB8-9D07-2039CCB10FE7}"/>
               </a:ext>
             </a:extLst>
           </p:cNvPr>
@@ -4299,7 +4299,7 @@
           <p:cNvPr id="6" name="Rectangle 1">
             <a:extLst>
               <a:ext uri="{FF2B5EF4-FFF2-40B4-BE49-F238E27FC236}">
-                <a16:creationId xmlns="" xmlns:a16="http://schemas.microsoft.com/office/drawing/2014/main" id="{04024E97-49A0-4E51-A0B3-370F800E9273}"/>
+                <a16:creationId xmlns:a16="http://schemas.microsoft.com/office/drawing/2014/main" xmlns="" id="{04024E97-49A0-4E51-A0B3-370F800E9273}"/>
               </a:ext>
             </a:extLst>
           </p:cNvPr>
@@ -4429,7 +4429,7 @@
           <p:cNvPr id="7" name="Picture 2" descr="http://www.unn.ru/images/header_summer.jpg">
             <a:extLst>
               <a:ext uri="{FF2B5EF4-FFF2-40B4-BE49-F238E27FC236}">
-                <a16:creationId xmlns="" xmlns:a16="http://schemas.microsoft.com/office/drawing/2014/main" id="{BE687E47-C4A4-4B49-898D-8FFAF0448A35}"/>
+                <a16:creationId xmlns:a16="http://schemas.microsoft.com/office/drawing/2014/main" xmlns="" id="{BE687E47-C4A4-4B49-898D-8FFAF0448A35}"/>
               </a:ext>
             </a:extLst>
           </p:cNvPr>
@@ -4461,7 +4461,7 @@
           <p:cNvPr id="8" name="Picture 4">
             <a:extLst>
               <a:ext uri="{FF2B5EF4-FFF2-40B4-BE49-F238E27FC236}">
-                <a16:creationId xmlns="" xmlns:a16="http://schemas.microsoft.com/office/drawing/2014/main" id="{54F43B98-A9BA-49D8-9CC0-4B186B101ED3}"/>
+                <a16:creationId xmlns:a16="http://schemas.microsoft.com/office/drawing/2014/main" xmlns="" id="{54F43B98-A9BA-49D8-9CC0-4B186B101ED3}"/>
               </a:ext>
             </a:extLst>
           </p:cNvPr>
@@ -4499,7 +4499,7 @@
           <p:cNvPr id="9" name="Прямоугольник 8">
             <a:extLst>
               <a:ext uri="{FF2B5EF4-FFF2-40B4-BE49-F238E27FC236}">
-                <a16:creationId xmlns="" xmlns:a16="http://schemas.microsoft.com/office/drawing/2014/main" id="{7BE1D65F-3F05-4762-95B0-6C8038195B0F}"/>
+                <a16:creationId xmlns:a16="http://schemas.microsoft.com/office/drawing/2014/main" xmlns="" id="{7BE1D65F-3F05-4762-95B0-6C8038195B0F}"/>
               </a:ext>
             </a:extLst>
           </p:cNvPr>
@@ -4605,7 +4605,7 @@
           <p:cNvPr id="10" name="TextBox 9">
             <a:extLst>
               <a:ext uri="{FF2B5EF4-FFF2-40B4-BE49-F238E27FC236}">
-                <a16:creationId xmlns="" xmlns:a16="http://schemas.microsoft.com/office/drawing/2014/main" id="{927AD824-3941-4F09-9309-2BECE1F1E8E6}"/>
+                <a16:creationId xmlns:a16="http://schemas.microsoft.com/office/drawing/2014/main" xmlns="" id="{927AD824-3941-4F09-9309-2BECE1F1E8E6}"/>
               </a:ext>
             </a:extLst>
           </p:cNvPr>
@@ -4641,7 +4641,7 @@
     </p:spTree>
     <p:extLst>
       <p:ext uri="{BB962C8B-B14F-4D97-AF65-F5344CB8AC3E}">
-        <p14:creationId xmlns:p14="http://schemas.microsoft.com/office/powerpoint/2010/main" val="1339301035"/>
+        <p14:creationId xmlns:p14="http://schemas.microsoft.com/office/powerpoint/2010/main" xmlns="" val="1339301035"/>
       </p:ext>
     </p:extLst>
   </p:cSld>
@@ -4687,7 +4687,7 @@
           <a:blip r:embed="rId3" cstate="print">
             <a:extLst>
               <a:ext uri="{28A0092B-C50C-407E-A947-70E740481C1C}">
-                <a14:useLocalDpi xmlns:a14="http://schemas.microsoft.com/office/drawing/2010/main" val="0"/>
+                <a14:useLocalDpi xmlns:a14="http://schemas.microsoft.com/office/drawing/2010/main" xmlns="" val="0"/>
               </a:ext>
             </a:extLst>
           </a:blip>
@@ -4716,7 +4716,7 @@
           </a:effectLst>
           <a:extLst>
             <a:ext uri="{909E8E84-426E-40DD-AFC4-6F175D3DCCD1}">
-              <a14:hiddenFill xmlns:a14="http://schemas.microsoft.com/office/drawing/2010/main">
+              <a14:hiddenFill xmlns:a14="http://schemas.microsoft.com/office/drawing/2010/main" xmlns="">
                 <a:solidFill>
                   <a:srgbClr val="FFFFFF"/>
                 </a:solidFill>
@@ -4737,7 +4737,7 @@
           <a:blip r:embed="rId4" cstate="print">
             <a:extLst>
               <a:ext uri="{28A0092B-C50C-407E-A947-70E740481C1C}">
-                <a14:useLocalDpi xmlns:a14="http://schemas.microsoft.com/office/drawing/2010/main" val="0"/>
+                <a14:useLocalDpi xmlns:a14="http://schemas.microsoft.com/office/drawing/2010/main" xmlns="" val="0"/>
               </a:ext>
             </a:extLst>
           </a:blip>
@@ -4766,7 +4766,7 @@
           </a:effectLst>
           <a:extLst>
             <a:ext uri="{909E8E84-426E-40DD-AFC4-6F175D3DCCD1}">
-              <a14:hiddenFill xmlns:a14="http://schemas.microsoft.com/office/drawing/2010/main">
+              <a14:hiddenFill xmlns:a14="http://schemas.microsoft.com/office/drawing/2010/main" xmlns="">
                 <a:solidFill>
                   <a:srgbClr val="FFFFFF"/>
                 </a:solidFill>
@@ -4787,7 +4787,7 @@
           <a:blip r:embed="rId5" cstate="print">
             <a:extLst>
               <a:ext uri="{28A0092B-C50C-407E-A947-70E740481C1C}">
-                <a14:useLocalDpi xmlns:a14="http://schemas.microsoft.com/office/drawing/2010/main" val="0"/>
+                <a14:useLocalDpi xmlns:a14="http://schemas.microsoft.com/office/drawing/2010/main" xmlns="" val="0"/>
               </a:ext>
             </a:extLst>
           </a:blip>
@@ -4814,7 +4814,7 @@
           </a:effectLst>
           <a:extLst>
             <a:ext uri="{909E8E84-426E-40DD-AFC4-6F175D3DCCD1}">
-              <a14:hiddenFill xmlns:a14="http://schemas.microsoft.com/office/drawing/2010/main">
+              <a14:hiddenFill xmlns:a14="http://schemas.microsoft.com/office/drawing/2010/main" xmlns="">
                 <a:solidFill>
                   <a:srgbClr val="FFFFFF"/>
                 </a:solidFill>
@@ -4835,7 +4835,7 @@
           <a:blip r:embed="rId6" cstate="print">
             <a:extLst>
               <a:ext uri="{28A0092B-C50C-407E-A947-70E740481C1C}">
-                <a14:useLocalDpi xmlns:a14="http://schemas.microsoft.com/office/drawing/2010/main" val="0"/>
+                <a14:useLocalDpi xmlns:a14="http://schemas.microsoft.com/office/drawing/2010/main" xmlns="" val="0"/>
               </a:ext>
             </a:extLst>
           </a:blip>
@@ -4864,7 +4864,7 @@
           </a:effectLst>
           <a:extLst>
             <a:ext uri="{909E8E84-426E-40DD-AFC4-6F175D3DCCD1}">
-              <a14:hiddenFill xmlns:a14="http://schemas.microsoft.com/office/drawing/2010/main">
+              <a14:hiddenFill xmlns:a14="http://schemas.microsoft.com/office/drawing/2010/main" xmlns="">
                 <a:solidFill>
                   <a:srgbClr val="FFFFFF"/>
                 </a:solidFill>
@@ -4878,7 +4878,7 @@
           <p:cNvPr id="7" name="Заголовок 6">
             <a:extLst>
               <a:ext uri="{FF2B5EF4-FFF2-40B4-BE49-F238E27FC236}">
-                <a16:creationId xmlns="" xmlns:a16="http://schemas.microsoft.com/office/drawing/2014/main" id="{6192612A-9B48-4BC0-A715-E74A8AFE0071}"/>
+                <a16:creationId xmlns:a16="http://schemas.microsoft.com/office/drawing/2014/main" xmlns="" id="{6192612A-9B48-4BC0-A715-E74A8AFE0071}"/>
               </a:ext>
             </a:extLst>
           </p:cNvPr>
@@ -4909,7 +4909,7 @@
           <p:cNvPr id="9" name="Объект 8">
             <a:extLst>
               <a:ext uri="{FF2B5EF4-FFF2-40B4-BE49-F238E27FC236}">
-                <a16:creationId xmlns="" xmlns:a16="http://schemas.microsoft.com/office/drawing/2014/main" id="{380DFBBE-C183-416F-A343-3598174724F2}"/>
+                <a16:creationId xmlns:a16="http://schemas.microsoft.com/office/drawing/2014/main" xmlns="" id="{380DFBBE-C183-416F-A343-3598174724F2}"/>
               </a:ext>
             </a:extLst>
           </p:cNvPr>
@@ -5041,7 +5041,7 @@
           <p:cNvPr id="6" name="Номер слайда 5">
             <a:extLst>
               <a:ext uri="{FF2B5EF4-FFF2-40B4-BE49-F238E27FC236}">
-                <a16:creationId xmlns="" xmlns:a16="http://schemas.microsoft.com/office/drawing/2014/main" id="{C9F63731-B63A-4456-BCF3-549B23B5240C}"/>
+                <a16:creationId xmlns:a16="http://schemas.microsoft.com/office/drawing/2014/main" xmlns="" id="{C9F63731-B63A-4456-BCF3-549B23B5240C}"/>
               </a:ext>
             </a:extLst>
           </p:cNvPr>
@@ -5101,7 +5101,7 @@
     </p:spTree>
     <p:extLst>
       <p:ext uri="{BB962C8B-B14F-4D97-AF65-F5344CB8AC3E}">
-        <p14:creationId xmlns:p14="http://schemas.microsoft.com/office/powerpoint/2010/main" val="2394028940"/>
+        <p14:creationId xmlns:p14="http://schemas.microsoft.com/office/powerpoint/2010/main" xmlns="" val="2394028940"/>
       </p:ext>
     </p:extLst>
   </p:cSld>
@@ -5140,7 +5140,7 @@
           <p:cNvPr id="11" name="TextBox 10">
             <a:extLst>
               <a:ext uri="{FF2B5EF4-FFF2-40B4-BE49-F238E27FC236}">
-                <a16:creationId xmlns="" xmlns:a16="http://schemas.microsoft.com/office/drawing/2014/main" id="{1BCD4BBC-E89B-4827-80B2-04BA7814016F}"/>
+                <a16:creationId xmlns:a16="http://schemas.microsoft.com/office/drawing/2014/main" xmlns="" id="{1BCD4BBC-E89B-4827-80B2-04BA7814016F}"/>
               </a:ext>
             </a:extLst>
           </p:cNvPr>
@@ -5260,7 +5260,7 @@
           <p:cNvPr id="7" name="Заголовок 6">
             <a:extLst>
               <a:ext uri="{FF2B5EF4-FFF2-40B4-BE49-F238E27FC236}">
-                <a16:creationId xmlns="" xmlns:a16="http://schemas.microsoft.com/office/drawing/2014/main" id="{E7A56D62-F2D6-4FA9-8562-24C32106A9B7}"/>
+                <a16:creationId xmlns:a16="http://schemas.microsoft.com/office/drawing/2014/main" xmlns="" id="{E7A56D62-F2D6-4FA9-8562-24C32106A9B7}"/>
               </a:ext>
             </a:extLst>
           </p:cNvPr>
@@ -5290,7 +5290,7 @@
           <p:cNvPr id="3" name="Номер слайда 2">
             <a:extLst>
               <a:ext uri="{FF2B5EF4-FFF2-40B4-BE49-F238E27FC236}">
-                <a16:creationId xmlns="" xmlns:a16="http://schemas.microsoft.com/office/drawing/2014/main" id="{8F070C9E-3A09-4349-9B21-5CDD6176BA99}"/>
+                <a16:creationId xmlns:a16="http://schemas.microsoft.com/office/drawing/2014/main" xmlns="" id="{8F070C9E-3A09-4349-9B21-5CDD6176BA99}"/>
               </a:ext>
             </a:extLst>
           </p:cNvPr>
@@ -5320,7 +5320,7 @@
           <p:cNvPr id="17" name="TextBox 16">
             <a:extLst>
               <a:ext uri="{FF2B5EF4-FFF2-40B4-BE49-F238E27FC236}">
-                <a16:creationId xmlns="" xmlns:a16="http://schemas.microsoft.com/office/drawing/2014/main" id="{2EB4B3A4-5586-40D7-83BC-00768F72EFDA}"/>
+                <a16:creationId xmlns:a16="http://schemas.microsoft.com/office/drawing/2014/main" xmlns="" id="{2EB4B3A4-5586-40D7-83BC-00768F72EFDA}"/>
               </a:ext>
             </a:extLst>
           </p:cNvPr>
@@ -5396,7 +5396,7 @@
           <p:cNvPr id="18" name="TextBox 17">
             <a:extLst>
               <a:ext uri="{FF2B5EF4-FFF2-40B4-BE49-F238E27FC236}">
-                <a16:creationId xmlns="" xmlns:a16="http://schemas.microsoft.com/office/drawing/2014/main" id="{D84B793B-04A2-431B-A3F8-EFAC14F72D0D}"/>
+                <a16:creationId xmlns:a16="http://schemas.microsoft.com/office/drawing/2014/main" xmlns="" id="{D84B793B-04A2-431B-A3F8-EFAC14F72D0D}"/>
               </a:ext>
             </a:extLst>
           </p:cNvPr>
@@ -5467,7 +5467,7 @@
           <p:cNvPr id="4" name="Рисунок 3">
             <a:extLst>
               <a:ext uri="{FF2B5EF4-FFF2-40B4-BE49-F238E27FC236}">
-                <a16:creationId xmlns="" xmlns:a16="http://schemas.microsoft.com/office/drawing/2014/main" id="{F4304A50-9376-4BDB-8461-7864B4BEF683}"/>
+                <a16:creationId xmlns:a16="http://schemas.microsoft.com/office/drawing/2014/main" xmlns="" id="{F4304A50-9376-4BDB-8461-7864B4BEF683}"/>
               </a:ext>
             </a:extLst>
           </p:cNvPr>
@@ -5507,7 +5507,7 @@
           <p:cNvPr id="12" name="TextBox 11">
             <a:extLst>
               <a:ext uri="{FF2B5EF4-FFF2-40B4-BE49-F238E27FC236}">
-                <a16:creationId xmlns="" xmlns:a16="http://schemas.microsoft.com/office/drawing/2014/main" id="{7C9D448E-A0B9-4411-B450-7D6E28A41C10}"/>
+                <a16:creationId xmlns:a16="http://schemas.microsoft.com/office/drawing/2014/main" xmlns="" id="{7C9D448E-A0B9-4411-B450-7D6E28A41C10}"/>
               </a:ext>
             </a:extLst>
           </p:cNvPr>
@@ -5587,7 +5587,7 @@
           <p:cNvPr id="2" name="TextBox 1">
             <a:extLst>
               <a:ext uri="{FF2B5EF4-FFF2-40B4-BE49-F238E27FC236}">
-                <a16:creationId xmlns="" xmlns:a16="http://schemas.microsoft.com/office/drawing/2014/main" id="{D2AE04BA-986C-45AB-8D2A-B3A5D9034034}"/>
+                <a16:creationId xmlns:a16="http://schemas.microsoft.com/office/drawing/2014/main" xmlns="" id="{D2AE04BA-986C-45AB-8D2A-B3A5D9034034}"/>
               </a:ext>
             </a:extLst>
           </p:cNvPr>
@@ -5865,7 +5865,7 @@
     </p:spTree>
     <p:extLst>
       <p:ext uri="{BB962C8B-B14F-4D97-AF65-F5344CB8AC3E}">
-        <p14:creationId xmlns:p14="http://schemas.microsoft.com/office/powerpoint/2010/main" val="491899554"/>
+        <p14:creationId xmlns:p14="http://schemas.microsoft.com/office/powerpoint/2010/main" xmlns="" val="491899554"/>
       </p:ext>
     </p:extLst>
   </p:cSld>
@@ -5978,7 +5978,7 @@
           <p:cNvPr id="10" name="Рисунок 9">
             <a:extLst>
               <a:ext uri="{FF2B5EF4-FFF2-40B4-BE49-F238E27FC236}">
-                <a16:creationId xmlns="" xmlns:a16="http://schemas.microsoft.com/office/drawing/2014/main" id="{F35784E6-2AAF-4BC9-B30E-CA63A90B6F4D}"/>
+                <a16:creationId xmlns:a16="http://schemas.microsoft.com/office/drawing/2014/main" xmlns="" id="{F35784E6-2AAF-4BC9-B30E-CA63A90B6F4D}"/>
               </a:ext>
             </a:extLst>
           </p:cNvPr>
@@ -6018,7 +6018,7 @@
           <p:cNvPr id="12" name="Рисунок 11">
             <a:extLst>
               <a:ext uri="{FF2B5EF4-FFF2-40B4-BE49-F238E27FC236}">
-                <a16:creationId xmlns="" xmlns:a16="http://schemas.microsoft.com/office/drawing/2014/main" id="{E0750C36-A92D-46F8-A006-BC7D5E6B9DFB}"/>
+                <a16:creationId xmlns:a16="http://schemas.microsoft.com/office/drawing/2014/main" xmlns="" id="{E0750C36-A92D-46F8-A006-BC7D5E6B9DFB}"/>
               </a:ext>
             </a:extLst>
           </p:cNvPr>
@@ -6058,7 +6058,7 @@
           <p:cNvPr id="14" name="Рисунок 13">
             <a:extLst>
               <a:ext uri="{FF2B5EF4-FFF2-40B4-BE49-F238E27FC236}">
-                <a16:creationId xmlns="" xmlns:a16="http://schemas.microsoft.com/office/drawing/2014/main" id="{2CA5C081-A510-4AE1-B9DD-B2685B5EB611}"/>
+                <a16:creationId xmlns:a16="http://schemas.microsoft.com/office/drawing/2014/main" xmlns="" id="{2CA5C081-A510-4AE1-B9DD-B2685B5EB611}"/>
               </a:ext>
             </a:extLst>
           </p:cNvPr>
@@ -6098,7 +6098,7 @@
           <p:cNvPr id="15" name="TextBox 14">
             <a:extLst>
               <a:ext uri="{FF2B5EF4-FFF2-40B4-BE49-F238E27FC236}">
-                <a16:creationId xmlns="" xmlns:a16="http://schemas.microsoft.com/office/drawing/2014/main" id="{19C702A2-388A-427F-8678-13C9718FB845}"/>
+                <a16:creationId xmlns:a16="http://schemas.microsoft.com/office/drawing/2014/main" xmlns="" id="{19C702A2-388A-427F-8678-13C9718FB845}"/>
               </a:ext>
             </a:extLst>
           </p:cNvPr>
@@ -6134,7 +6134,7 @@
           <p:cNvPr id="16" name="TextBox 15">
             <a:extLst>
               <a:ext uri="{FF2B5EF4-FFF2-40B4-BE49-F238E27FC236}">
-                <a16:creationId xmlns="" xmlns:a16="http://schemas.microsoft.com/office/drawing/2014/main" id="{7EE57E99-3FCE-4E36-979B-72E56BF03587}"/>
+                <a16:creationId xmlns:a16="http://schemas.microsoft.com/office/drawing/2014/main" xmlns="" id="{7EE57E99-3FCE-4E36-979B-72E56BF03587}"/>
               </a:ext>
             </a:extLst>
           </p:cNvPr>
@@ -6170,7 +6170,7 @@
           <p:cNvPr id="17" name="TextBox 16">
             <a:extLst>
               <a:ext uri="{FF2B5EF4-FFF2-40B4-BE49-F238E27FC236}">
-                <a16:creationId xmlns="" xmlns:a16="http://schemas.microsoft.com/office/drawing/2014/main" id="{C6925466-3ED0-4407-9606-E5A4BB7C5145}"/>
+                <a16:creationId xmlns:a16="http://schemas.microsoft.com/office/drawing/2014/main" xmlns="" id="{C6925466-3ED0-4407-9606-E5A4BB7C5145}"/>
               </a:ext>
             </a:extLst>
           </p:cNvPr>
@@ -6206,7 +6206,7 @@
           <p:cNvPr id="18" name="TextBox 17">
             <a:extLst>
               <a:ext uri="{FF2B5EF4-FFF2-40B4-BE49-F238E27FC236}">
-                <a16:creationId xmlns="" xmlns:a16="http://schemas.microsoft.com/office/drawing/2014/main" id="{B3EC1482-C7CC-4C1B-AC9B-F83928C2AA6B}"/>
+                <a16:creationId xmlns:a16="http://schemas.microsoft.com/office/drawing/2014/main" xmlns="" id="{B3EC1482-C7CC-4C1B-AC9B-F83928C2AA6B}"/>
               </a:ext>
             </a:extLst>
           </p:cNvPr>
@@ -6304,7 +6304,7 @@
           <p:cNvPr id="19" name="TextBox 18">
             <a:extLst>
               <a:ext uri="{FF2B5EF4-FFF2-40B4-BE49-F238E27FC236}">
-                <a16:creationId xmlns="" xmlns:a16="http://schemas.microsoft.com/office/drawing/2014/main" id="{306E7840-9DBE-4672-A2BB-C6CB0F2CA436}"/>
+                <a16:creationId xmlns:a16="http://schemas.microsoft.com/office/drawing/2014/main" xmlns="" id="{306E7840-9DBE-4672-A2BB-C6CB0F2CA436}"/>
               </a:ext>
             </a:extLst>
           </p:cNvPr>
@@ -6489,74 +6489,68 @@
       </p:grpSpPr>
       <p:pic>
         <p:nvPicPr>
-          <p:cNvPr id="5" name="Рисунок 4"/>
+          <p:cNvPr id="1028" name="Picture 4"/>
           <p:cNvPicPr>
-            <a:picLocks noChangeAspect="1"/>
+            <a:picLocks noChangeArrowheads="1"/>
           </p:cNvPicPr>
           <p:nvPr/>
         </p:nvPicPr>
         <p:blipFill>
-          <a:blip r:embed="rId3"/>
+          <a:blip r:embed="rId3" cstate="print"/>
+          <a:srcRect/>
           <a:stretch>
             <a:fillRect/>
           </a:stretch>
         </p:blipFill>
-        <p:spPr>
+        <p:spPr bwMode="auto">
           <a:xfrm>
-            <a:off x="2094841" y="4685320"/>
-            <a:ext cx="2081366" cy="2166609"/>
+            <a:off x="2161158" y="4698000"/>
+            <a:ext cx="2160000" cy="2160000"/>
           </a:xfrm>
           <a:prstGeom prst="rect">
             <a:avLst/>
           </a:prstGeom>
+          <a:noFill/>
+          <a:ln w="9525">
+            <a:noFill/>
+            <a:miter lim="800000"/>
+            <a:headEnd/>
+            <a:tailEnd/>
+          </a:ln>
+          <a:effectLst/>
         </p:spPr>
       </p:pic>
       <p:pic>
         <p:nvPicPr>
-          <p:cNvPr id="4" name="Рисунок 3"/>
+          <p:cNvPr id="1027" name="Picture 3"/>
           <p:cNvPicPr>
-            <a:picLocks noChangeAspect="1"/>
+            <a:picLocks noChangeAspect="1" noChangeArrowheads="1"/>
           </p:cNvPicPr>
           <p:nvPr/>
         </p:nvPicPr>
         <p:blipFill>
-          <a:blip r:embed="rId4"/>
+          <a:blip r:embed="rId4" cstate="print"/>
+          <a:srcRect/>
           <a:stretch>
             <a:fillRect/>
           </a:stretch>
         </p:blipFill>
-        <p:spPr>
+        <p:spPr bwMode="auto">
           <a:xfrm>
-            <a:off x="0" y="4685321"/>
-            <a:ext cx="2081366" cy="2166609"/>
+            <a:off x="-2" y="990137"/>
+            <a:ext cx="7135200" cy="3744235"/>
           </a:xfrm>
           <a:prstGeom prst="rect">
             <a:avLst/>
           </a:prstGeom>
-        </p:spPr>
-      </p:pic>
-      <p:pic>
-        <p:nvPicPr>
-          <p:cNvPr id="2" name="Рисунок 1"/>
-          <p:cNvPicPr>
-            <a:picLocks noChangeAspect="1"/>
-          </p:cNvPicPr>
-          <p:nvPr/>
-        </p:nvPicPr>
-        <p:blipFill>
-          <a:blip r:embed="rId5"/>
-          <a:stretch>
-            <a:fillRect/>
-          </a:stretch>
-        </p:blipFill>
-        <p:spPr>
-          <a:xfrm>
-            <a:off x="-13338" y="994530"/>
-            <a:ext cx="7125862" cy="3690792"/>
-          </a:xfrm>
-          <a:prstGeom prst="rect">
-            <a:avLst/>
-          </a:prstGeom>
+          <a:noFill/>
+          <a:ln w="9525">
+            <a:noFill/>
+            <a:miter lim="800000"/>
+            <a:headEnd/>
+            <a:tailEnd/>
+          </a:ln>
+          <a:effectLst/>
         </p:spPr>
       </p:pic>
       <p:sp>
@@ -6564,7 +6558,7 @@
           <p:cNvPr id="11" name="Заголовок 10">
             <a:extLst>
               <a:ext uri="{FF2B5EF4-FFF2-40B4-BE49-F238E27FC236}">
-                <a16:creationId xmlns="" xmlns:a16="http://schemas.microsoft.com/office/drawing/2014/main" id="{56E87C3A-473A-4420-9282-E1873D063D56}"/>
+                <a16:creationId xmlns:a16="http://schemas.microsoft.com/office/drawing/2014/main" xmlns="" id="{56E87C3A-473A-4420-9282-E1873D063D56}"/>
               </a:ext>
             </a:extLst>
           </p:cNvPr>
@@ -6648,7 +6642,7 @@
           <p:cNvPr id="7" name="Номер слайда 6">
             <a:extLst>
               <a:ext uri="{FF2B5EF4-FFF2-40B4-BE49-F238E27FC236}">
-                <a16:creationId xmlns="" xmlns:a16="http://schemas.microsoft.com/office/drawing/2014/main" id="{A3164012-125C-4366-978D-BBF703D5D182}"/>
+                <a16:creationId xmlns:a16="http://schemas.microsoft.com/office/drawing/2014/main" xmlns="" id="{A3164012-125C-4366-978D-BBF703D5D182}"/>
               </a:ext>
             </a:extLst>
           </p:cNvPr>
@@ -6675,64 +6669,10 @@
       </p:sp>
       <p:sp>
         <p:nvSpPr>
-          <p:cNvPr id="30" name="Прямоугольник 29">
-            <a:extLst>
-              <a:ext uri="{FF2B5EF4-FFF2-40B4-BE49-F238E27FC236}">
-                <a16:creationId xmlns="" xmlns:a16="http://schemas.microsoft.com/office/drawing/2014/main" id="{21DFA590-9397-4CD8-8918-AAC7C3530398}"/>
-              </a:ext>
-            </a:extLst>
-          </p:cNvPr>
-          <p:cNvSpPr/>
-          <p:nvPr/>
-        </p:nvSpPr>
-        <p:spPr>
-          <a:xfrm>
-            <a:off x="1662863" y="5065759"/>
-            <a:ext cx="137696" cy="1777249"/>
-          </a:xfrm>
-          <a:prstGeom prst="rect">
-            <a:avLst/>
-          </a:prstGeom>
-          <a:solidFill>
-            <a:srgbClr val="FF0000">
-              <a:alpha val="24000"/>
-            </a:srgbClr>
-          </a:solidFill>
-          <a:ln>
-            <a:noFill/>
-          </a:ln>
-        </p:spPr>
-        <p:style>
-          <a:lnRef idx="2">
-            <a:schemeClr val="accent1">
-              <a:shade val="50000"/>
-            </a:schemeClr>
-          </a:lnRef>
-          <a:fillRef idx="1">
-            <a:schemeClr val="accent1"/>
-          </a:fillRef>
-          <a:effectRef idx="0">
-            <a:schemeClr val="accent1"/>
-          </a:effectRef>
-          <a:fontRef idx="minor">
-            <a:schemeClr val="lt1"/>
-          </a:fontRef>
-        </p:style>
-        <p:txBody>
-          <a:bodyPr rtlCol="0" anchor="ctr"/>
-          <a:lstStyle/>
-          <a:p>
-            <a:pPr algn="ctr"/>
-            <a:endParaRPr lang="ru-RU"/>
-          </a:p>
-        </p:txBody>
-      </p:sp>
-      <p:sp>
-        <p:nvSpPr>
           <p:cNvPr id="46" name="TextBox 45">
             <a:extLst>
               <a:ext uri="{FF2B5EF4-FFF2-40B4-BE49-F238E27FC236}">
-                <a16:creationId xmlns="" xmlns:a16="http://schemas.microsoft.com/office/drawing/2014/main" id="{B530A057-A26B-4BBD-A724-EF3FE277F262}"/>
+                <a16:creationId xmlns:a16="http://schemas.microsoft.com/office/drawing/2014/main" xmlns="" id="{B530A057-A26B-4BBD-A724-EF3FE277F262}"/>
               </a:ext>
             </a:extLst>
           </p:cNvPr>
@@ -6741,7 +6681,7 @@
         </p:nvSpPr>
         <p:spPr>
           <a:xfrm>
-            <a:off x="4894419" y="1080891"/>
+            <a:off x="2293261" y="1329465"/>
             <a:ext cx="1210962" cy="584775"/>
           </a:xfrm>
           <a:prstGeom prst="rect">
@@ -6767,15 +6707,7 @@
             </a:r>
             <a:r>
               <a:rPr lang="ru-RU" sz="1600" b="1" dirty="0" smtClean="0"/>
-              <a:t>8</a:t>
-            </a:r>
-            <a:r>
-              <a:rPr lang="en-US" sz="1600" b="1" dirty="0" smtClean="0"/>
-              <a:t>2</a:t>
-            </a:r>
-            <a:r>
-              <a:rPr lang="ru-RU" sz="1600" b="1" dirty="0" smtClean="0"/>
-              <a:t>0 </a:t>
+              <a:t>880 </a:t>
             </a:r>
             <a:r>
               <a:rPr lang="ru-RU" sz="1600" b="1" dirty="0"/>
@@ -6789,7 +6721,7 @@
           <p:cNvPr id="47" name="Прямая со стрелкой 46">
             <a:extLst>
               <a:ext uri="{FF2B5EF4-FFF2-40B4-BE49-F238E27FC236}">
-                <a16:creationId xmlns="" xmlns:a16="http://schemas.microsoft.com/office/drawing/2014/main" id="{8437FE05-27CC-4E32-BDB3-ED9FBAA38917}"/>
+                <a16:creationId xmlns:a16="http://schemas.microsoft.com/office/drawing/2014/main" xmlns="" id="{8437FE05-27CC-4E32-BDB3-ED9FBAA38917}"/>
               </a:ext>
             </a:extLst>
           </p:cNvPr>
@@ -6800,9 +6732,9 @@
           <p:nvPr/>
         </p:nvCxnSpPr>
         <p:spPr>
-          <a:xfrm flipH="1">
-            <a:off x="4744336" y="1665666"/>
-            <a:ext cx="755564" cy="370603"/>
+          <a:xfrm>
+            <a:off x="2898742" y="1914240"/>
+            <a:ext cx="1788668" cy="331810"/>
           </a:xfrm>
           <a:prstGeom prst="straightConnector1">
             <a:avLst/>
@@ -6837,7 +6769,7 @@
           <p:cNvPr id="60" name="Стрелка: вверх 59">
             <a:extLst>
               <a:ext uri="{FF2B5EF4-FFF2-40B4-BE49-F238E27FC236}">
-                <a16:creationId xmlns="" xmlns:a16="http://schemas.microsoft.com/office/drawing/2014/main" id="{AD56F3DF-97EC-40B2-9DE4-A08AF4CB5F5B}"/>
+                <a16:creationId xmlns:a16="http://schemas.microsoft.com/office/drawing/2014/main" xmlns="" id="{AD56F3DF-97EC-40B2-9DE4-A08AF4CB5F5B}"/>
               </a:ext>
             </a:extLst>
           </p:cNvPr>
@@ -6982,12 +6914,290 @@
           </a:p>
         </p:txBody>
       </p:sp>
-      <p:sp>
-        <p:nvSpPr>
-          <p:cNvPr id="63" name="TextBox 62">
+      <p:grpSp>
+        <p:nvGrpSpPr>
+          <p:cNvPr id="42" name="Группа 41"/>
+          <p:cNvGrpSpPr/>
+          <p:nvPr/>
+        </p:nvGrpSpPr>
+        <p:grpSpPr>
+          <a:xfrm>
+            <a:off x="4305669" y="4698000"/>
+            <a:ext cx="2160000" cy="2160000"/>
+            <a:chOff x="0" y="4698000"/>
+            <a:chExt cx="2160000" cy="2160000"/>
+          </a:xfrm>
+        </p:grpSpPr>
+        <p:pic>
+          <p:nvPicPr>
+            <p:cNvPr id="1029" name="Picture 5"/>
+            <p:cNvPicPr>
+              <a:picLocks noChangeArrowheads="1"/>
+            </p:cNvPicPr>
+            <p:nvPr/>
+          </p:nvPicPr>
+          <p:blipFill>
+            <a:blip r:embed="rId5" cstate="print"/>
+            <a:srcRect/>
+            <a:stretch>
+              <a:fillRect/>
+            </a:stretch>
+          </p:blipFill>
+          <p:spPr bwMode="auto">
+            <a:xfrm>
+              <a:off x="0" y="4698000"/>
+              <a:ext cx="2160000" cy="2160000"/>
+            </a:xfrm>
+            <a:prstGeom prst="rect">
+              <a:avLst/>
+            </a:prstGeom>
+            <a:noFill/>
+            <a:ln w="9525">
+              <a:noFill/>
+              <a:miter lim="800000"/>
+              <a:headEnd/>
+              <a:tailEnd/>
+            </a:ln>
+            <a:effectLst/>
+          </p:spPr>
+        </p:pic>
+        <p:sp>
+          <p:nvSpPr>
+            <p:cNvPr id="30" name="Прямоугольник 29">
+              <a:extLst>
+                <a:ext uri="{FF2B5EF4-FFF2-40B4-BE49-F238E27FC236}">
+                  <a16:creationId xmlns:a16="http://schemas.microsoft.com/office/drawing/2014/main" xmlns="" id="{21DFA590-9397-4CD8-8918-AAC7C3530398}"/>
+                </a:ext>
+              </a:extLst>
+            </p:cNvPr>
+            <p:cNvSpPr/>
+            <p:nvPr/>
+          </p:nvSpPr>
+          <p:spPr>
+            <a:xfrm>
+              <a:off x="1544325" y="5065759"/>
+              <a:ext cx="216742" cy="1777249"/>
+            </a:xfrm>
+            <a:prstGeom prst="rect">
+              <a:avLst/>
+            </a:prstGeom>
+            <a:solidFill>
+              <a:srgbClr val="FF0000">
+                <a:alpha val="24000"/>
+              </a:srgbClr>
+            </a:solidFill>
+            <a:ln>
+              <a:noFill/>
+            </a:ln>
+          </p:spPr>
+          <p:style>
+            <a:lnRef idx="2">
+              <a:schemeClr val="accent1">
+                <a:shade val="50000"/>
+              </a:schemeClr>
+            </a:lnRef>
+            <a:fillRef idx="1">
+              <a:schemeClr val="accent1"/>
+            </a:fillRef>
+            <a:effectRef idx="0">
+              <a:schemeClr val="accent1"/>
+            </a:effectRef>
+            <a:fontRef idx="minor">
+              <a:schemeClr val="lt1"/>
+            </a:fontRef>
+          </p:style>
+          <p:txBody>
+            <a:bodyPr rtlCol="0" anchor="ctr"/>
+            <a:lstStyle/>
+            <a:p>
+              <a:pPr algn="ctr"/>
+              <a:endParaRPr lang="ru-RU"/>
+            </a:p>
+          </p:txBody>
+        </p:sp>
+        <p:sp>
+          <p:nvSpPr>
+            <p:cNvPr id="63" name="TextBox 62">
+              <a:extLst>
+                <a:ext uri="{FF2B5EF4-FFF2-40B4-BE49-F238E27FC236}">
+                  <a16:creationId xmlns:a16="http://schemas.microsoft.com/office/drawing/2014/main" xmlns="" id="{BB548EFC-B179-4520-B40D-42887BE06C43}"/>
+                </a:ext>
+              </a:extLst>
+            </p:cNvPr>
+            <p:cNvSpPr txBox="1"/>
+            <p:nvPr/>
+          </p:nvSpPr>
+          <p:spPr>
+            <a:xfrm>
+              <a:off x="337929" y="5372654"/>
+              <a:ext cx="1033245" cy="230832"/>
+            </a:xfrm>
+            <a:prstGeom prst="rect">
+              <a:avLst/>
+            </a:prstGeom>
+            <a:noFill/>
+          </p:spPr>
+          <p:txBody>
+            <a:bodyPr wrap="square" rtlCol="0">
+              <a:spAutoFit/>
+            </a:bodyPr>
+            <a:lstStyle/>
+            <a:p>
+              <a:r>
+                <a:rPr lang="ru-RU" sz="900" dirty="0"/>
+                <a:t>Жидкий</a:t>
+              </a:r>
+              <a:r>
+                <a:rPr lang="en-US" sz="900" dirty="0"/>
+                <a:t> Se</a:t>
+              </a:r>
+              <a:endParaRPr lang="ru-RU" sz="900" dirty="0"/>
+            </a:p>
+          </p:txBody>
+        </p:sp>
+        <p:cxnSp>
+          <p:nvCxnSpPr>
+            <p:cNvPr id="64" name="Прямая со стрелкой 63">
+              <a:extLst>
+                <a:ext uri="{FF2B5EF4-FFF2-40B4-BE49-F238E27FC236}">
+                  <a16:creationId xmlns:a16="http://schemas.microsoft.com/office/drawing/2014/main" xmlns="" id="{54A2315C-FADD-462E-BD16-CC30DF0A5FB2}"/>
+                </a:ext>
+              </a:extLst>
+            </p:cNvPr>
+            <p:cNvCxnSpPr>
+              <a:cxnSpLocks/>
+              <a:stCxn id="63" idx="0"/>
+            </p:cNvCxnSpPr>
+            <p:nvPr/>
+          </p:nvCxnSpPr>
+          <p:spPr>
+            <a:xfrm flipV="1">
+              <a:off x="854552" y="5291136"/>
+              <a:ext cx="90128" cy="81518"/>
+            </a:xfrm>
+            <a:prstGeom prst="straightConnector1">
+              <a:avLst/>
+            </a:prstGeom>
+            <a:ln w="19050">
+              <a:solidFill>
+                <a:schemeClr val="tx1">
+                  <a:lumMod val="95000"/>
+                  <a:lumOff val="5000"/>
+                </a:schemeClr>
+              </a:solidFill>
+              <a:tailEnd type="triangle"/>
+            </a:ln>
+          </p:spPr>
+          <p:style>
+            <a:lnRef idx="1">
+              <a:schemeClr val="accent1"/>
+            </a:lnRef>
+            <a:fillRef idx="0">
+              <a:schemeClr val="accent1"/>
+            </a:fillRef>
+            <a:effectRef idx="0">
+              <a:schemeClr val="accent1"/>
+            </a:effectRef>
+            <a:fontRef idx="minor">
+              <a:schemeClr val="tx1"/>
+            </a:fontRef>
+          </p:style>
+        </p:cxnSp>
+        <p:sp>
+          <p:nvSpPr>
+            <p:cNvPr id="65" name="TextBox 64">
+              <a:extLst>
+                <a:ext uri="{FF2B5EF4-FFF2-40B4-BE49-F238E27FC236}">
+                  <a16:creationId xmlns:a16="http://schemas.microsoft.com/office/drawing/2014/main" xmlns="" id="{8B44D742-9577-4DD3-A040-2A762C4E1B8C}"/>
+                </a:ext>
+              </a:extLst>
+            </p:cNvPr>
+            <p:cNvSpPr txBox="1"/>
+            <p:nvPr/>
+          </p:nvSpPr>
+          <p:spPr>
+            <a:xfrm>
+              <a:off x="708478" y="6211497"/>
+              <a:ext cx="741903" cy="369332"/>
+            </a:xfrm>
+            <a:prstGeom prst="rect">
+              <a:avLst/>
+            </a:prstGeom>
+            <a:noFill/>
+          </p:spPr>
+          <p:txBody>
+            <a:bodyPr wrap="square" rtlCol="0">
+              <a:spAutoFit/>
+            </a:bodyPr>
+            <a:lstStyle/>
+            <a:p>
+              <a:r>
+                <a:rPr lang="ru-RU" sz="900" dirty="0"/>
+                <a:t>Кристаллический </a:t>
+              </a:r>
+              <a:r>
+                <a:rPr lang="en-US" sz="900" dirty="0"/>
+                <a:t>Se</a:t>
+              </a:r>
+              <a:endParaRPr lang="ru-RU" sz="900" dirty="0"/>
+            </a:p>
+          </p:txBody>
+        </p:sp>
+        <p:cxnSp>
+          <p:nvCxnSpPr>
+            <p:cNvPr id="66" name="Прямая со стрелкой 65">
+              <a:extLst>
+                <a:ext uri="{FF2B5EF4-FFF2-40B4-BE49-F238E27FC236}">
+                  <a16:creationId xmlns:a16="http://schemas.microsoft.com/office/drawing/2014/main" xmlns="" id="{60D05CB2-AED3-49D2-8D87-1F2B96FC7946}"/>
+                </a:ext>
+              </a:extLst>
+            </p:cNvPr>
+            <p:cNvCxnSpPr>
+              <a:cxnSpLocks/>
+              <a:stCxn id="65" idx="0"/>
+            </p:cNvCxnSpPr>
+            <p:nvPr/>
+          </p:nvCxnSpPr>
+          <p:spPr>
+            <a:xfrm flipV="1">
+              <a:off x="1079430" y="5612073"/>
+              <a:ext cx="191119" cy="599424"/>
+            </a:xfrm>
+            <a:prstGeom prst="straightConnector1">
+              <a:avLst/>
+            </a:prstGeom>
+            <a:ln w="19050">
+              <a:solidFill>
+                <a:schemeClr val="tx1">
+                  <a:lumMod val="95000"/>
+                  <a:lumOff val="5000"/>
+                </a:schemeClr>
+              </a:solidFill>
+              <a:tailEnd type="triangle"/>
+            </a:ln>
+          </p:spPr>
+          <p:style>
+            <a:lnRef idx="1">
+              <a:schemeClr val="accent1"/>
+            </a:lnRef>
+            <a:fillRef idx="0">
+              <a:schemeClr val="accent1"/>
+            </a:fillRef>
+            <a:effectRef idx="0">
+              <a:schemeClr val="accent1"/>
+            </a:effectRef>
+            <a:fontRef idx="minor">
+              <a:schemeClr val="tx1"/>
+            </a:fontRef>
+          </p:style>
+        </p:cxnSp>
+      </p:grpSp>
+      <p:sp>
+        <p:nvSpPr>
+          <p:cNvPr id="67" name="TextBox 66">
             <a:extLst>
               <a:ext uri="{FF2B5EF4-FFF2-40B4-BE49-F238E27FC236}">
-                <a16:creationId xmlns="" xmlns:a16="http://schemas.microsoft.com/office/drawing/2014/main" id="{BB548EFC-B179-4520-B40D-42887BE06C43}"/>
+                <a16:creationId xmlns:a16="http://schemas.microsoft.com/office/drawing/2014/main" xmlns="" id="{59489281-5C13-465D-8FCA-184A5E22E680}"/>
               </a:ext>
             </a:extLst>
           </p:cNvPr>
@@ -6996,7 +7206,7 @@
         </p:nvSpPr>
         <p:spPr>
           <a:xfrm>
-            <a:off x="422595" y="5304920"/>
+            <a:off x="2473613" y="5099580"/>
             <a:ext cx="1033245" cy="230832"/>
           </a:xfrm>
           <a:prstGeom prst="rect">
@@ -7012,11 +7222,11 @@
           <a:p>
             <a:r>
               <a:rPr lang="ru-RU" sz="900" dirty="0"/>
-              <a:t>Жидкий</a:t>
-            </a:r>
-            <a:r>
-              <a:rPr lang="en-US" sz="900" dirty="0"/>
-              <a:t> Se</a:t>
+              <a:t>Жидкий </a:t>
+            </a:r>
+            <a:r>
+              <a:rPr lang="en-US" sz="900" dirty="0" err="1"/>
+              <a:t>GeSe</a:t>
             </a:r>
             <a:endParaRPr lang="ru-RU" sz="900" dirty="0"/>
           </a:p>
@@ -7024,23 +7234,23 @@
       </p:sp>
       <p:cxnSp>
         <p:nvCxnSpPr>
-          <p:cNvPr id="64" name="Прямая со стрелкой 63">
+          <p:cNvPr id="68" name="Прямая со стрелкой 67">
             <a:extLst>
               <a:ext uri="{FF2B5EF4-FFF2-40B4-BE49-F238E27FC236}">
-                <a16:creationId xmlns="" xmlns:a16="http://schemas.microsoft.com/office/drawing/2014/main" id="{54A2315C-FADD-462E-BD16-CC30DF0A5FB2}"/>
+                <a16:creationId xmlns:a16="http://schemas.microsoft.com/office/drawing/2014/main" xmlns="" id="{C9731CF6-7608-4BAD-BEF3-9DF2BD38FC4C}"/>
               </a:ext>
             </a:extLst>
           </p:cNvPr>
           <p:cNvCxnSpPr>
             <a:cxnSpLocks/>
-            <a:stCxn id="63" idx="0"/>
+            <a:stCxn id="67" idx="2"/>
           </p:cNvCxnSpPr>
           <p:nvPr/>
         </p:nvCxnSpPr>
         <p:spPr>
-          <a:xfrm flipV="1">
-            <a:off x="939218" y="5223402"/>
-            <a:ext cx="90128" cy="81518"/>
+          <a:xfrm>
+            <a:off x="2990236" y="5330412"/>
+            <a:ext cx="6964" cy="232188"/>
           </a:xfrm>
           <a:prstGeom prst="straightConnector1">
             <a:avLst/>
@@ -7072,10 +7282,10 @@
       </p:cxnSp>
       <p:sp>
         <p:nvSpPr>
-          <p:cNvPr id="65" name="TextBox 64">
+          <p:cNvPr id="69" name="TextBox 68">
             <a:extLst>
               <a:ext uri="{FF2B5EF4-FFF2-40B4-BE49-F238E27FC236}">
-                <a16:creationId xmlns="" xmlns:a16="http://schemas.microsoft.com/office/drawing/2014/main" id="{8B44D742-9577-4DD3-A040-2A762C4E1B8C}"/>
+                <a16:creationId xmlns:a16="http://schemas.microsoft.com/office/drawing/2014/main" xmlns="" id="{E099C3C1-73E1-4BFB-B6A8-DE7EBE0ECF76}"/>
               </a:ext>
             </a:extLst>
           </p:cNvPr>
@@ -7084,8 +7294,8 @@
         </p:nvSpPr>
         <p:spPr>
           <a:xfrm>
-            <a:off x="589944" y="6076030"/>
-            <a:ext cx="741903" cy="369332"/>
+            <a:off x="2765679" y="6214308"/>
+            <a:ext cx="868180" cy="369332"/>
           </a:xfrm>
           <a:prstGeom prst="rect">
             <a:avLst/>
@@ -7103,32 +7313,140 @@
               <a:t>Кристаллический </a:t>
             </a:r>
             <a:r>
-              <a:rPr lang="en-US" sz="900" dirty="0"/>
-              <a:t>Se</a:t>
+              <a:rPr lang="en-US" sz="900" dirty="0" err="1"/>
+              <a:t>GeSe</a:t>
             </a:r>
             <a:endParaRPr lang="ru-RU" sz="900" dirty="0"/>
+          </a:p>
+        </p:txBody>
+      </p:sp>
+      <p:sp>
+        <p:nvSpPr>
+          <p:cNvPr id="73" name="Прямоугольник 72">
+            <a:extLst>
+              <a:ext uri="{FF2B5EF4-FFF2-40B4-BE49-F238E27FC236}">
+                <a16:creationId xmlns:a16="http://schemas.microsoft.com/office/drawing/2014/main" xmlns="" id="{E5E25B20-B3AD-4DE1-B898-52C35E6D6EEE}"/>
+              </a:ext>
+            </a:extLst>
+          </p:cNvPr>
+          <p:cNvSpPr/>
+          <p:nvPr/>
+        </p:nvSpPr>
+        <p:spPr>
+          <a:xfrm>
+            <a:off x="4413910" y="1273987"/>
+            <a:ext cx="991769" cy="3139762"/>
+          </a:xfrm>
+          <a:prstGeom prst="rect">
+            <a:avLst/>
+          </a:prstGeom>
+          <a:solidFill>
+            <a:srgbClr val="FF0000">
+              <a:alpha val="24000"/>
+            </a:srgbClr>
+          </a:solidFill>
+          <a:ln>
+            <a:noFill/>
+          </a:ln>
+        </p:spPr>
+        <p:style>
+          <a:lnRef idx="2">
+            <a:schemeClr val="accent1">
+              <a:shade val="50000"/>
+            </a:schemeClr>
+          </a:lnRef>
+          <a:fillRef idx="1">
+            <a:schemeClr val="accent1"/>
+          </a:fillRef>
+          <a:effectRef idx="0">
+            <a:schemeClr val="accent1"/>
+          </a:effectRef>
+          <a:fontRef idx="minor">
+            <a:schemeClr val="lt1"/>
+          </a:fontRef>
+        </p:style>
+        <p:txBody>
+          <a:bodyPr rtlCol="0" anchor="ctr"/>
+          <a:lstStyle/>
+          <a:p>
+            <a:pPr algn="ctr"/>
+            <a:endParaRPr lang="ru-RU"/>
+          </a:p>
+        </p:txBody>
+      </p:sp>
+      <p:sp>
+        <p:nvSpPr>
+          <p:cNvPr id="75" name="Прямоугольник 74">
+            <a:extLst>
+              <a:ext uri="{FF2B5EF4-FFF2-40B4-BE49-F238E27FC236}">
+                <a16:creationId xmlns:a16="http://schemas.microsoft.com/office/drawing/2014/main" xmlns="" id="{7BCD91F2-1DED-48BF-BC8D-BC78A968C3FA}"/>
+              </a:ext>
+            </a:extLst>
+          </p:cNvPr>
+          <p:cNvSpPr/>
+          <p:nvPr/>
+        </p:nvSpPr>
+        <p:spPr>
+          <a:xfrm>
+            <a:off x="3693427" y="5079279"/>
+            <a:ext cx="226640" cy="1753547"/>
+          </a:xfrm>
+          <a:prstGeom prst="rect">
+            <a:avLst/>
+          </a:prstGeom>
+          <a:solidFill>
+            <a:srgbClr val="FF0000">
+              <a:alpha val="24000"/>
+            </a:srgbClr>
+          </a:solidFill>
+          <a:ln>
+            <a:noFill/>
+          </a:ln>
+        </p:spPr>
+        <p:style>
+          <a:lnRef idx="2">
+            <a:schemeClr val="accent1">
+              <a:shade val="50000"/>
+            </a:schemeClr>
+          </a:lnRef>
+          <a:fillRef idx="1">
+            <a:schemeClr val="accent1"/>
+          </a:fillRef>
+          <a:effectRef idx="0">
+            <a:schemeClr val="accent1"/>
+          </a:effectRef>
+          <a:fontRef idx="minor">
+            <a:schemeClr val="lt1"/>
+          </a:fontRef>
+        </p:style>
+        <p:txBody>
+          <a:bodyPr rtlCol="0" anchor="ctr"/>
+          <a:lstStyle/>
+          <a:p>
+            <a:pPr algn="ctr"/>
+            <a:endParaRPr lang="ru-RU" dirty="0"/>
           </a:p>
         </p:txBody>
       </p:sp>
       <p:cxnSp>
         <p:nvCxnSpPr>
-          <p:cNvPr id="66" name="Прямая со стрелкой 65">
+          <p:cNvPr id="77" name="Прямая со стрелкой 76">
             <a:extLst>
               <a:ext uri="{FF2B5EF4-FFF2-40B4-BE49-F238E27FC236}">
-                <a16:creationId xmlns="" xmlns:a16="http://schemas.microsoft.com/office/drawing/2014/main" id="{60D05CB2-AED3-49D2-8D87-1F2B96FC7946}"/>
+                <a16:creationId xmlns:a16="http://schemas.microsoft.com/office/drawing/2014/main" xmlns="" id="{FCE4D230-AA70-4213-B641-B7A486271E38}"/>
               </a:ext>
             </a:extLst>
           </p:cNvPr>
           <p:cNvCxnSpPr>
             <a:cxnSpLocks/>
-            <a:stCxn id="65" idx="0"/>
+            <a:stCxn id="69" idx="0"/>
           </p:cNvCxnSpPr>
           <p:nvPr/>
         </p:nvCxnSpPr>
         <p:spPr>
           <a:xfrm flipV="1">
-            <a:off x="960896" y="5476606"/>
-            <a:ext cx="191119" cy="599424"/>
+            <a:off x="3199769" y="5562600"/>
+            <a:ext cx="631" cy="651708"/>
           </a:xfrm>
           <a:prstGeom prst="straightConnector1">
             <a:avLst/>
@@ -7158,294 +7476,312 @@
           </a:fontRef>
         </p:style>
       </p:cxnSp>
-      <p:sp>
-        <p:nvSpPr>
-          <p:cNvPr id="67" name="TextBox 66">
-            <a:extLst>
-              <a:ext uri="{FF2B5EF4-FFF2-40B4-BE49-F238E27FC236}">
-                <a16:creationId xmlns="" xmlns:a16="http://schemas.microsoft.com/office/drawing/2014/main" id="{59489281-5C13-465D-8FCA-184A5E22E680}"/>
-              </a:ext>
-            </a:extLst>
-          </p:cNvPr>
-          <p:cNvSpPr txBox="1"/>
+      <p:grpSp>
+        <p:nvGrpSpPr>
+          <p:cNvPr id="43" name="Группа 42"/>
+          <p:cNvGrpSpPr/>
           <p:nvPr/>
-        </p:nvSpPr>
-        <p:spPr>
+        </p:nvGrpSpPr>
+        <p:grpSpPr>
           <a:xfrm>
-            <a:off x="2532880" y="5150380"/>
-            <a:ext cx="1033245" cy="230832"/>
+            <a:off x="0" y="4698000"/>
+            <a:ext cx="2160000" cy="2160000"/>
+            <a:chOff x="4301201" y="4698000"/>
+            <a:chExt cx="2160000" cy="2160000"/>
           </a:xfrm>
-          <a:prstGeom prst="rect">
-            <a:avLst/>
-          </a:prstGeom>
-          <a:noFill/>
-        </p:spPr>
-        <p:txBody>
-          <a:bodyPr wrap="square" rtlCol="0">
-            <a:spAutoFit/>
-          </a:bodyPr>
-          <a:lstStyle/>
-          <a:p>
-            <a:r>
-              <a:rPr lang="ru-RU" sz="900" dirty="0"/>
-              <a:t>Жидкий </a:t>
-            </a:r>
-            <a:r>
-              <a:rPr lang="en-US" sz="900" dirty="0" err="1"/>
-              <a:t>GeSe</a:t>
-            </a:r>
-            <a:endParaRPr lang="ru-RU" sz="900" dirty="0"/>
-          </a:p>
-        </p:txBody>
-      </p:sp>
-      <p:cxnSp>
-        <p:nvCxnSpPr>
-          <p:cNvPr id="68" name="Прямая со стрелкой 67">
-            <a:extLst>
-              <a:ext uri="{FF2B5EF4-FFF2-40B4-BE49-F238E27FC236}">
-                <a16:creationId xmlns="" xmlns:a16="http://schemas.microsoft.com/office/drawing/2014/main" id="{C9731CF6-7608-4BAD-BEF3-9DF2BD38FC4C}"/>
-              </a:ext>
-            </a:extLst>
-          </p:cNvPr>
-          <p:cNvCxnSpPr>
-            <a:cxnSpLocks/>
-            <a:stCxn id="67" idx="2"/>
-          </p:cNvCxnSpPr>
-          <p:nvPr/>
-        </p:nvCxnSpPr>
-        <p:spPr>
-          <a:xfrm flipH="1">
-            <a:off x="2979599" y="5381212"/>
-            <a:ext cx="69904" cy="175341"/>
-          </a:xfrm>
-          <a:prstGeom prst="straightConnector1">
-            <a:avLst/>
-          </a:prstGeom>
-          <a:ln w="19050">
+        </p:grpSpPr>
+        <p:pic>
+          <p:nvPicPr>
+            <p:cNvPr id="1031" name="Picture 7"/>
+            <p:cNvPicPr>
+              <a:picLocks noChangeArrowheads="1"/>
+            </p:cNvPicPr>
+            <p:nvPr/>
+          </p:nvPicPr>
+          <p:blipFill>
+            <a:blip r:embed="rId6" cstate="print"/>
+            <a:srcRect/>
+            <a:stretch>
+              <a:fillRect/>
+            </a:stretch>
+          </p:blipFill>
+          <p:spPr bwMode="auto">
+            <a:xfrm>
+              <a:off x="4301201" y="4698000"/>
+              <a:ext cx="2160000" cy="2160000"/>
+            </a:xfrm>
+            <a:prstGeom prst="rect">
+              <a:avLst/>
+            </a:prstGeom>
+            <a:noFill/>
+            <a:ln w="9525">
+              <a:noFill/>
+              <a:miter lim="800000"/>
+              <a:headEnd/>
+              <a:tailEnd/>
+            </a:ln>
+            <a:effectLst/>
+          </p:spPr>
+        </p:pic>
+        <p:sp>
+          <p:nvSpPr>
+            <p:cNvPr id="36" name="Прямоугольник 35">
+              <a:extLst>
+                <a:ext uri="{FF2B5EF4-FFF2-40B4-BE49-F238E27FC236}">
+                  <a16:creationId xmlns:a16="http://schemas.microsoft.com/office/drawing/2014/main" xmlns="" id="{7BCD91F2-1DED-48BF-BC8D-BC78A968C3FA}"/>
+                </a:ext>
+              </a:extLst>
+            </p:cNvPr>
+            <p:cNvSpPr/>
+            <p:nvPr/>
+          </p:nvSpPr>
+          <p:spPr>
+            <a:xfrm>
+              <a:off x="5834425" y="5086697"/>
+              <a:ext cx="226640" cy="1753547"/>
+            </a:xfrm>
+            <a:prstGeom prst="rect">
+              <a:avLst/>
+            </a:prstGeom>
             <a:solidFill>
-              <a:schemeClr val="tx1">
-                <a:lumMod val="95000"/>
-                <a:lumOff val="5000"/>
+              <a:srgbClr val="FF0000">
+                <a:alpha val="24000"/>
+              </a:srgbClr>
+            </a:solidFill>
+            <a:ln>
+              <a:noFill/>
+            </a:ln>
+          </p:spPr>
+          <p:style>
+            <a:lnRef idx="2">
+              <a:schemeClr val="accent1">
+                <a:shade val="50000"/>
               </a:schemeClr>
-            </a:solidFill>
-            <a:tailEnd type="triangle"/>
-          </a:ln>
-        </p:spPr>
-        <p:style>
-          <a:lnRef idx="1">
-            <a:schemeClr val="accent1"/>
-          </a:lnRef>
-          <a:fillRef idx="0">
-            <a:schemeClr val="accent1"/>
-          </a:fillRef>
-          <a:effectRef idx="0">
-            <a:schemeClr val="accent1"/>
-          </a:effectRef>
-          <a:fontRef idx="minor">
-            <a:schemeClr val="tx1"/>
-          </a:fontRef>
-        </p:style>
-      </p:cxnSp>
-      <p:sp>
-        <p:nvSpPr>
-          <p:cNvPr id="69" name="TextBox 68">
-            <a:extLst>
-              <a:ext uri="{FF2B5EF4-FFF2-40B4-BE49-F238E27FC236}">
-                <a16:creationId xmlns="" xmlns:a16="http://schemas.microsoft.com/office/drawing/2014/main" id="{E099C3C1-73E1-4BFB-B6A8-DE7EBE0ECF76}"/>
-              </a:ext>
-            </a:extLst>
-          </p:cNvPr>
-          <p:cNvSpPr txBox="1"/>
-          <p:nvPr/>
-        </p:nvSpPr>
-        <p:spPr>
-          <a:xfrm>
-            <a:off x="2697945" y="6019575"/>
-            <a:ext cx="868180" cy="369332"/>
-          </a:xfrm>
-          <a:prstGeom prst="rect">
-            <a:avLst/>
-          </a:prstGeom>
-          <a:noFill/>
-        </p:spPr>
-        <p:txBody>
-          <a:bodyPr wrap="square" rtlCol="0">
-            <a:spAutoFit/>
-          </a:bodyPr>
-          <a:lstStyle/>
-          <a:p>
-            <a:r>
-              <a:rPr lang="ru-RU" sz="900" dirty="0"/>
-              <a:t>Кристаллический </a:t>
-            </a:r>
-            <a:r>
-              <a:rPr lang="en-US" sz="900" dirty="0" err="1"/>
-              <a:t>GeSe</a:t>
-            </a:r>
-            <a:endParaRPr lang="ru-RU" sz="900" dirty="0"/>
-          </a:p>
-        </p:txBody>
-      </p:sp>
-      <p:sp>
-        <p:nvSpPr>
-          <p:cNvPr id="73" name="Прямоугольник 72">
-            <a:extLst>
-              <a:ext uri="{FF2B5EF4-FFF2-40B4-BE49-F238E27FC236}">
-                <a16:creationId xmlns="" xmlns:a16="http://schemas.microsoft.com/office/drawing/2014/main" id="{E5E25B20-B3AD-4DE1-B898-52C35E6D6EEE}"/>
-              </a:ext>
-            </a:extLst>
-          </p:cNvPr>
-          <p:cNvSpPr/>
-          <p:nvPr/>
-        </p:nvSpPr>
-        <p:spPr>
-          <a:xfrm>
-            <a:off x="4396976" y="1256232"/>
-            <a:ext cx="450840" cy="3139762"/>
-          </a:xfrm>
-          <a:prstGeom prst="rect">
-            <a:avLst/>
-          </a:prstGeom>
-          <a:solidFill>
-            <a:srgbClr val="FF0000">
-              <a:alpha val="24000"/>
-            </a:srgbClr>
-          </a:solidFill>
-          <a:ln>
+            </a:lnRef>
+            <a:fillRef idx="1">
+              <a:schemeClr val="accent1"/>
+            </a:fillRef>
+            <a:effectRef idx="0">
+              <a:schemeClr val="accent1"/>
+            </a:effectRef>
+            <a:fontRef idx="minor">
+              <a:schemeClr val="lt1"/>
+            </a:fontRef>
+          </p:style>
+          <p:txBody>
+            <a:bodyPr rtlCol="0" anchor="ctr"/>
+            <a:lstStyle/>
+            <a:p>
+              <a:pPr algn="ctr"/>
+              <a:endParaRPr lang="ru-RU" dirty="0"/>
+            </a:p>
+          </p:txBody>
+        </p:sp>
+        <p:sp>
+          <p:nvSpPr>
+            <p:cNvPr id="37" name="TextBox 36">
+              <a:extLst>
+                <a:ext uri="{FF2B5EF4-FFF2-40B4-BE49-F238E27FC236}">
+                  <a16:creationId xmlns:a16="http://schemas.microsoft.com/office/drawing/2014/main" xmlns="" id="{59489281-5C13-465D-8FCA-184A5E22E680}"/>
+                </a:ext>
+              </a:extLst>
+            </p:cNvPr>
+            <p:cNvSpPr txBox="1"/>
+            <p:nvPr/>
+          </p:nvSpPr>
+          <p:spPr>
+            <a:xfrm>
+              <a:off x="4809920" y="5163203"/>
+              <a:ext cx="1033245" cy="230832"/>
+            </a:xfrm>
+            <a:prstGeom prst="rect">
+              <a:avLst/>
+            </a:prstGeom>
             <a:noFill/>
-          </a:ln>
-        </p:spPr>
-        <p:style>
-          <a:lnRef idx="2">
-            <a:schemeClr val="accent1">
-              <a:shade val="50000"/>
-            </a:schemeClr>
-          </a:lnRef>
-          <a:fillRef idx="1">
-            <a:schemeClr val="accent1"/>
-          </a:fillRef>
-          <a:effectRef idx="0">
-            <a:schemeClr val="accent1"/>
-          </a:effectRef>
-          <a:fontRef idx="minor">
-            <a:schemeClr val="lt1"/>
-          </a:fontRef>
-        </p:style>
-        <p:txBody>
-          <a:bodyPr rtlCol="0" anchor="ctr"/>
-          <a:lstStyle/>
-          <a:p>
-            <a:pPr algn="ctr"/>
-            <a:endParaRPr lang="ru-RU"/>
-          </a:p>
-        </p:txBody>
-      </p:sp>
-      <p:sp>
-        <p:nvSpPr>
-          <p:cNvPr id="75" name="Прямоугольник 74">
-            <a:extLst>
-              <a:ext uri="{FF2B5EF4-FFF2-40B4-BE49-F238E27FC236}">
-                <a16:creationId xmlns="" xmlns:a16="http://schemas.microsoft.com/office/drawing/2014/main" id="{7BCD91F2-1DED-48BF-BC8D-BC78A968C3FA}"/>
-              </a:ext>
-            </a:extLst>
-          </p:cNvPr>
-          <p:cNvSpPr/>
-          <p:nvPr/>
-        </p:nvSpPr>
-        <p:spPr>
-          <a:xfrm>
-            <a:off x="3744229" y="5079279"/>
-            <a:ext cx="132759" cy="1753547"/>
-          </a:xfrm>
-          <a:prstGeom prst="rect">
-            <a:avLst/>
-          </a:prstGeom>
-          <a:solidFill>
-            <a:srgbClr val="FF0000">
-              <a:alpha val="24000"/>
-            </a:srgbClr>
-          </a:solidFill>
-          <a:ln>
+          </p:spPr>
+          <p:txBody>
+            <a:bodyPr wrap="square" rtlCol="0">
+              <a:spAutoFit/>
+            </a:bodyPr>
+            <a:lstStyle/>
+            <a:p>
+              <a:r>
+                <a:rPr lang="ru-RU" sz="900" dirty="0"/>
+                <a:t>Жидкий </a:t>
+              </a:r>
+              <a:r>
+                <a:rPr lang="en-US" sz="900" dirty="0" smtClean="0"/>
+                <a:t>Ga</a:t>
+              </a:r>
+              <a:r>
+                <a:rPr lang="en-US" sz="900" baseline="-25000" dirty="0" smtClean="0"/>
+                <a:t>2</a:t>
+              </a:r>
+              <a:r>
+                <a:rPr lang="en-US" sz="900" dirty="0" smtClean="0"/>
+                <a:t>Se</a:t>
+              </a:r>
+              <a:r>
+                <a:rPr lang="en-US" sz="900" baseline="-25000" dirty="0" smtClean="0"/>
+                <a:t>3</a:t>
+              </a:r>
+              <a:endParaRPr lang="ru-RU" sz="900" baseline="-25000" dirty="0"/>
+            </a:p>
+          </p:txBody>
+        </p:sp>
+        <p:cxnSp>
+          <p:nvCxnSpPr>
+            <p:cNvPr id="38" name="Прямая со стрелкой 37">
+              <a:extLst>
+                <a:ext uri="{FF2B5EF4-FFF2-40B4-BE49-F238E27FC236}">
+                  <a16:creationId xmlns:a16="http://schemas.microsoft.com/office/drawing/2014/main" xmlns="" id="{C9731CF6-7608-4BAD-BEF3-9DF2BD38FC4C}"/>
+                </a:ext>
+              </a:extLst>
+            </p:cNvPr>
+            <p:cNvCxnSpPr>
+              <a:cxnSpLocks/>
+              <a:stCxn id="37" idx="2"/>
+            </p:cNvCxnSpPr>
+            <p:nvPr/>
+          </p:nvCxnSpPr>
+          <p:spPr>
+            <a:xfrm>
+              <a:off x="5326543" y="5394035"/>
+              <a:ext cx="6964" cy="232188"/>
+            </a:xfrm>
+            <a:prstGeom prst="straightConnector1">
+              <a:avLst/>
+            </a:prstGeom>
+            <a:ln w="19050">
+              <a:solidFill>
+                <a:schemeClr val="tx1">
+                  <a:lumMod val="95000"/>
+                  <a:lumOff val="5000"/>
+                </a:schemeClr>
+              </a:solidFill>
+              <a:tailEnd type="triangle"/>
+            </a:ln>
+          </p:spPr>
+          <p:style>
+            <a:lnRef idx="1">
+              <a:schemeClr val="accent1"/>
+            </a:lnRef>
+            <a:fillRef idx="0">
+              <a:schemeClr val="accent1"/>
+            </a:fillRef>
+            <a:effectRef idx="0">
+              <a:schemeClr val="accent1"/>
+            </a:effectRef>
+            <a:fontRef idx="minor">
+              <a:schemeClr val="tx1"/>
+            </a:fontRef>
+          </p:style>
+        </p:cxnSp>
+        <p:sp>
+          <p:nvSpPr>
+            <p:cNvPr id="39" name="TextBox 38">
+              <a:extLst>
+                <a:ext uri="{FF2B5EF4-FFF2-40B4-BE49-F238E27FC236}">
+                  <a16:creationId xmlns:a16="http://schemas.microsoft.com/office/drawing/2014/main" xmlns="" id="{E099C3C1-73E1-4BFB-B6A8-DE7EBE0ECF76}"/>
+                </a:ext>
+              </a:extLst>
+            </p:cNvPr>
+            <p:cNvSpPr txBox="1"/>
+            <p:nvPr/>
+          </p:nvSpPr>
+          <p:spPr>
+            <a:xfrm>
+              <a:off x="5155252" y="6242421"/>
+              <a:ext cx="868180" cy="369332"/>
+            </a:xfrm>
+            <a:prstGeom prst="rect">
+              <a:avLst/>
+            </a:prstGeom>
             <a:noFill/>
-          </a:ln>
-        </p:spPr>
-        <p:style>
-          <a:lnRef idx="2">
-            <a:schemeClr val="accent1">
-              <a:shade val="50000"/>
-            </a:schemeClr>
-          </a:lnRef>
-          <a:fillRef idx="1">
-            <a:schemeClr val="accent1"/>
-          </a:fillRef>
-          <a:effectRef idx="0">
-            <a:schemeClr val="accent1"/>
-          </a:effectRef>
-          <a:fontRef idx="minor">
-            <a:schemeClr val="lt1"/>
-          </a:fontRef>
-        </p:style>
-        <p:txBody>
-          <a:bodyPr rtlCol="0" anchor="ctr"/>
-          <a:lstStyle/>
-          <a:p>
-            <a:pPr algn="ctr"/>
-            <a:endParaRPr lang="ru-RU" dirty="0"/>
-          </a:p>
-        </p:txBody>
-      </p:sp>
-      <p:cxnSp>
-        <p:nvCxnSpPr>
-          <p:cNvPr id="77" name="Прямая со стрелкой 76">
-            <a:extLst>
-              <a:ext uri="{FF2B5EF4-FFF2-40B4-BE49-F238E27FC236}">
-                <a16:creationId xmlns="" xmlns:a16="http://schemas.microsoft.com/office/drawing/2014/main" id="{FCE4D230-AA70-4213-B641-B7A486271E38}"/>
-              </a:ext>
-            </a:extLst>
-          </p:cNvPr>
-          <p:cNvCxnSpPr>
-            <a:cxnSpLocks/>
-            <a:stCxn id="69" idx="0"/>
-          </p:cNvCxnSpPr>
-          <p:nvPr/>
-        </p:nvCxnSpPr>
-        <p:spPr>
-          <a:xfrm flipV="1">
-            <a:off x="3132035" y="5603636"/>
-            <a:ext cx="0" cy="415939"/>
-          </a:xfrm>
-          <a:prstGeom prst="straightConnector1">
-            <a:avLst/>
-          </a:prstGeom>
-          <a:ln w="19050">
-            <a:solidFill>
-              <a:schemeClr val="tx1">
-                <a:lumMod val="95000"/>
-                <a:lumOff val="5000"/>
-              </a:schemeClr>
-            </a:solidFill>
-            <a:tailEnd type="triangle"/>
-          </a:ln>
-        </p:spPr>
-        <p:style>
-          <a:lnRef idx="1">
-            <a:schemeClr val="accent1"/>
-          </a:lnRef>
-          <a:fillRef idx="0">
-            <a:schemeClr val="accent1"/>
-          </a:fillRef>
-          <a:effectRef idx="0">
-            <a:schemeClr val="accent1"/>
-          </a:effectRef>
-          <a:fontRef idx="minor">
-            <a:schemeClr val="tx1"/>
-          </a:fontRef>
-        </p:style>
-      </p:cxnSp>
+          </p:spPr>
+          <p:txBody>
+            <a:bodyPr wrap="square" rtlCol="0">
+              <a:spAutoFit/>
+            </a:bodyPr>
+            <a:lstStyle/>
+            <a:p>
+              <a:r>
+                <a:rPr lang="ru-RU" sz="900" dirty="0"/>
+                <a:t>Кристаллический </a:t>
+              </a:r>
+              <a:r>
+                <a:rPr lang="en-US" sz="900" dirty="0" smtClean="0"/>
+                <a:t>Ga</a:t>
+              </a:r>
+              <a:r>
+                <a:rPr lang="en-US" sz="900" baseline="-25000" dirty="0" smtClean="0"/>
+                <a:t>2</a:t>
+              </a:r>
+              <a:r>
+                <a:rPr lang="en-US" sz="900" dirty="0" smtClean="0"/>
+                <a:t>Se</a:t>
+              </a:r>
+              <a:r>
+                <a:rPr lang="en-US" sz="900" baseline="-25000" dirty="0" smtClean="0"/>
+                <a:t>3</a:t>
+              </a:r>
+              <a:endParaRPr lang="ru-RU" sz="900" baseline="-25000" dirty="0"/>
+            </a:p>
+          </p:txBody>
+        </p:sp>
+        <p:cxnSp>
+          <p:nvCxnSpPr>
+            <p:cNvPr id="40" name="Прямая со стрелкой 39">
+              <a:extLst>
+                <a:ext uri="{FF2B5EF4-FFF2-40B4-BE49-F238E27FC236}">
+                  <a16:creationId xmlns:a16="http://schemas.microsoft.com/office/drawing/2014/main" xmlns="" id="{FCE4D230-AA70-4213-B641-B7A486271E38}"/>
+                </a:ext>
+              </a:extLst>
+            </p:cNvPr>
+            <p:cNvCxnSpPr>
+              <a:cxnSpLocks/>
+              <a:stCxn id="39" idx="0"/>
+            </p:cNvCxnSpPr>
+            <p:nvPr/>
+          </p:nvCxnSpPr>
+          <p:spPr>
+            <a:xfrm flipH="1" flipV="1">
+              <a:off x="5486400" y="5726097"/>
+              <a:ext cx="102942" cy="516324"/>
+            </a:xfrm>
+            <a:prstGeom prst="straightConnector1">
+              <a:avLst/>
+            </a:prstGeom>
+            <a:ln w="19050">
+              <a:solidFill>
+                <a:schemeClr val="tx1">
+                  <a:lumMod val="95000"/>
+                  <a:lumOff val="5000"/>
+                </a:schemeClr>
+              </a:solidFill>
+              <a:tailEnd type="triangle"/>
+            </a:ln>
+          </p:spPr>
+          <p:style>
+            <a:lnRef idx="1">
+              <a:schemeClr val="accent1"/>
+            </a:lnRef>
+            <a:fillRef idx="0">
+              <a:schemeClr val="accent1"/>
+            </a:fillRef>
+            <a:effectRef idx="0">
+              <a:schemeClr val="accent1"/>
+            </a:effectRef>
+            <a:fontRef idx="minor">
+              <a:schemeClr val="tx1"/>
+            </a:fontRef>
+          </p:style>
+        </p:cxnSp>
+      </p:grpSp>
     </p:spTree>
     <p:extLst>
       <p:ext uri="{BB962C8B-B14F-4D97-AF65-F5344CB8AC3E}">
-        <p14:creationId xmlns:p14="http://schemas.microsoft.com/office/powerpoint/2010/main" val="2169373476"/>
+        <p14:creationId xmlns:p14="http://schemas.microsoft.com/office/powerpoint/2010/main" xmlns="" val="2169373476"/>
       </p:ext>
     </p:extLst>
   </p:cSld>
@@ -7488,7 +7824,7 @@
           <p:nvPr/>
         </p:nvPicPr>
         <p:blipFill>
-          <a:blip r:embed="rId3"/>
+          <a:blip r:embed="rId3" cstate="print"/>
           <a:stretch>
             <a:fillRect/>
           </a:stretch>
@@ -7503,60 +7839,12 @@
           </a:prstGeom>
         </p:spPr>
       </p:pic>
-      <p:pic>
-        <p:nvPicPr>
-          <p:cNvPr id="10" name="Рисунок 9"/>
-          <p:cNvPicPr>
-            <a:picLocks/>
-          </p:cNvPicPr>
-          <p:nvPr/>
-        </p:nvPicPr>
-        <p:blipFill>
-          <a:blip r:embed="rId4"/>
-          <a:stretch>
-            <a:fillRect/>
-          </a:stretch>
-        </p:blipFill>
-        <p:spPr>
-          <a:xfrm>
-            <a:off x="-1492" y="4710288"/>
-            <a:ext cx="2160000" cy="2160000"/>
-          </a:xfrm>
-          <a:prstGeom prst="rect">
-            <a:avLst/>
-          </a:prstGeom>
-        </p:spPr>
-      </p:pic>
-      <p:pic>
-        <p:nvPicPr>
-          <p:cNvPr id="8" name="Рисунок 7"/>
-          <p:cNvPicPr>
-            <a:picLocks/>
-          </p:cNvPicPr>
-          <p:nvPr/>
-        </p:nvPicPr>
-        <p:blipFill>
-          <a:blip r:embed="rId5"/>
-          <a:stretch>
-            <a:fillRect/>
-          </a:stretch>
-        </p:blipFill>
-        <p:spPr>
-          <a:xfrm>
-            <a:off x="2158508" y="4710227"/>
-            <a:ext cx="2160000" cy="2160000"/>
-          </a:xfrm>
-          <a:prstGeom prst="rect">
-            <a:avLst/>
-          </a:prstGeom>
-        </p:spPr>
-      </p:pic>
       <p:sp>
         <p:nvSpPr>
           <p:cNvPr id="2" name="Заголовок 1">
             <a:extLst>
               <a:ext uri="{FF2B5EF4-FFF2-40B4-BE49-F238E27FC236}">
-                <a16:creationId xmlns="" xmlns:a16="http://schemas.microsoft.com/office/drawing/2014/main" id="{5750857A-B71A-4E37-8E27-044C598B12B5}"/>
+                <a16:creationId xmlns:a16="http://schemas.microsoft.com/office/drawing/2014/main" xmlns="" id="{5750857A-B71A-4E37-8E27-044C598B12B5}"/>
               </a:ext>
             </a:extLst>
           </p:cNvPr>
@@ -7640,7 +7928,7 @@
           <p:cNvPr id="63" name="Номер слайда 62">
             <a:extLst>
               <a:ext uri="{FF2B5EF4-FFF2-40B4-BE49-F238E27FC236}">
-                <a16:creationId xmlns="" xmlns:a16="http://schemas.microsoft.com/office/drawing/2014/main" id="{1CBEC0F9-6CA2-4552-8705-253C15B2EF16}"/>
+                <a16:creationId xmlns:a16="http://schemas.microsoft.com/office/drawing/2014/main" xmlns="" id="{1CBEC0F9-6CA2-4552-8705-253C15B2EF16}"/>
               </a:ext>
             </a:extLst>
           </p:cNvPr>
@@ -7675,7 +7963,7 @@
           <p:cNvPr id="40" name="TextBox 39">
             <a:extLst>
               <a:ext uri="{FF2B5EF4-FFF2-40B4-BE49-F238E27FC236}">
-                <a16:creationId xmlns="" xmlns:a16="http://schemas.microsoft.com/office/drawing/2014/main" id="{CCA7D172-AAF8-45C3-A233-9CBDE2F210CC}"/>
+                <a16:creationId xmlns:a16="http://schemas.microsoft.com/office/drawing/2014/main" xmlns="" id="{CCA7D172-AAF8-45C3-A233-9CBDE2F210CC}"/>
               </a:ext>
             </a:extLst>
           </p:cNvPr>
@@ -7744,7 +8032,7 @@
           <p:cNvPr id="41" name="Прямая со стрелкой 40">
             <a:extLst>
               <a:ext uri="{FF2B5EF4-FFF2-40B4-BE49-F238E27FC236}">
-                <a16:creationId xmlns="" xmlns:a16="http://schemas.microsoft.com/office/drawing/2014/main" id="{A00C9D6E-EF7A-480B-9F5A-F694848A3F00}"/>
+                <a16:creationId xmlns:a16="http://schemas.microsoft.com/office/drawing/2014/main" xmlns="" id="{A00C9D6E-EF7A-480B-9F5A-F694848A3F00}"/>
               </a:ext>
             </a:extLst>
           </p:cNvPr>
@@ -7789,314 +8077,10 @@
       </p:cxnSp>
       <p:sp>
         <p:nvSpPr>
-          <p:cNvPr id="42" name="TextBox 41">
-            <a:extLst>
-              <a:ext uri="{FF2B5EF4-FFF2-40B4-BE49-F238E27FC236}">
-                <a16:creationId xmlns="" xmlns:a16="http://schemas.microsoft.com/office/drawing/2014/main" id="{EDCCDE12-53A8-47A3-B66E-EFA61A09E688}"/>
-              </a:ext>
-            </a:extLst>
-          </p:cNvPr>
-          <p:cNvSpPr txBox="1"/>
-          <p:nvPr/>
-        </p:nvSpPr>
-        <p:spPr>
-          <a:xfrm>
-            <a:off x="392799" y="5503911"/>
-            <a:ext cx="1033245" cy="230832"/>
-          </a:xfrm>
-          <a:prstGeom prst="rect">
-            <a:avLst/>
-          </a:prstGeom>
-          <a:noFill/>
-        </p:spPr>
-        <p:txBody>
-          <a:bodyPr wrap="square" rtlCol="0">
-            <a:spAutoFit/>
-          </a:bodyPr>
-          <a:lstStyle/>
-          <a:p>
-            <a:r>
-              <a:rPr lang="ru-RU" sz="900" dirty="0"/>
-              <a:t>Жидкий</a:t>
-            </a:r>
-            <a:r>
-              <a:rPr lang="en-US" sz="900" dirty="0"/>
-              <a:t> Se</a:t>
-            </a:r>
-            <a:endParaRPr lang="ru-RU" sz="900" dirty="0"/>
-          </a:p>
-        </p:txBody>
-      </p:sp>
-      <p:cxnSp>
-        <p:nvCxnSpPr>
-          <p:cNvPr id="44" name="Прямая со стрелкой 43">
-            <a:extLst>
-              <a:ext uri="{FF2B5EF4-FFF2-40B4-BE49-F238E27FC236}">
-                <a16:creationId xmlns="" xmlns:a16="http://schemas.microsoft.com/office/drawing/2014/main" id="{0D672F98-12A7-4929-BC3C-B87EF3888A1C}"/>
-              </a:ext>
-            </a:extLst>
-          </p:cNvPr>
-          <p:cNvCxnSpPr>
-            <a:cxnSpLocks/>
-            <a:stCxn id="42" idx="0"/>
-          </p:cNvCxnSpPr>
-          <p:nvPr/>
-        </p:nvCxnSpPr>
-        <p:spPr>
-          <a:xfrm flipV="1">
-            <a:off x="909422" y="5352562"/>
-            <a:ext cx="88383" cy="151349"/>
-          </a:xfrm>
-          <a:prstGeom prst="straightConnector1">
-            <a:avLst/>
-          </a:prstGeom>
-          <a:ln w="19050">
-            <a:solidFill>
-              <a:schemeClr val="tx1">
-                <a:lumMod val="95000"/>
-                <a:lumOff val="5000"/>
-              </a:schemeClr>
-            </a:solidFill>
-            <a:tailEnd type="triangle"/>
-          </a:ln>
-        </p:spPr>
-        <p:style>
-          <a:lnRef idx="1">
-            <a:schemeClr val="accent1"/>
-          </a:lnRef>
-          <a:fillRef idx="0">
-            <a:schemeClr val="accent1"/>
-          </a:fillRef>
-          <a:effectRef idx="0">
-            <a:schemeClr val="accent1"/>
-          </a:effectRef>
-          <a:fontRef idx="minor">
-            <a:schemeClr val="tx1"/>
-          </a:fontRef>
-        </p:style>
-      </p:cxnSp>
-      <p:sp>
-        <p:nvSpPr>
-          <p:cNvPr id="49" name="TextBox 48">
-            <a:extLst>
-              <a:ext uri="{FF2B5EF4-FFF2-40B4-BE49-F238E27FC236}">
-                <a16:creationId xmlns="" xmlns:a16="http://schemas.microsoft.com/office/drawing/2014/main" id="{621D0BE5-A6E9-43D1-A2C6-78A1A8F2799B}"/>
-              </a:ext>
-            </a:extLst>
-          </p:cNvPr>
-          <p:cNvSpPr txBox="1"/>
-          <p:nvPr/>
-        </p:nvSpPr>
-        <p:spPr>
-          <a:xfrm>
-            <a:off x="745711" y="6200499"/>
-            <a:ext cx="741903" cy="369332"/>
-          </a:xfrm>
-          <a:prstGeom prst="rect">
-            <a:avLst/>
-          </a:prstGeom>
-          <a:noFill/>
-        </p:spPr>
-        <p:txBody>
-          <a:bodyPr wrap="square" rtlCol="0">
-            <a:spAutoFit/>
-          </a:bodyPr>
-          <a:lstStyle/>
-          <a:p>
-            <a:r>
-              <a:rPr lang="ru-RU" sz="900" dirty="0"/>
-              <a:t>Кристаллический </a:t>
-            </a:r>
-            <a:r>
-              <a:rPr lang="en-US" sz="900" dirty="0"/>
-              <a:t>Se</a:t>
-            </a:r>
-            <a:endParaRPr lang="ru-RU" sz="900" dirty="0"/>
-          </a:p>
-        </p:txBody>
-      </p:sp>
-      <p:cxnSp>
-        <p:nvCxnSpPr>
-          <p:cNvPr id="50" name="Прямая со стрелкой 49">
-            <a:extLst>
-              <a:ext uri="{FF2B5EF4-FFF2-40B4-BE49-F238E27FC236}">
-                <a16:creationId xmlns="" xmlns:a16="http://schemas.microsoft.com/office/drawing/2014/main" id="{2C043252-6D21-4C19-B6EC-C38252BA96C8}"/>
-              </a:ext>
-            </a:extLst>
-          </p:cNvPr>
-          <p:cNvCxnSpPr>
-            <a:cxnSpLocks/>
-            <a:stCxn id="49" idx="0"/>
-          </p:cNvCxnSpPr>
-          <p:nvPr/>
-        </p:nvCxnSpPr>
-        <p:spPr>
-          <a:xfrm flipV="1">
-            <a:off x="1116663" y="5747377"/>
-            <a:ext cx="18674" cy="453122"/>
-          </a:xfrm>
-          <a:prstGeom prst="straightConnector1">
-            <a:avLst/>
-          </a:prstGeom>
-          <a:ln w="19050">
-            <a:solidFill>
-              <a:schemeClr val="tx1">
-                <a:lumMod val="95000"/>
-                <a:lumOff val="5000"/>
-              </a:schemeClr>
-            </a:solidFill>
-            <a:tailEnd type="triangle"/>
-          </a:ln>
-        </p:spPr>
-        <p:style>
-          <a:lnRef idx="1">
-            <a:schemeClr val="accent1"/>
-          </a:lnRef>
-          <a:fillRef idx="0">
-            <a:schemeClr val="accent1"/>
-          </a:fillRef>
-          <a:effectRef idx="0">
-            <a:schemeClr val="accent1"/>
-          </a:effectRef>
-          <a:fontRef idx="minor">
-            <a:schemeClr val="tx1"/>
-          </a:fontRef>
-        </p:style>
-      </p:cxnSp>
-      <p:sp>
-        <p:nvSpPr>
-          <p:cNvPr id="35" name="TextBox 34">
-            <a:extLst>
-              <a:ext uri="{FF2B5EF4-FFF2-40B4-BE49-F238E27FC236}">
-                <a16:creationId xmlns="" xmlns:a16="http://schemas.microsoft.com/office/drawing/2014/main" id="{2581EE7D-D624-4712-A143-23318A8CEAF6}"/>
-              </a:ext>
-            </a:extLst>
-          </p:cNvPr>
-          <p:cNvSpPr txBox="1"/>
-          <p:nvPr/>
-        </p:nvSpPr>
-        <p:spPr>
-          <a:xfrm>
-            <a:off x="2627363" y="5078948"/>
-            <a:ext cx="1033245" cy="230832"/>
-          </a:xfrm>
-          <a:prstGeom prst="rect">
-            <a:avLst/>
-          </a:prstGeom>
-          <a:noFill/>
-        </p:spPr>
-        <p:txBody>
-          <a:bodyPr wrap="square" rtlCol="0">
-            <a:spAutoFit/>
-          </a:bodyPr>
-          <a:lstStyle/>
-          <a:p>
-            <a:r>
-              <a:rPr lang="ru-RU" sz="900" dirty="0"/>
-              <a:t>Жидкий </a:t>
-            </a:r>
-            <a:r>
-              <a:rPr lang="en-US" sz="900" dirty="0" err="1"/>
-              <a:t>GeSe</a:t>
-            </a:r>
-            <a:endParaRPr lang="ru-RU" sz="900" dirty="0"/>
-          </a:p>
-        </p:txBody>
-      </p:sp>
-      <p:cxnSp>
-        <p:nvCxnSpPr>
-          <p:cNvPr id="36" name="Прямая со стрелкой 35">
-            <a:extLst>
-              <a:ext uri="{FF2B5EF4-FFF2-40B4-BE49-F238E27FC236}">
-                <a16:creationId xmlns="" xmlns:a16="http://schemas.microsoft.com/office/drawing/2014/main" id="{419D6A75-F292-4A76-BDA5-7BA221530760}"/>
-              </a:ext>
-            </a:extLst>
-          </p:cNvPr>
-          <p:cNvCxnSpPr>
-            <a:cxnSpLocks/>
-            <a:stCxn id="35" idx="2"/>
-          </p:cNvCxnSpPr>
-          <p:nvPr/>
-        </p:nvCxnSpPr>
-        <p:spPr>
-          <a:xfrm flipH="1">
-            <a:off x="3112304" y="5309780"/>
-            <a:ext cx="31682" cy="180323"/>
-          </a:xfrm>
-          <a:prstGeom prst="straightConnector1">
-            <a:avLst/>
-          </a:prstGeom>
-          <a:ln w="19050">
-            <a:solidFill>
-              <a:schemeClr val="tx1">
-                <a:lumMod val="95000"/>
-                <a:lumOff val="5000"/>
-              </a:schemeClr>
-            </a:solidFill>
-            <a:tailEnd type="triangle"/>
-          </a:ln>
-        </p:spPr>
-        <p:style>
-          <a:lnRef idx="1">
-            <a:schemeClr val="accent1"/>
-          </a:lnRef>
-          <a:fillRef idx="0">
-            <a:schemeClr val="accent1"/>
-          </a:fillRef>
-          <a:effectRef idx="0">
-            <a:schemeClr val="accent1"/>
-          </a:effectRef>
-          <a:fontRef idx="minor">
-            <a:schemeClr val="tx1"/>
-          </a:fontRef>
-        </p:style>
-      </p:cxnSp>
-      <p:sp>
-        <p:nvSpPr>
-          <p:cNvPr id="37" name="TextBox 36">
-            <a:extLst>
-              <a:ext uri="{FF2B5EF4-FFF2-40B4-BE49-F238E27FC236}">
-                <a16:creationId xmlns="" xmlns:a16="http://schemas.microsoft.com/office/drawing/2014/main" id="{4A5D79C8-1C04-457D-A3AE-BB916FBA4720}"/>
-              </a:ext>
-            </a:extLst>
-          </p:cNvPr>
-          <p:cNvSpPr txBox="1"/>
-          <p:nvPr/>
-        </p:nvSpPr>
-        <p:spPr>
-          <a:xfrm>
-            <a:off x="2750933" y="6015833"/>
-            <a:ext cx="1096609" cy="369332"/>
-          </a:xfrm>
-          <a:prstGeom prst="rect">
-            <a:avLst/>
-          </a:prstGeom>
-          <a:noFill/>
-        </p:spPr>
-        <p:txBody>
-          <a:bodyPr wrap="square" rtlCol="0">
-            <a:spAutoFit/>
-          </a:bodyPr>
-          <a:lstStyle/>
-          <a:p>
-            <a:r>
-              <a:rPr lang="ru-RU" sz="900" dirty="0"/>
-              <a:t>Кристаллический </a:t>
-            </a:r>
-            <a:r>
-              <a:rPr lang="en-US" sz="900" dirty="0" err="1"/>
-              <a:t>GeSe</a:t>
-            </a:r>
-            <a:endParaRPr lang="ru-RU" sz="900" dirty="0"/>
-          </a:p>
-        </p:txBody>
-      </p:sp>
-      <p:sp>
-        <p:nvSpPr>
           <p:cNvPr id="51" name="Прямоугольник 50">
             <a:extLst>
               <a:ext uri="{FF2B5EF4-FFF2-40B4-BE49-F238E27FC236}">
-                <a16:creationId xmlns="" xmlns:a16="http://schemas.microsoft.com/office/drawing/2014/main" id="{023A2662-74E1-4125-A759-41AD7EA9DB13}"/>
+                <a16:creationId xmlns:a16="http://schemas.microsoft.com/office/drawing/2014/main" xmlns="" id="{023A2662-74E1-4125-A759-41AD7EA9DB13}"/>
               </a:ext>
             </a:extLst>
           </p:cNvPr>
@@ -8105,7 +8089,7 @@
         </p:nvSpPr>
         <p:spPr>
           <a:xfrm>
-            <a:off x="4206732" y="1294140"/>
+            <a:off x="4215199" y="1294140"/>
             <a:ext cx="792558" cy="3126154"/>
           </a:xfrm>
           <a:prstGeom prst="rect">
@@ -8145,168 +8129,550 @@
           </a:p>
         </p:txBody>
       </p:sp>
-      <p:sp>
-        <p:nvSpPr>
-          <p:cNvPr id="52" name="Прямоугольник 51">
-            <a:extLst>
-              <a:ext uri="{FF2B5EF4-FFF2-40B4-BE49-F238E27FC236}">
-                <a16:creationId xmlns="" xmlns:a16="http://schemas.microsoft.com/office/drawing/2014/main" id="{2447693C-72C4-4721-8B1B-B8248172E5C5}"/>
-              </a:ext>
-            </a:extLst>
-          </p:cNvPr>
-          <p:cNvSpPr/>
+      <p:grpSp>
+        <p:nvGrpSpPr>
+          <p:cNvPr id="32" name="Группа 31"/>
+          <p:cNvGrpSpPr/>
           <p:nvPr/>
-        </p:nvSpPr>
-        <p:spPr>
+        </p:nvGrpSpPr>
+        <p:grpSpPr>
           <a:xfrm>
-            <a:off x="1512579" y="5063677"/>
-            <a:ext cx="176455" cy="1779147"/>
+            <a:off x="4286423" y="4698000"/>
+            <a:ext cx="2160000" cy="2160000"/>
+            <a:chOff x="-1492" y="4710288"/>
+            <a:chExt cx="2160000" cy="2160000"/>
           </a:xfrm>
-          <a:prstGeom prst="rect">
-            <a:avLst/>
-          </a:prstGeom>
-          <a:solidFill>
-            <a:srgbClr val="FF0000">
-              <a:alpha val="24000"/>
-            </a:srgbClr>
-          </a:solidFill>
-          <a:ln>
+        </p:grpSpPr>
+        <p:pic>
+          <p:nvPicPr>
+            <p:cNvPr id="10" name="Рисунок 9"/>
+            <p:cNvPicPr>
+              <a:picLocks/>
+            </p:cNvPicPr>
+            <p:nvPr/>
+          </p:nvPicPr>
+          <p:blipFill>
+            <a:blip r:embed="rId4" cstate="print"/>
+            <a:stretch>
+              <a:fillRect/>
+            </a:stretch>
+          </p:blipFill>
+          <p:spPr>
+            <a:xfrm>
+              <a:off x="-1492" y="4710288"/>
+              <a:ext cx="2160000" cy="2160000"/>
+            </a:xfrm>
+            <a:prstGeom prst="rect">
+              <a:avLst/>
+            </a:prstGeom>
+          </p:spPr>
+        </p:pic>
+        <p:sp>
+          <p:nvSpPr>
+            <p:cNvPr id="42" name="TextBox 41">
+              <a:extLst>
+                <a:ext uri="{FF2B5EF4-FFF2-40B4-BE49-F238E27FC236}">
+                  <a16:creationId xmlns:a16="http://schemas.microsoft.com/office/drawing/2014/main" xmlns="" id="{EDCCDE12-53A8-47A3-B66E-EFA61A09E688}"/>
+                </a:ext>
+              </a:extLst>
+            </p:cNvPr>
+            <p:cNvSpPr txBox="1"/>
+            <p:nvPr/>
+          </p:nvSpPr>
+          <p:spPr>
+            <a:xfrm>
+              <a:off x="392799" y="5503911"/>
+              <a:ext cx="1033245" cy="230832"/>
+            </a:xfrm>
+            <a:prstGeom prst="rect">
+              <a:avLst/>
+            </a:prstGeom>
             <a:noFill/>
-          </a:ln>
-        </p:spPr>
-        <p:style>
-          <a:lnRef idx="2">
-            <a:schemeClr val="accent1">
-              <a:shade val="50000"/>
-            </a:schemeClr>
-          </a:lnRef>
-          <a:fillRef idx="1">
-            <a:schemeClr val="accent1"/>
-          </a:fillRef>
-          <a:effectRef idx="0">
-            <a:schemeClr val="accent1"/>
-          </a:effectRef>
-          <a:fontRef idx="minor">
-            <a:schemeClr val="lt1"/>
-          </a:fontRef>
-        </p:style>
-        <p:txBody>
-          <a:bodyPr rtlCol="0" anchor="ctr"/>
-          <a:lstStyle/>
-          <a:p>
-            <a:pPr algn="ctr"/>
-            <a:endParaRPr lang="ru-RU"/>
-          </a:p>
-        </p:txBody>
-      </p:sp>
-      <p:sp>
-        <p:nvSpPr>
-          <p:cNvPr id="54" name="Прямоугольник 53">
-            <a:extLst>
-              <a:ext uri="{FF2B5EF4-FFF2-40B4-BE49-F238E27FC236}">
-                <a16:creationId xmlns="" xmlns:a16="http://schemas.microsoft.com/office/drawing/2014/main" id="{C598C44C-32E0-4C46-81AE-E7762BEA4E94}"/>
-              </a:ext>
-            </a:extLst>
-          </p:cNvPr>
-          <p:cNvSpPr/>
+          </p:spPr>
+          <p:txBody>
+            <a:bodyPr wrap="square" rtlCol="0">
+              <a:spAutoFit/>
+            </a:bodyPr>
+            <a:lstStyle/>
+            <a:p>
+              <a:r>
+                <a:rPr lang="ru-RU" sz="900" dirty="0"/>
+                <a:t>Жидкий</a:t>
+              </a:r>
+              <a:r>
+                <a:rPr lang="en-US" sz="900" dirty="0"/>
+                <a:t> Se</a:t>
+              </a:r>
+              <a:endParaRPr lang="ru-RU" sz="900" dirty="0"/>
+            </a:p>
+          </p:txBody>
+        </p:sp>
+        <p:cxnSp>
+          <p:nvCxnSpPr>
+            <p:cNvPr id="44" name="Прямая со стрелкой 43">
+              <a:extLst>
+                <a:ext uri="{FF2B5EF4-FFF2-40B4-BE49-F238E27FC236}">
+                  <a16:creationId xmlns:a16="http://schemas.microsoft.com/office/drawing/2014/main" xmlns="" id="{0D672F98-12A7-4929-BC3C-B87EF3888A1C}"/>
+                </a:ext>
+              </a:extLst>
+            </p:cNvPr>
+            <p:cNvCxnSpPr>
+              <a:cxnSpLocks/>
+              <a:stCxn id="42" idx="0"/>
+            </p:cNvCxnSpPr>
+            <p:nvPr/>
+          </p:nvCxnSpPr>
+          <p:spPr>
+            <a:xfrm flipV="1">
+              <a:off x="909422" y="5352562"/>
+              <a:ext cx="88383" cy="151349"/>
+            </a:xfrm>
+            <a:prstGeom prst="straightConnector1">
+              <a:avLst/>
+            </a:prstGeom>
+            <a:ln w="19050">
+              <a:solidFill>
+                <a:schemeClr val="tx1">
+                  <a:lumMod val="95000"/>
+                  <a:lumOff val="5000"/>
+                </a:schemeClr>
+              </a:solidFill>
+              <a:tailEnd type="triangle"/>
+            </a:ln>
+          </p:spPr>
+          <p:style>
+            <a:lnRef idx="1">
+              <a:schemeClr val="accent1"/>
+            </a:lnRef>
+            <a:fillRef idx="0">
+              <a:schemeClr val="accent1"/>
+            </a:fillRef>
+            <a:effectRef idx="0">
+              <a:schemeClr val="accent1"/>
+            </a:effectRef>
+            <a:fontRef idx="minor">
+              <a:schemeClr val="tx1"/>
+            </a:fontRef>
+          </p:style>
+        </p:cxnSp>
+        <p:sp>
+          <p:nvSpPr>
+            <p:cNvPr id="49" name="TextBox 48">
+              <a:extLst>
+                <a:ext uri="{FF2B5EF4-FFF2-40B4-BE49-F238E27FC236}">
+                  <a16:creationId xmlns:a16="http://schemas.microsoft.com/office/drawing/2014/main" xmlns="" id="{621D0BE5-A6E9-43D1-A2C6-78A1A8F2799B}"/>
+                </a:ext>
+              </a:extLst>
+            </p:cNvPr>
+            <p:cNvSpPr txBox="1"/>
+            <p:nvPr/>
+          </p:nvSpPr>
+          <p:spPr>
+            <a:xfrm>
+              <a:off x="745711" y="6200499"/>
+              <a:ext cx="741903" cy="369332"/>
+            </a:xfrm>
+            <a:prstGeom prst="rect">
+              <a:avLst/>
+            </a:prstGeom>
+            <a:noFill/>
+          </p:spPr>
+          <p:txBody>
+            <a:bodyPr wrap="square" rtlCol="0">
+              <a:spAutoFit/>
+            </a:bodyPr>
+            <a:lstStyle/>
+            <a:p>
+              <a:r>
+                <a:rPr lang="ru-RU" sz="900" dirty="0"/>
+                <a:t>Кристаллический </a:t>
+              </a:r>
+              <a:r>
+                <a:rPr lang="en-US" sz="900" dirty="0"/>
+                <a:t>Se</a:t>
+              </a:r>
+              <a:endParaRPr lang="ru-RU" sz="900" dirty="0"/>
+            </a:p>
+          </p:txBody>
+        </p:sp>
+        <p:cxnSp>
+          <p:nvCxnSpPr>
+            <p:cNvPr id="50" name="Прямая со стрелкой 49">
+              <a:extLst>
+                <a:ext uri="{FF2B5EF4-FFF2-40B4-BE49-F238E27FC236}">
+                  <a16:creationId xmlns:a16="http://schemas.microsoft.com/office/drawing/2014/main" xmlns="" id="{2C043252-6D21-4C19-B6EC-C38252BA96C8}"/>
+                </a:ext>
+              </a:extLst>
+            </p:cNvPr>
+            <p:cNvCxnSpPr>
+              <a:cxnSpLocks/>
+              <a:stCxn id="49" idx="0"/>
+            </p:cNvCxnSpPr>
+            <p:nvPr/>
+          </p:nvCxnSpPr>
+          <p:spPr>
+            <a:xfrm flipV="1">
+              <a:off x="1116663" y="5747377"/>
+              <a:ext cx="18674" cy="453122"/>
+            </a:xfrm>
+            <a:prstGeom prst="straightConnector1">
+              <a:avLst/>
+            </a:prstGeom>
+            <a:ln w="19050">
+              <a:solidFill>
+                <a:schemeClr val="tx1">
+                  <a:lumMod val="95000"/>
+                  <a:lumOff val="5000"/>
+                </a:schemeClr>
+              </a:solidFill>
+              <a:tailEnd type="triangle"/>
+            </a:ln>
+          </p:spPr>
+          <p:style>
+            <a:lnRef idx="1">
+              <a:schemeClr val="accent1"/>
+            </a:lnRef>
+            <a:fillRef idx="0">
+              <a:schemeClr val="accent1"/>
+            </a:fillRef>
+            <a:effectRef idx="0">
+              <a:schemeClr val="accent1"/>
+            </a:effectRef>
+            <a:fontRef idx="minor">
+              <a:schemeClr val="tx1"/>
+            </a:fontRef>
+          </p:style>
+        </p:cxnSp>
+        <p:sp>
+          <p:nvSpPr>
+            <p:cNvPr id="52" name="Прямоугольник 51">
+              <a:extLst>
+                <a:ext uri="{FF2B5EF4-FFF2-40B4-BE49-F238E27FC236}">
+                  <a16:creationId xmlns:a16="http://schemas.microsoft.com/office/drawing/2014/main" xmlns="" id="{2447693C-72C4-4721-8B1B-B8248172E5C5}"/>
+                </a:ext>
+              </a:extLst>
+            </p:cNvPr>
+            <p:cNvSpPr/>
+            <p:nvPr/>
+          </p:nvSpPr>
+          <p:spPr>
+            <a:xfrm>
+              <a:off x="1512579" y="5063677"/>
+              <a:ext cx="176455" cy="1779147"/>
+            </a:xfrm>
+            <a:prstGeom prst="rect">
+              <a:avLst/>
+            </a:prstGeom>
+            <a:solidFill>
+              <a:srgbClr val="FF0000">
+                <a:alpha val="24000"/>
+              </a:srgbClr>
+            </a:solidFill>
+            <a:ln>
+              <a:noFill/>
+            </a:ln>
+          </p:spPr>
+          <p:style>
+            <a:lnRef idx="2">
+              <a:schemeClr val="accent1">
+                <a:shade val="50000"/>
+              </a:schemeClr>
+            </a:lnRef>
+            <a:fillRef idx="1">
+              <a:schemeClr val="accent1"/>
+            </a:fillRef>
+            <a:effectRef idx="0">
+              <a:schemeClr val="accent1"/>
+            </a:effectRef>
+            <a:fontRef idx="minor">
+              <a:schemeClr val="lt1"/>
+            </a:fontRef>
+          </p:style>
+          <p:txBody>
+            <a:bodyPr rtlCol="0" anchor="ctr"/>
+            <a:lstStyle/>
+            <a:p>
+              <a:pPr algn="ctr"/>
+              <a:endParaRPr lang="ru-RU"/>
+            </a:p>
+          </p:txBody>
+        </p:sp>
+      </p:grpSp>
+      <p:grpSp>
+        <p:nvGrpSpPr>
+          <p:cNvPr id="33" name="Группа 32"/>
+          <p:cNvGrpSpPr/>
           <p:nvPr/>
-        </p:nvSpPr>
-        <p:spPr>
+        </p:nvGrpSpPr>
+        <p:grpSpPr>
           <a:xfrm>
-            <a:off x="3658608" y="5081892"/>
-            <a:ext cx="189703" cy="1776108"/>
+            <a:off x="2149630" y="4698000"/>
+            <a:ext cx="2160000" cy="2160000"/>
+            <a:chOff x="2158508" y="4710227"/>
+            <a:chExt cx="2160000" cy="2160000"/>
           </a:xfrm>
-          <a:prstGeom prst="rect">
-            <a:avLst/>
-          </a:prstGeom>
-          <a:solidFill>
-            <a:srgbClr val="FF0000">
-              <a:alpha val="24000"/>
-            </a:srgbClr>
-          </a:solidFill>
-          <a:ln>
+        </p:grpSpPr>
+        <p:pic>
+          <p:nvPicPr>
+            <p:cNvPr id="8" name="Рисунок 7"/>
+            <p:cNvPicPr>
+              <a:picLocks/>
+            </p:cNvPicPr>
+            <p:nvPr/>
+          </p:nvPicPr>
+          <p:blipFill>
+            <a:blip r:embed="rId5" cstate="print"/>
+            <a:stretch>
+              <a:fillRect/>
+            </a:stretch>
+          </p:blipFill>
+          <p:spPr>
+            <a:xfrm>
+              <a:off x="2158508" y="4710227"/>
+              <a:ext cx="2160000" cy="2160000"/>
+            </a:xfrm>
+            <a:prstGeom prst="rect">
+              <a:avLst/>
+            </a:prstGeom>
+          </p:spPr>
+        </p:pic>
+        <p:sp>
+          <p:nvSpPr>
+            <p:cNvPr id="35" name="TextBox 34">
+              <a:extLst>
+                <a:ext uri="{FF2B5EF4-FFF2-40B4-BE49-F238E27FC236}">
+                  <a16:creationId xmlns:a16="http://schemas.microsoft.com/office/drawing/2014/main" xmlns="" id="{2581EE7D-D624-4712-A143-23318A8CEAF6}"/>
+                </a:ext>
+              </a:extLst>
+            </p:cNvPr>
+            <p:cNvSpPr txBox="1"/>
+            <p:nvPr/>
+          </p:nvSpPr>
+          <p:spPr>
+            <a:xfrm>
+              <a:off x="2627363" y="5078948"/>
+              <a:ext cx="1033245" cy="230832"/>
+            </a:xfrm>
+            <a:prstGeom prst="rect">
+              <a:avLst/>
+            </a:prstGeom>
             <a:noFill/>
-          </a:ln>
-        </p:spPr>
-        <p:style>
-          <a:lnRef idx="2">
-            <a:schemeClr val="accent1">
-              <a:shade val="50000"/>
-            </a:schemeClr>
-          </a:lnRef>
-          <a:fillRef idx="1">
-            <a:schemeClr val="accent1"/>
-          </a:fillRef>
-          <a:effectRef idx="0">
-            <a:schemeClr val="accent1"/>
-          </a:effectRef>
-          <a:fontRef idx="minor">
-            <a:schemeClr val="lt1"/>
-          </a:fontRef>
-        </p:style>
-        <p:txBody>
-          <a:bodyPr rtlCol="0" anchor="ctr"/>
-          <a:lstStyle/>
-          <a:p>
-            <a:pPr algn="ctr"/>
-            <a:endParaRPr lang="ru-RU"/>
-          </a:p>
-        </p:txBody>
-      </p:sp>
-      <p:cxnSp>
-        <p:nvCxnSpPr>
-          <p:cNvPr id="65" name="Прямая со стрелкой 64">
-            <a:extLst>
-              <a:ext uri="{FF2B5EF4-FFF2-40B4-BE49-F238E27FC236}">
-                <a16:creationId xmlns="" xmlns:a16="http://schemas.microsoft.com/office/drawing/2014/main" id="{88B58083-A176-45C0-9CEB-7E95574A1775}"/>
-              </a:ext>
-            </a:extLst>
-          </p:cNvPr>
-          <p:cNvCxnSpPr>
-            <a:cxnSpLocks/>
-            <a:stCxn id="37" idx="0"/>
-          </p:cNvCxnSpPr>
-          <p:nvPr/>
-        </p:nvCxnSpPr>
-        <p:spPr>
-          <a:xfrm flipH="1" flipV="1">
-            <a:off x="3185024" y="5599895"/>
-            <a:ext cx="114214" cy="415938"/>
-          </a:xfrm>
-          <a:prstGeom prst="straightConnector1">
-            <a:avLst/>
-          </a:prstGeom>
-          <a:ln w="19050">
+          </p:spPr>
+          <p:txBody>
+            <a:bodyPr wrap="square" rtlCol="0">
+              <a:spAutoFit/>
+            </a:bodyPr>
+            <a:lstStyle/>
+            <a:p>
+              <a:r>
+                <a:rPr lang="ru-RU" sz="900" dirty="0"/>
+                <a:t>Жидкий </a:t>
+              </a:r>
+              <a:r>
+                <a:rPr lang="en-US" sz="900" dirty="0" err="1"/>
+                <a:t>GeSe</a:t>
+              </a:r>
+              <a:endParaRPr lang="ru-RU" sz="900" dirty="0"/>
+            </a:p>
+          </p:txBody>
+        </p:sp>
+        <p:cxnSp>
+          <p:nvCxnSpPr>
+            <p:cNvPr id="36" name="Прямая со стрелкой 35">
+              <a:extLst>
+                <a:ext uri="{FF2B5EF4-FFF2-40B4-BE49-F238E27FC236}">
+                  <a16:creationId xmlns:a16="http://schemas.microsoft.com/office/drawing/2014/main" xmlns="" id="{419D6A75-F292-4A76-BDA5-7BA221530760}"/>
+                </a:ext>
+              </a:extLst>
+            </p:cNvPr>
+            <p:cNvCxnSpPr>
+              <a:cxnSpLocks/>
+              <a:stCxn id="35" idx="2"/>
+            </p:cNvCxnSpPr>
+            <p:nvPr/>
+          </p:nvCxnSpPr>
+          <p:spPr>
+            <a:xfrm flipH="1">
+              <a:off x="3112304" y="5309780"/>
+              <a:ext cx="31682" cy="180323"/>
+            </a:xfrm>
+            <a:prstGeom prst="straightConnector1">
+              <a:avLst/>
+            </a:prstGeom>
+            <a:ln w="19050">
+              <a:solidFill>
+                <a:schemeClr val="tx1">
+                  <a:lumMod val="95000"/>
+                  <a:lumOff val="5000"/>
+                </a:schemeClr>
+              </a:solidFill>
+              <a:tailEnd type="triangle"/>
+            </a:ln>
+          </p:spPr>
+          <p:style>
+            <a:lnRef idx="1">
+              <a:schemeClr val="accent1"/>
+            </a:lnRef>
+            <a:fillRef idx="0">
+              <a:schemeClr val="accent1"/>
+            </a:fillRef>
+            <a:effectRef idx="0">
+              <a:schemeClr val="accent1"/>
+            </a:effectRef>
+            <a:fontRef idx="minor">
+              <a:schemeClr val="tx1"/>
+            </a:fontRef>
+          </p:style>
+        </p:cxnSp>
+        <p:sp>
+          <p:nvSpPr>
+            <p:cNvPr id="37" name="TextBox 36">
+              <a:extLst>
+                <a:ext uri="{FF2B5EF4-FFF2-40B4-BE49-F238E27FC236}">
+                  <a16:creationId xmlns:a16="http://schemas.microsoft.com/office/drawing/2014/main" xmlns="" id="{4A5D79C8-1C04-457D-A3AE-BB916FBA4720}"/>
+                </a:ext>
+              </a:extLst>
+            </p:cNvPr>
+            <p:cNvSpPr txBox="1"/>
+            <p:nvPr/>
+          </p:nvSpPr>
+          <p:spPr>
+            <a:xfrm>
+              <a:off x="2750933" y="6015833"/>
+              <a:ext cx="1096609" cy="369332"/>
+            </a:xfrm>
+            <a:prstGeom prst="rect">
+              <a:avLst/>
+            </a:prstGeom>
+            <a:noFill/>
+          </p:spPr>
+          <p:txBody>
+            <a:bodyPr wrap="square" rtlCol="0">
+              <a:spAutoFit/>
+            </a:bodyPr>
+            <a:lstStyle/>
+            <a:p>
+              <a:r>
+                <a:rPr lang="ru-RU" sz="900" dirty="0"/>
+                <a:t>Кристаллический </a:t>
+              </a:r>
+              <a:r>
+                <a:rPr lang="en-US" sz="900" dirty="0" err="1"/>
+                <a:t>GeSe</a:t>
+              </a:r>
+              <a:endParaRPr lang="ru-RU" sz="900" dirty="0"/>
+            </a:p>
+          </p:txBody>
+        </p:sp>
+        <p:sp>
+          <p:nvSpPr>
+            <p:cNvPr id="54" name="Прямоугольник 53">
+              <a:extLst>
+                <a:ext uri="{FF2B5EF4-FFF2-40B4-BE49-F238E27FC236}">
+                  <a16:creationId xmlns:a16="http://schemas.microsoft.com/office/drawing/2014/main" xmlns="" id="{C598C44C-32E0-4C46-81AE-E7762BEA4E94}"/>
+                </a:ext>
+              </a:extLst>
+            </p:cNvPr>
+            <p:cNvSpPr/>
+            <p:nvPr/>
+          </p:nvSpPr>
+          <p:spPr>
+            <a:xfrm>
+              <a:off x="3658608" y="5081892"/>
+              <a:ext cx="189703" cy="1776108"/>
+            </a:xfrm>
+            <a:prstGeom prst="rect">
+              <a:avLst/>
+            </a:prstGeom>
             <a:solidFill>
-              <a:schemeClr val="tx1">
-                <a:lumMod val="95000"/>
-                <a:lumOff val="5000"/>
+              <a:srgbClr val="FF0000">
+                <a:alpha val="24000"/>
+              </a:srgbClr>
+            </a:solidFill>
+            <a:ln>
+              <a:noFill/>
+            </a:ln>
+          </p:spPr>
+          <p:style>
+            <a:lnRef idx="2">
+              <a:schemeClr val="accent1">
+                <a:shade val="50000"/>
               </a:schemeClr>
-            </a:solidFill>
-            <a:tailEnd type="triangle"/>
-          </a:ln>
-        </p:spPr>
-        <p:style>
-          <a:lnRef idx="1">
-            <a:schemeClr val="accent1"/>
-          </a:lnRef>
-          <a:fillRef idx="0">
-            <a:schemeClr val="accent1"/>
-          </a:fillRef>
-          <a:effectRef idx="0">
-            <a:schemeClr val="accent1"/>
-          </a:effectRef>
-          <a:fontRef idx="minor">
-            <a:schemeClr val="tx1"/>
-          </a:fontRef>
-        </p:style>
-      </p:cxnSp>
+            </a:lnRef>
+            <a:fillRef idx="1">
+              <a:schemeClr val="accent1"/>
+            </a:fillRef>
+            <a:effectRef idx="0">
+              <a:schemeClr val="accent1"/>
+            </a:effectRef>
+            <a:fontRef idx="minor">
+              <a:schemeClr val="lt1"/>
+            </a:fontRef>
+          </p:style>
+          <p:txBody>
+            <a:bodyPr rtlCol="0" anchor="ctr"/>
+            <a:lstStyle/>
+            <a:p>
+              <a:pPr algn="ctr"/>
+              <a:endParaRPr lang="ru-RU"/>
+            </a:p>
+          </p:txBody>
+        </p:sp>
+        <p:cxnSp>
+          <p:nvCxnSpPr>
+            <p:cNvPr id="65" name="Прямая со стрелкой 64">
+              <a:extLst>
+                <a:ext uri="{FF2B5EF4-FFF2-40B4-BE49-F238E27FC236}">
+                  <a16:creationId xmlns:a16="http://schemas.microsoft.com/office/drawing/2014/main" xmlns="" id="{88B58083-A176-45C0-9CEB-7E95574A1775}"/>
+                </a:ext>
+              </a:extLst>
+            </p:cNvPr>
+            <p:cNvCxnSpPr>
+              <a:cxnSpLocks/>
+              <a:stCxn id="37" idx="0"/>
+            </p:cNvCxnSpPr>
+            <p:nvPr/>
+          </p:nvCxnSpPr>
+          <p:spPr>
+            <a:xfrm flipH="1" flipV="1">
+              <a:off x="3185024" y="5599895"/>
+              <a:ext cx="114214" cy="415938"/>
+            </a:xfrm>
+            <a:prstGeom prst="straightConnector1">
+              <a:avLst/>
+            </a:prstGeom>
+            <a:ln w="19050">
+              <a:solidFill>
+                <a:schemeClr val="tx1">
+                  <a:lumMod val="95000"/>
+                  <a:lumOff val="5000"/>
+                </a:schemeClr>
+              </a:solidFill>
+              <a:tailEnd type="triangle"/>
+            </a:ln>
+          </p:spPr>
+          <p:style>
+            <a:lnRef idx="1">
+              <a:schemeClr val="accent1"/>
+            </a:lnRef>
+            <a:fillRef idx="0">
+              <a:schemeClr val="accent1"/>
+            </a:fillRef>
+            <a:effectRef idx="0">
+              <a:schemeClr val="accent1"/>
+            </a:effectRef>
+            <a:fontRef idx="minor">
+              <a:schemeClr val="tx1"/>
+            </a:fontRef>
+          </p:style>
+        </p:cxnSp>
+      </p:grpSp>
       <p:sp>
         <p:nvSpPr>
           <p:cNvPr id="39" name="Стрелка: вверх 59">
             <a:extLst>
               <a:ext uri="{FF2B5EF4-FFF2-40B4-BE49-F238E27FC236}">
-                <a16:creationId xmlns="" xmlns:a16="http://schemas.microsoft.com/office/drawing/2014/main" id="{AD56F3DF-97EC-40B2-9DE4-A08AF4CB5F5B}"/>
+                <a16:creationId xmlns:a16="http://schemas.microsoft.com/office/drawing/2014/main" xmlns="" id="{AD56F3DF-97EC-40B2-9DE4-A08AF4CB5F5B}"/>
               </a:ext>
             </a:extLst>
           </p:cNvPr>
@@ -8451,10 +8817,258 @@
           </a:p>
         </p:txBody>
       </p:sp>
+      <p:grpSp>
+        <p:nvGrpSpPr>
+          <p:cNvPr id="31" name="Группа 30"/>
+          <p:cNvGrpSpPr/>
+          <p:nvPr/>
+        </p:nvGrpSpPr>
+        <p:grpSpPr>
+          <a:xfrm>
+            <a:off x="0" y="4698000"/>
+            <a:ext cx="2160000" cy="2160000"/>
+            <a:chOff x="4305670" y="4698000"/>
+            <a:chExt cx="2160000" cy="2160000"/>
+          </a:xfrm>
+        </p:grpSpPr>
+        <p:pic>
+          <p:nvPicPr>
+            <p:cNvPr id="2050" name="Picture 2"/>
+            <p:cNvPicPr>
+              <a:picLocks noChangeArrowheads="1"/>
+            </p:cNvPicPr>
+            <p:nvPr/>
+          </p:nvPicPr>
+          <p:blipFill>
+            <a:blip r:embed="rId6" cstate="print"/>
+            <a:srcRect/>
+            <a:stretch>
+              <a:fillRect/>
+            </a:stretch>
+          </p:blipFill>
+          <p:spPr bwMode="auto">
+            <a:xfrm>
+              <a:off x="4305670" y="4698000"/>
+              <a:ext cx="2160000" cy="2160000"/>
+            </a:xfrm>
+            <a:prstGeom prst="rect">
+              <a:avLst/>
+            </a:prstGeom>
+            <a:noFill/>
+            <a:ln w="9525">
+              <a:noFill/>
+              <a:miter lim="800000"/>
+              <a:headEnd/>
+              <a:tailEnd/>
+            </a:ln>
+            <a:effectLst/>
+          </p:spPr>
+        </p:pic>
+        <p:sp>
+          <p:nvSpPr>
+            <p:cNvPr id="27" name="TextBox 26">
+              <a:extLst>
+                <a:ext uri="{FF2B5EF4-FFF2-40B4-BE49-F238E27FC236}">
+                  <a16:creationId xmlns:a16="http://schemas.microsoft.com/office/drawing/2014/main" xmlns="" id="{59489281-5C13-465D-8FCA-184A5E22E680}"/>
+                </a:ext>
+              </a:extLst>
+            </p:cNvPr>
+            <p:cNvSpPr txBox="1"/>
+            <p:nvPr/>
+          </p:nvSpPr>
+          <p:spPr>
+            <a:xfrm>
+              <a:off x="4809920" y="5163203"/>
+              <a:ext cx="1033245" cy="230832"/>
+            </a:xfrm>
+            <a:prstGeom prst="rect">
+              <a:avLst/>
+            </a:prstGeom>
+            <a:noFill/>
+          </p:spPr>
+          <p:txBody>
+            <a:bodyPr wrap="square" rtlCol="0">
+              <a:spAutoFit/>
+            </a:bodyPr>
+            <a:lstStyle/>
+            <a:p>
+              <a:r>
+                <a:rPr lang="ru-RU" sz="900" dirty="0"/>
+                <a:t>Жидкий </a:t>
+              </a:r>
+              <a:r>
+                <a:rPr lang="en-US" sz="900" dirty="0" smtClean="0"/>
+                <a:t>Ga</a:t>
+              </a:r>
+              <a:r>
+                <a:rPr lang="en-US" sz="900" baseline="-25000" dirty="0" smtClean="0"/>
+                <a:t>2</a:t>
+              </a:r>
+              <a:r>
+                <a:rPr lang="en-US" sz="900" dirty="0" smtClean="0"/>
+                <a:t>Se</a:t>
+              </a:r>
+              <a:r>
+                <a:rPr lang="en-US" sz="900" baseline="-25000" dirty="0" smtClean="0"/>
+                <a:t>3</a:t>
+              </a:r>
+              <a:endParaRPr lang="ru-RU" sz="900" baseline="-25000" dirty="0"/>
+            </a:p>
+          </p:txBody>
+        </p:sp>
+        <p:cxnSp>
+          <p:nvCxnSpPr>
+            <p:cNvPr id="28" name="Прямая со стрелкой 27">
+              <a:extLst>
+                <a:ext uri="{FF2B5EF4-FFF2-40B4-BE49-F238E27FC236}">
+                  <a16:creationId xmlns:a16="http://schemas.microsoft.com/office/drawing/2014/main" xmlns="" id="{C9731CF6-7608-4BAD-BEF3-9DF2BD38FC4C}"/>
+                </a:ext>
+              </a:extLst>
+            </p:cNvPr>
+            <p:cNvCxnSpPr>
+              <a:cxnSpLocks/>
+              <a:stCxn id="27" idx="2"/>
+            </p:cNvCxnSpPr>
+            <p:nvPr/>
+          </p:nvCxnSpPr>
+          <p:spPr>
+            <a:xfrm>
+              <a:off x="5326543" y="5394035"/>
+              <a:ext cx="6964" cy="232188"/>
+            </a:xfrm>
+            <a:prstGeom prst="straightConnector1">
+              <a:avLst/>
+            </a:prstGeom>
+            <a:ln w="19050">
+              <a:solidFill>
+                <a:schemeClr val="tx1">
+                  <a:lumMod val="95000"/>
+                  <a:lumOff val="5000"/>
+                </a:schemeClr>
+              </a:solidFill>
+              <a:tailEnd type="triangle"/>
+            </a:ln>
+          </p:spPr>
+          <p:style>
+            <a:lnRef idx="1">
+              <a:schemeClr val="accent1"/>
+            </a:lnRef>
+            <a:fillRef idx="0">
+              <a:schemeClr val="accent1"/>
+            </a:fillRef>
+            <a:effectRef idx="0">
+              <a:schemeClr val="accent1"/>
+            </a:effectRef>
+            <a:fontRef idx="minor">
+              <a:schemeClr val="tx1"/>
+            </a:fontRef>
+          </p:style>
+        </p:cxnSp>
+        <p:sp>
+          <p:nvSpPr>
+            <p:cNvPr id="29" name="TextBox 28">
+              <a:extLst>
+                <a:ext uri="{FF2B5EF4-FFF2-40B4-BE49-F238E27FC236}">
+                  <a16:creationId xmlns:a16="http://schemas.microsoft.com/office/drawing/2014/main" xmlns="" id="{E099C3C1-73E1-4BFB-B6A8-DE7EBE0ECF76}"/>
+                </a:ext>
+              </a:extLst>
+            </p:cNvPr>
+            <p:cNvSpPr txBox="1"/>
+            <p:nvPr/>
+          </p:nvSpPr>
+          <p:spPr>
+            <a:xfrm>
+              <a:off x="5155252" y="6242421"/>
+              <a:ext cx="868180" cy="369332"/>
+            </a:xfrm>
+            <a:prstGeom prst="rect">
+              <a:avLst/>
+            </a:prstGeom>
+            <a:noFill/>
+          </p:spPr>
+          <p:txBody>
+            <a:bodyPr wrap="square" rtlCol="0">
+              <a:spAutoFit/>
+            </a:bodyPr>
+            <a:lstStyle/>
+            <a:p>
+              <a:r>
+                <a:rPr lang="ru-RU" sz="900" dirty="0"/>
+                <a:t>Кристаллический </a:t>
+              </a:r>
+              <a:r>
+                <a:rPr lang="en-US" sz="900" dirty="0" smtClean="0"/>
+                <a:t>Ga</a:t>
+              </a:r>
+              <a:r>
+                <a:rPr lang="en-US" sz="900" baseline="-25000" dirty="0" smtClean="0"/>
+                <a:t>2</a:t>
+              </a:r>
+              <a:r>
+                <a:rPr lang="en-US" sz="900" dirty="0" smtClean="0"/>
+                <a:t>Se</a:t>
+              </a:r>
+              <a:r>
+                <a:rPr lang="en-US" sz="900" baseline="-25000" dirty="0" smtClean="0"/>
+                <a:t>3</a:t>
+              </a:r>
+              <a:endParaRPr lang="ru-RU" sz="900" baseline="-25000" dirty="0"/>
+            </a:p>
+          </p:txBody>
+        </p:sp>
+        <p:cxnSp>
+          <p:nvCxnSpPr>
+            <p:cNvPr id="30" name="Прямая со стрелкой 29">
+              <a:extLst>
+                <a:ext uri="{FF2B5EF4-FFF2-40B4-BE49-F238E27FC236}">
+                  <a16:creationId xmlns:a16="http://schemas.microsoft.com/office/drawing/2014/main" xmlns="" id="{FCE4D230-AA70-4213-B641-B7A486271E38}"/>
+                </a:ext>
+              </a:extLst>
+            </p:cNvPr>
+            <p:cNvCxnSpPr>
+              <a:cxnSpLocks/>
+              <a:stCxn id="29" idx="0"/>
+            </p:cNvCxnSpPr>
+            <p:nvPr/>
+          </p:nvCxnSpPr>
+          <p:spPr>
+            <a:xfrm flipH="1" flipV="1">
+              <a:off x="5486400" y="5726097"/>
+              <a:ext cx="102942" cy="516324"/>
+            </a:xfrm>
+            <a:prstGeom prst="straightConnector1">
+              <a:avLst/>
+            </a:prstGeom>
+            <a:ln w="19050">
+              <a:solidFill>
+                <a:schemeClr val="tx1">
+                  <a:lumMod val="95000"/>
+                  <a:lumOff val="5000"/>
+                </a:schemeClr>
+              </a:solidFill>
+              <a:tailEnd type="triangle"/>
+            </a:ln>
+          </p:spPr>
+          <p:style>
+            <a:lnRef idx="1">
+              <a:schemeClr val="accent1"/>
+            </a:lnRef>
+            <a:fillRef idx="0">
+              <a:schemeClr val="accent1"/>
+            </a:fillRef>
+            <a:effectRef idx="0">
+              <a:schemeClr val="accent1"/>
+            </a:effectRef>
+            <a:fontRef idx="minor">
+              <a:schemeClr val="tx1"/>
+            </a:fontRef>
+          </p:style>
+        </p:cxnSp>
+      </p:grpSp>
     </p:spTree>
     <p:extLst>
       <p:ext uri="{BB962C8B-B14F-4D97-AF65-F5344CB8AC3E}">
-        <p14:creationId xmlns:p14="http://schemas.microsoft.com/office/powerpoint/2010/main" val="2529331404"/>
+        <p14:creationId xmlns:p14="http://schemas.microsoft.com/office/powerpoint/2010/main" xmlns="" val="2529331404"/>
       </p:ext>
     </p:extLst>
   </p:cSld>
@@ -8497,7 +9111,7 @@
           <p:nvPr/>
         </p:nvPicPr>
         <p:blipFill>
-          <a:blip r:embed="rId3"/>
+          <a:blip r:embed="rId3" cstate="print"/>
           <a:stretch>
             <a:fillRect/>
           </a:stretch>
@@ -8514,30 +9128,6 @@
       </p:pic>
       <p:pic>
         <p:nvPicPr>
-          <p:cNvPr id="11" name="Рисунок 10"/>
-          <p:cNvPicPr>
-            <a:picLocks/>
-          </p:cNvPicPr>
-          <p:nvPr/>
-        </p:nvPicPr>
-        <p:blipFill>
-          <a:blip r:embed="rId4"/>
-          <a:stretch>
-            <a:fillRect/>
-          </a:stretch>
-        </p:blipFill>
-        <p:spPr>
-          <a:xfrm>
-            <a:off x="-10334" y="4703998"/>
-            <a:ext cx="2160000" cy="2160000"/>
-          </a:xfrm>
-          <a:prstGeom prst="rect">
-            <a:avLst/>
-          </a:prstGeom>
-        </p:spPr>
-      </p:pic>
-      <p:pic>
-        <p:nvPicPr>
           <p:cNvPr id="10" name="Рисунок 9"/>
           <p:cNvPicPr>
             <a:picLocks/>
@@ -8545,7 +9135,7 @@
           <p:nvPr/>
         </p:nvPicPr>
         <p:blipFill>
-          <a:blip r:embed="rId5"/>
+          <a:blip r:embed="rId4" cstate="print"/>
           <a:stretch>
             <a:fillRect/>
           </a:stretch>
@@ -8565,7 +9155,7 @@
           <p:cNvPr id="2" name="Заголовок 1">
             <a:extLst>
               <a:ext uri="{FF2B5EF4-FFF2-40B4-BE49-F238E27FC236}">
-                <a16:creationId xmlns="" xmlns:a16="http://schemas.microsoft.com/office/drawing/2014/main" id="{5750857A-B71A-4E37-8E27-044C598B12B5}"/>
+                <a16:creationId xmlns:a16="http://schemas.microsoft.com/office/drawing/2014/main" xmlns="" id="{5750857A-B71A-4E37-8E27-044C598B12B5}"/>
               </a:ext>
             </a:extLst>
           </p:cNvPr>
@@ -8649,7 +9239,7 @@
           <p:cNvPr id="63" name="Номер слайда 62">
             <a:extLst>
               <a:ext uri="{FF2B5EF4-FFF2-40B4-BE49-F238E27FC236}">
-                <a16:creationId xmlns="" xmlns:a16="http://schemas.microsoft.com/office/drawing/2014/main" id="{1CBEC0F9-6CA2-4552-8705-253C15B2EF16}"/>
+                <a16:creationId xmlns:a16="http://schemas.microsoft.com/office/drawing/2014/main" xmlns="" id="{1CBEC0F9-6CA2-4552-8705-253C15B2EF16}"/>
               </a:ext>
             </a:extLst>
           </p:cNvPr>
@@ -8684,7 +9274,7 @@
           <p:cNvPr id="40" name="TextBox 39">
             <a:extLst>
               <a:ext uri="{FF2B5EF4-FFF2-40B4-BE49-F238E27FC236}">
-                <a16:creationId xmlns="" xmlns:a16="http://schemas.microsoft.com/office/drawing/2014/main" id="{CCA7D172-AAF8-45C3-A233-9CBDE2F210CC}"/>
+                <a16:creationId xmlns:a16="http://schemas.microsoft.com/office/drawing/2014/main" xmlns="" id="{CCA7D172-AAF8-45C3-A233-9CBDE2F210CC}"/>
               </a:ext>
             </a:extLst>
           </p:cNvPr>
@@ -8745,7 +9335,7 @@
           <p:cNvPr id="41" name="Прямая со стрелкой 40">
             <a:extLst>
               <a:ext uri="{FF2B5EF4-FFF2-40B4-BE49-F238E27FC236}">
-                <a16:creationId xmlns="" xmlns:a16="http://schemas.microsoft.com/office/drawing/2014/main" id="{A00C9D6E-EF7A-480B-9F5A-F694848A3F00}"/>
+                <a16:creationId xmlns:a16="http://schemas.microsoft.com/office/drawing/2014/main" xmlns="" id="{A00C9D6E-EF7A-480B-9F5A-F694848A3F00}"/>
               </a:ext>
             </a:extLst>
           </p:cNvPr>
@@ -8790,186 +9380,10 @@
       </p:cxnSp>
       <p:sp>
         <p:nvSpPr>
-          <p:cNvPr id="42" name="TextBox 41">
-            <a:extLst>
-              <a:ext uri="{FF2B5EF4-FFF2-40B4-BE49-F238E27FC236}">
-                <a16:creationId xmlns="" xmlns:a16="http://schemas.microsoft.com/office/drawing/2014/main" id="{EDCCDE12-53A8-47A3-B66E-EFA61A09E688}"/>
-              </a:ext>
-            </a:extLst>
-          </p:cNvPr>
-          <p:cNvSpPr txBox="1"/>
-          <p:nvPr/>
-        </p:nvSpPr>
-        <p:spPr>
-          <a:xfrm>
-            <a:off x="415960" y="5357540"/>
-            <a:ext cx="1033245" cy="230832"/>
-          </a:xfrm>
-          <a:prstGeom prst="rect">
-            <a:avLst/>
-          </a:prstGeom>
-          <a:noFill/>
-        </p:spPr>
-        <p:txBody>
-          <a:bodyPr wrap="square" rtlCol="0">
-            <a:spAutoFit/>
-          </a:bodyPr>
-          <a:lstStyle/>
-          <a:p>
-            <a:r>
-              <a:rPr lang="ru-RU" sz="900" dirty="0"/>
-              <a:t>Жидкий</a:t>
-            </a:r>
-            <a:r>
-              <a:rPr lang="en-US" sz="900" dirty="0"/>
-              <a:t> Se</a:t>
-            </a:r>
-            <a:endParaRPr lang="ru-RU" sz="900" dirty="0"/>
-          </a:p>
-        </p:txBody>
-      </p:sp>
-      <p:cxnSp>
-        <p:nvCxnSpPr>
-          <p:cNvPr id="44" name="Прямая со стрелкой 43">
-            <a:extLst>
-              <a:ext uri="{FF2B5EF4-FFF2-40B4-BE49-F238E27FC236}">
-                <a16:creationId xmlns="" xmlns:a16="http://schemas.microsoft.com/office/drawing/2014/main" id="{0D672F98-12A7-4929-BC3C-B87EF3888A1C}"/>
-              </a:ext>
-            </a:extLst>
-          </p:cNvPr>
-          <p:cNvCxnSpPr>
-            <a:cxnSpLocks/>
-            <a:stCxn id="42" idx="0"/>
-          </p:cNvCxnSpPr>
-          <p:nvPr/>
-        </p:nvCxnSpPr>
-        <p:spPr>
-          <a:xfrm flipV="1">
-            <a:off x="932583" y="5276022"/>
-            <a:ext cx="90128" cy="81518"/>
-          </a:xfrm>
-          <a:prstGeom prst="straightConnector1">
-            <a:avLst/>
-          </a:prstGeom>
-          <a:ln w="19050">
-            <a:solidFill>
-              <a:schemeClr val="tx1">
-                <a:lumMod val="95000"/>
-                <a:lumOff val="5000"/>
-              </a:schemeClr>
-            </a:solidFill>
-            <a:tailEnd type="triangle"/>
-          </a:ln>
-        </p:spPr>
-        <p:style>
-          <a:lnRef idx="1">
-            <a:schemeClr val="accent1"/>
-          </a:lnRef>
-          <a:fillRef idx="0">
-            <a:schemeClr val="accent1"/>
-          </a:fillRef>
-          <a:effectRef idx="0">
-            <a:schemeClr val="accent1"/>
-          </a:effectRef>
-          <a:fontRef idx="minor">
-            <a:schemeClr val="tx1"/>
-          </a:fontRef>
-        </p:style>
-      </p:cxnSp>
-      <p:sp>
-        <p:nvSpPr>
-          <p:cNvPr id="49" name="TextBox 48">
-            <a:extLst>
-              <a:ext uri="{FF2B5EF4-FFF2-40B4-BE49-F238E27FC236}">
-                <a16:creationId xmlns="" xmlns:a16="http://schemas.microsoft.com/office/drawing/2014/main" id="{621D0BE5-A6E9-43D1-A2C6-78A1A8F2799B}"/>
-              </a:ext>
-            </a:extLst>
-          </p:cNvPr>
-          <p:cNvSpPr txBox="1"/>
-          <p:nvPr/>
-        </p:nvSpPr>
-        <p:spPr>
-          <a:xfrm>
-            <a:off x="679186" y="6106792"/>
-            <a:ext cx="741903" cy="369332"/>
-          </a:xfrm>
-          <a:prstGeom prst="rect">
-            <a:avLst/>
-          </a:prstGeom>
-          <a:noFill/>
-        </p:spPr>
-        <p:txBody>
-          <a:bodyPr wrap="square" rtlCol="0">
-            <a:spAutoFit/>
-          </a:bodyPr>
-          <a:lstStyle/>
-          <a:p>
-            <a:r>
-              <a:rPr lang="ru-RU" sz="900" dirty="0"/>
-              <a:t>Кристаллический </a:t>
-            </a:r>
-            <a:r>
-              <a:rPr lang="en-US" sz="900" dirty="0"/>
-              <a:t>Se</a:t>
-            </a:r>
-            <a:endParaRPr lang="ru-RU" sz="900" dirty="0"/>
-          </a:p>
-        </p:txBody>
-      </p:sp>
-      <p:cxnSp>
-        <p:nvCxnSpPr>
-          <p:cNvPr id="50" name="Прямая со стрелкой 49">
-            <a:extLst>
-              <a:ext uri="{FF2B5EF4-FFF2-40B4-BE49-F238E27FC236}">
-                <a16:creationId xmlns="" xmlns:a16="http://schemas.microsoft.com/office/drawing/2014/main" id="{2C043252-6D21-4C19-B6EC-C38252BA96C8}"/>
-              </a:ext>
-            </a:extLst>
-          </p:cNvPr>
-          <p:cNvCxnSpPr>
-            <a:cxnSpLocks/>
-            <a:stCxn id="49" idx="0"/>
-          </p:cNvCxnSpPr>
-          <p:nvPr/>
-        </p:nvCxnSpPr>
-        <p:spPr>
-          <a:xfrm flipV="1">
-            <a:off x="1050138" y="5507368"/>
-            <a:ext cx="191119" cy="599424"/>
-          </a:xfrm>
-          <a:prstGeom prst="straightConnector1">
-            <a:avLst/>
-          </a:prstGeom>
-          <a:ln w="19050">
-            <a:solidFill>
-              <a:schemeClr val="tx1">
-                <a:lumMod val="95000"/>
-                <a:lumOff val="5000"/>
-              </a:schemeClr>
-            </a:solidFill>
-            <a:tailEnd type="triangle"/>
-          </a:ln>
-        </p:spPr>
-        <p:style>
-          <a:lnRef idx="1">
-            <a:schemeClr val="accent1"/>
-          </a:lnRef>
-          <a:fillRef idx="0">
-            <a:schemeClr val="accent1"/>
-          </a:fillRef>
-          <a:effectRef idx="0">
-            <a:schemeClr val="accent1"/>
-          </a:effectRef>
-          <a:fontRef idx="minor">
-            <a:schemeClr val="tx1"/>
-          </a:fontRef>
-        </p:style>
-      </p:cxnSp>
-      <p:sp>
-        <p:nvSpPr>
           <p:cNvPr id="35" name="TextBox 34">
             <a:extLst>
               <a:ext uri="{FF2B5EF4-FFF2-40B4-BE49-F238E27FC236}">
-                <a16:creationId xmlns="" xmlns:a16="http://schemas.microsoft.com/office/drawing/2014/main" id="{2581EE7D-D624-4712-A143-23318A8CEAF6}"/>
+                <a16:creationId xmlns:a16="http://schemas.microsoft.com/office/drawing/2014/main" xmlns="" id="{2581EE7D-D624-4712-A143-23318A8CEAF6}"/>
               </a:ext>
             </a:extLst>
           </p:cNvPr>
@@ -9009,7 +9423,7 @@
           <p:cNvPr id="36" name="Прямая со стрелкой 35">
             <a:extLst>
               <a:ext uri="{FF2B5EF4-FFF2-40B4-BE49-F238E27FC236}">
-                <a16:creationId xmlns="" xmlns:a16="http://schemas.microsoft.com/office/drawing/2014/main" id="{419D6A75-F292-4A76-BDA5-7BA221530760}"/>
+                <a16:creationId xmlns:a16="http://schemas.microsoft.com/office/drawing/2014/main" xmlns="" id="{419D6A75-F292-4A76-BDA5-7BA221530760}"/>
               </a:ext>
             </a:extLst>
           </p:cNvPr>
@@ -9057,7 +9471,7 @@
           <p:cNvPr id="37" name="TextBox 36">
             <a:extLst>
               <a:ext uri="{FF2B5EF4-FFF2-40B4-BE49-F238E27FC236}">
-                <a16:creationId xmlns="" xmlns:a16="http://schemas.microsoft.com/office/drawing/2014/main" id="{4A5D79C8-1C04-457D-A3AE-BB916FBA4720}"/>
+                <a16:creationId xmlns:a16="http://schemas.microsoft.com/office/drawing/2014/main" xmlns="" id="{4A5D79C8-1C04-457D-A3AE-BB916FBA4720}"/>
               </a:ext>
             </a:extLst>
           </p:cNvPr>
@@ -9097,7 +9511,7 @@
           <p:cNvPr id="51" name="Прямоугольник 50">
             <a:extLst>
               <a:ext uri="{FF2B5EF4-FFF2-40B4-BE49-F238E27FC236}">
-                <a16:creationId xmlns="" xmlns:a16="http://schemas.microsoft.com/office/drawing/2014/main" id="{023A2662-74E1-4125-A759-41AD7EA9DB13}"/>
+                <a16:creationId xmlns:a16="http://schemas.microsoft.com/office/drawing/2014/main" xmlns="" id="{023A2662-74E1-4125-A759-41AD7EA9DB13}"/>
               </a:ext>
             </a:extLst>
           </p:cNvPr>
@@ -9106,7 +9520,7 @@
         </p:nvSpPr>
         <p:spPr>
           <a:xfrm>
-            <a:off x="4536042" y="1297426"/>
+            <a:off x="4544509" y="1297426"/>
             <a:ext cx="1360556" cy="3126154"/>
           </a:xfrm>
           <a:prstGeom prst="rect">
@@ -9146,66 +9560,281 @@
           </a:p>
         </p:txBody>
       </p:sp>
-      <p:sp>
-        <p:nvSpPr>
-          <p:cNvPr id="52" name="Прямоугольник 51">
-            <a:extLst>
-              <a:ext uri="{FF2B5EF4-FFF2-40B4-BE49-F238E27FC236}">
-                <a16:creationId xmlns="" xmlns:a16="http://schemas.microsoft.com/office/drawing/2014/main" id="{2447693C-72C4-4721-8B1B-B8248172E5C5}"/>
-              </a:ext>
-            </a:extLst>
-          </p:cNvPr>
-          <p:cNvSpPr/>
+      <p:grpSp>
+        <p:nvGrpSpPr>
+          <p:cNvPr id="27" name="Группа 26"/>
+          <p:cNvGrpSpPr/>
           <p:nvPr/>
-        </p:nvSpPr>
-        <p:spPr>
+        </p:nvGrpSpPr>
+        <p:grpSpPr>
           <a:xfrm>
-            <a:off x="1579285" y="5085358"/>
-            <a:ext cx="291780" cy="1779147"/>
+            <a:off x="4313092" y="4697493"/>
+            <a:ext cx="2160000" cy="2160507"/>
+            <a:chOff x="-10334" y="4703998"/>
+            <a:chExt cx="2160000" cy="2160507"/>
           </a:xfrm>
-          <a:prstGeom prst="rect">
-            <a:avLst/>
-          </a:prstGeom>
-          <a:solidFill>
-            <a:srgbClr val="FF0000">
-              <a:alpha val="24000"/>
-            </a:srgbClr>
-          </a:solidFill>
-          <a:ln>
+        </p:grpSpPr>
+        <p:pic>
+          <p:nvPicPr>
+            <p:cNvPr id="11" name="Рисунок 10"/>
+            <p:cNvPicPr>
+              <a:picLocks/>
+            </p:cNvPicPr>
+            <p:nvPr/>
+          </p:nvPicPr>
+          <p:blipFill>
+            <a:blip r:embed="rId5" cstate="print"/>
+            <a:stretch>
+              <a:fillRect/>
+            </a:stretch>
+          </p:blipFill>
+          <p:spPr>
+            <a:xfrm>
+              <a:off x="-10334" y="4703998"/>
+              <a:ext cx="2160000" cy="2160000"/>
+            </a:xfrm>
+            <a:prstGeom prst="rect">
+              <a:avLst/>
+            </a:prstGeom>
+          </p:spPr>
+        </p:pic>
+        <p:sp>
+          <p:nvSpPr>
+            <p:cNvPr id="42" name="TextBox 41">
+              <a:extLst>
+                <a:ext uri="{FF2B5EF4-FFF2-40B4-BE49-F238E27FC236}">
+                  <a16:creationId xmlns:a16="http://schemas.microsoft.com/office/drawing/2014/main" xmlns="" id="{EDCCDE12-53A8-47A3-B66E-EFA61A09E688}"/>
+                </a:ext>
+              </a:extLst>
+            </p:cNvPr>
+            <p:cNvSpPr txBox="1"/>
+            <p:nvPr/>
+          </p:nvSpPr>
+          <p:spPr>
+            <a:xfrm>
+              <a:off x="415960" y="5357540"/>
+              <a:ext cx="1033245" cy="230832"/>
+            </a:xfrm>
+            <a:prstGeom prst="rect">
+              <a:avLst/>
+            </a:prstGeom>
             <a:noFill/>
-          </a:ln>
-        </p:spPr>
-        <p:style>
-          <a:lnRef idx="2">
-            <a:schemeClr val="accent1">
-              <a:shade val="50000"/>
-            </a:schemeClr>
-          </a:lnRef>
-          <a:fillRef idx="1">
-            <a:schemeClr val="accent1"/>
-          </a:fillRef>
-          <a:effectRef idx="0">
-            <a:schemeClr val="accent1"/>
-          </a:effectRef>
-          <a:fontRef idx="minor">
-            <a:schemeClr val="lt1"/>
-          </a:fontRef>
-        </p:style>
-        <p:txBody>
-          <a:bodyPr rtlCol="0" anchor="ctr"/>
-          <a:lstStyle/>
-          <a:p>
-            <a:pPr algn="ctr"/>
-            <a:endParaRPr lang="ru-RU"/>
-          </a:p>
-        </p:txBody>
-      </p:sp>
+          </p:spPr>
+          <p:txBody>
+            <a:bodyPr wrap="square" rtlCol="0">
+              <a:spAutoFit/>
+            </a:bodyPr>
+            <a:lstStyle/>
+            <a:p>
+              <a:r>
+                <a:rPr lang="ru-RU" sz="900" dirty="0"/>
+                <a:t>Жидкий</a:t>
+              </a:r>
+              <a:r>
+                <a:rPr lang="en-US" sz="900" dirty="0"/>
+                <a:t> Se</a:t>
+              </a:r>
+              <a:endParaRPr lang="ru-RU" sz="900" dirty="0"/>
+            </a:p>
+          </p:txBody>
+        </p:sp>
+        <p:cxnSp>
+          <p:nvCxnSpPr>
+            <p:cNvPr id="44" name="Прямая со стрелкой 43">
+              <a:extLst>
+                <a:ext uri="{FF2B5EF4-FFF2-40B4-BE49-F238E27FC236}">
+                  <a16:creationId xmlns:a16="http://schemas.microsoft.com/office/drawing/2014/main" xmlns="" id="{0D672F98-12A7-4929-BC3C-B87EF3888A1C}"/>
+                </a:ext>
+              </a:extLst>
+            </p:cNvPr>
+            <p:cNvCxnSpPr>
+              <a:cxnSpLocks/>
+              <a:stCxn id="42" idx="0"/>
+            </p:cNvCxnSpPr>
+            <p:nvPr/>
+          </p:nvCxnSpPr>
+          <p:spPr>
+            <a:xfrm flipV="1">
+              <a:off x="932583" y="5276022"/>
+              <a:ext cx="90128" cy="81518"/>
+            </a:xfrm>
+            <a:prstGeom prst="straightConnector1">
+              <a:avLst/>
+            </a:prstGeom>
+            <a:ln w="19050">
+              <a:solidFill>
+                <a:schemeClr val="tx1">
+                  <a:lumMod val="95000"/>
+                  <a:lumOff val="5000"/>
+                </a:schemeClr>
+              </a:solidFill>
+              <a:tailEnd type="triangle"/>
+            </a:ln>
+          </p:spPr>
+          <p:style>
+            <a:lnRef idx="1">
+              <a:schemeClr val="accent1"/>
+            </a:lnRef>
+            <a:fillRef idx="0">
+              <a:schemeClr val="accent1"/>
+            </a:fillRef>
+            <a:effectRef idx="0">
+              <a:schemeClr val="accent1"/>
+            </a:effectRef>
+            <a:fontRef idx="minor">
+              <a:schemeClr val="tx1"/>
+            </a:fontRef>
+          </p:style>
+        </p:cxnSp>
+        <p:sp>
+          <p:nvSpPr>
+            <p:cNvPr id="49" name="TextBox 48">
+              <a:extLst>
+                <a:ext uri="{FF2B5EF4-FFF2-40B4-BE49-F238E27FC236}">
+                  <a16:creationId xmlns:a16="http://schemas.microsoft.com/office/drawing/2014/main" xmlns="" id="{621D0BE5-A6E9-43D1-A2C6-78A1A8F2799B}"/>
+                </a:ext>
+              </a:extLst>
+            </p:cNvPr>
+            <p:cNvSpPr txBox="1"/>
+            <p:nvPr/>
+          </p:nvSpPr>
+          <p:spPr>
+            <a:xfrm>
+              <a:off x="679186" y="6106792"/>
+              <a:ext cx="741903" cy="369332"/>
+            </a:xfrm>
+            <a:prstGeom prst="rect">
+              <a:avLst/>
+            </a:prstGeom>
+            <a:noFill/>
+          </p:spPr>
+          <p:txBody>
+            <a:bodyPr wrap="square" rtlCol="0">
+              <a:spAutoFit/>
+            </a:bodyPr>
+            <a:lstStyle/>
+            <a:p>
+              <a:r>
+                <a:rPr lang="ru-RU" sz="900" dirty="0"/>
+                <a:t>Кристаллический </a:t>
+              </a:r>
+              <a:r>
+                <a:rPr lang="en-US" sz="900" dirty="0"/>
+                <a:t>Se</a:t>
+              </a:r>
+              <a:endParaRPr lang="ru-RU" sz="900" dirty="0"/>
+            </a:p>
+          </p:txBody>
+        </p:sp>
+        <p:cxnSp>
+          <p:nvCxnSpPr>
+            <p:cNvPr id="50" name="Прямая со стрелкой 49">
+              <a:extLst>
+                <a:ext uri="{FF2B5EF4-FFF2-40B4-BE49-F238E27FC236}">
+                  <a16:creationId xmlns:a16="http://schemas.microsoft.com/office/drawing/2014/main" xmlns="" id="{2C043252-6D21-4C19-B6EC-C38252BA96C8}"/>
+                </a:ext>
+              </a:extLst>
+            </p:cNvPr>
+            <p:cNvCxnSpPr>
+              <a:cxnSpLocks/>
+              <a:stCxn id="49" idx="0"/>
+            </p:cNvCxnSpPr>
+            <p:nvPr/>
+          </p:nvCxnSpPr>
+          <p:spPr>
+            <a:xfrm flipV="1">
+              <a:off x="1050138" y="5507368"/>
+              <a:ext cx="191119" cy="599424"/>
+            </a:xfrm>
+            <a:prstGeom prst="straightConnector1">
+              <a:avLst/>
+            </a:prstGeom>
+            <a:ln w="19050">
+              <a:solidFill>
+                <a:schemeClr val="tx1">
+                  <a:lumMod val="95000"/>
+                  <a:lumOff val="5000"/>
+                </a:schemeClr>
+              </a:solidFill>
+              <a:tailEnd type="triangle"/>
+            </a:ln>
+          </p:spPr>
+          <p:style>
+            <a:lnRef idx="1">
+              <a:schemeClr val="accent1"/>
+            </a:lnRef>
+            <a:fillRef idx="0">
+              <a:schemeClr val="accent1"/>
+            </a:fillRef>
+            <a:effectRef idx="0">
+              <a:schemeClr val="accent1"/>
+            </a:effectRef>
+            <a:fontRef idx="minor">
+              <a:schemeClr val="tx1"/>
+            </a:fontRef>
+          </p:style>
+        </p:cxnSp>
+        <p:sp>
+          <p:nvSpPr>
+            <p:cNvPr id="52" name="Прямоугольник 51">
+              <a:extLst>
+                <a:ext uri="{FF2B5EF4-FFF2-40B4-BE49-F238E27FC236}">
+                  <a16:creationId xmlns:a16="http://schemas.microsoft.com/office/drawing/2014/main" xmlns="" id="{2447693C-72C4-4721-8B1B-B8248172E5C5}"/>
+                </a:ext>
+              </a:extLst>
+            </p:cNvPr>
+            <p:cNvSpPr/>
+            <p:nvPr/>
+          </p:nvSpPr>
+          <p:spPr>
+            <a:xfrm>
+              <a:off x="1579285" y="5085358"/>
+              <a:ext cx="291780" cy="1779147"/>
+            </a:xfrm>
+            <a:prstGeom prst="rect">
+              <a:avLst/>
+            </a:prstGeom>
+            <a:solidFill>
+              <a:srgbClr val="FF0000">
+                <a:alpha val="24000"/>
+              </a:srgbClr>
+            </a:solidFill>
+            <a:ln>
+              <a:noFill/>
+            </a:ln>
+          </p:spPr>
+          <p:style>
+            <a:lnRef idx="2">
+              <a:schemeClr val="accent1">
+                <a:shade val="50000"/>
+              </a:schemeClr>
+            </a:lnRef>
+            <a:fillRef idx="1">
+              <a:schemeClr val="accent1"/>
+            </a:fillRef>
+            <a:effectRef idx="0">
+              <a:schemeClr val="accent1"/>
+            </a:effectRef>
+            <a:fontRef idx="minor">
+              <a:schemeClr val="lt1"/>
+            </a:fontRef>
+          </p:style>
+          <p:txBody>
+            <a:bodyPr rtlCol="0" anchor="ctr"/>
+            <a:lstStyle/>
+            <a:p>
+              <a:pPr algn="ctr"/>
+              <a:endParaRPr lang="ru-RU"/>
+            </a:p>
+          </p:txBody>
+        </p:sp>
+      </p:grpSp>
       <p:sp>
         <p:nvSpPr>
           <p:cNvPr id="54" name="Прямоугольник 53">
             <a:extLst>
               <a:ext uri="{FF2B5EF4-FFF2-40B4-BE49-F238E27FC236}">
-                <a16:creationId xmlns="" xmlns:a16="http://schemas.microsoft.com/office/drawing/2014/main" id="{C598C44C-32E0-4C46-81AE-E7762BEA4E94}"/>
+                <a16:creationId xmlns:a16="http://schemas.microsoft.com/office/drawing/2014/main" xmlns="" id="{C598C44C-32E0-4C46-81AE-E7762BEA4E94}"/>
               </a:ext>
             </a:extLst>
           </p:cNvPr>
@@ -9259,7 +9888,7 @@
           <p:cNvPr id="65" name="Прямая со стрелкой 64">
             <a:extLst>
               <a:ext uri="{FF2B5EF4-FFF2-40B4-BE49-F238E27FC236}">
-                <a16:creationId xmlns="" xmlns:a16="http://schemas.microsoft.com/office/drawing/2014/main" id="{88B58083-A176-45C0-9CEB-7E95574A1775}"/>
+                <a16:creationId xmlns:a16="http://schemas.microsoft.com/office/drawing/2014/main" xmlns="" id="{88B58083-A176-45C0-9CEB-7E95574A1775}"/>
               </a:ext>
             </a:extLst>
           </p:cNvPr>
@@ -9307,7 +9936,7 @@
           <p:cNvPr id="34" name="Стрелка: вверх 59">
             <a:extLst>
               <a:ext uri="{FF2B5EF4-FFF2-40B4-BE49-F238E27FC236}">
-                <a16:creationId xmlns="" xmlns:a16="http://schemas.microsoft.com/office/drawing/2014/main" id="{AD56F3DF-97EC-40B2-9DE4-A08AF4CB5F5B}"/>
+                <a16:creationId xmlns:a16="http://schemas.microsoft.com/office/drawing/2014/main" xmlns="" id="{AD56F3DF-97EC-40B2-9DE4-A08AF4CB5F5B}"/>
               </a:ext>
             </a:extLst>
           </p:cNvPr>
@@ -9452,10 +10081,258 @@
           </a:p>
         </p:txBody>
       </p:sp>
+      <p:grpSp>
+        <p:nvGrpSpPr>
+          <p:cNvPr id="28" name="Группа 27"/>
+          <p:cNvGrpSpPr/>
+          <p:nvPr/>
+        </p:nvGrpSpPr>
+        <p:grpSpPr>
+          <a:xfrm>
+            <a:off x="0" y="4698000"/>
+            <a:ext cx="2160000" cy="2160000"/>
+            <a:chOff x="4315551" y="4698000"/>
+            <a:chExt cx="2160000" cy="2160000"/>
+          </a:xfrm>
+        </p:grpSpPr>
+        <p:pic>
+          <p:nvPicPr>
+            <p:cNvPr id="3074" name="Picture 2"/>
+            <p:cNvPicPr>
+              <a:picLocks noChangeArrowheads="1"/>
+            </p:cNvPicPr>
+            <p:nvPr/>
+          </p:nvPicPr>
+          <p:blipFill>
+            <a:blip r:embed="rId6" cstate="print"/>
+            <a:srcRect/>
+            <a:stretch>
+              <a:fillRect/>
+            </a:stretch>
+          </p:blipFill>
+          <p:spPr bwMode="auto">
+            <a:xfrm>
+              <a:off x="4315551" y="4698000"/>
+              <a:ext cx="2160000" cy="2160000"/>
+            </a:xfrm>
+            <a:prstGeom prst="rect">
+              <a:avLst/>
+            </a:prstGeom>
+            <a:noFill/>
+            <a:ln w="9525">
+              <a:noFill/>
+              <a:miter lim="800000"/>
+              <a:headEnd/>
+              <a:tailEnd/>
+            </a:ln>
+            <a:effectLst/>
+          </p:spPr>
+        </p:pic>
+        <p:sp>
+          <p:nvSpPr>
+            <p:cNvPr id="23" name="TextBox 22">
+              <a:extLst>
+                <a:ext uri="{FF2B5EF4-FFF2-40B4-BE49-F238E27FC236}">
+                  <a16:creationId xmlns:a16="http://schemas.microsoft.com/office/drawing/2014/main" xmlns="" id="{59489281-5C13-465D-8FCA-184A5E22E680}"/>
+                </a:ext>
+              </a:extLst>
+            </p:cNvPr>
+            <p:cNvSpPr txBox="1"/>
+            <p:nvPr/>
+          </p:nvSpPr>
+          <p:spPr>
+            <a:xfrm>
+              <a:off x="4809920" y="5163203"/>
+              <a:ext cx="1033245" cy="230832"/>
+            </a:xfrm>
+            <a:prstGeom prst="rect">
+              <a:avLst/>
+            </a:prstGeom>
+            <a:noFill/>
+          </p:spPr>
+          <p:txBody>
+            <a:bodyPr wrap="square" rtlCol="0">
+              <a:spAutoFit/>
+            </a:bodyPr>
+            <a:lstStyle/>
+            <a:p>
+              <a:r>
+                <a:rPr lang="ru-RU" sz="900" dirty="0"/>
+                <a:t>Жидкий </a:t>
+              </a:r>
+              <a:r>
+                <a:rPr lang="en-US" sz="900" dirty="0" smtClean="0"/>
+                <a:t>Ga</a:t>
+              </a:r>
+              <a:r>
+                <a:rPr lang="en-US" sz="900" baseline="-25000" dirty="0" smtClean="0"/>
+                <a:t>2</a:t>
+              </a:r>
+              <a:r>
+                <a:rPr lang="en-US" sz="900" dirty="0" smtClean="0"/>
+                <a:t>Se</a:t>
+              </a:r>
+              <a:r>
+                <a:rPr lang="en-US" sz="900" baseline="-25000" dirty="0" smtClean="0"/>
+                <a:t>3</a:t>
+              </a:r>
+              <a:endParaRPr lang="ru-RU" sz="900" baseline="-25000" dirty="0"/>
+            </a:p>
+          </p:txBody>
+        </p:sp>
+        <p:cxnSp>
+          <p:nvCxnSpPr>
+            <p:cNvPr id="24" name="Прямая со стрелкой 23">
+              <a:extLst>
+                <a:ext uri="{FF2B5EF4-FFF2-40B4-BE49-F238E27FC236}">
+                  <a16:creationId xmlns:a16="http://schemas.microsoft.com/office/drawing/2014/main" xmlns="" id="{C9731CF6-7608-4BAD-BEF3-9DF2BD38FC4C}"/>
+                </a:ext>
+              </a:extLst>
+            </p:cNvPr>
+            <p:cNvCxnSpPr>
+              <a:cxnSpLocks/>
+              <a:stCxn id="23" idx="2"/>
+            </p:cNvCxnSpPr>
+            <p:nvPr/>
+          </p:nvCxnSpPr>
+          <p:spPr>
+            <a:xfrm>
+              <a:off x="5326543" y="5394035"/>
+              <a:ext cx="6964" cy="232188"/>
+            </a:xfrm>
+            <a:prstGeom prst="straightConnector1">
+              <a:avLst/>
+            </a:prstGeom>
+            <a:ln w="19050">
+              <a:solidFill>
+                <a:schemeClr val="tx1">
+                  <a:lumMod val="95000"/>
+                  <a:lumOff val="5000"/>
+                </a:schemeClr>
+              </a:solidFill>
+              <a:tailEnd type="triangle"/>
+            </a:ln>
+          </p:spPr>
+          <p:style>
+            <a:lnRef idx="1">
+              <a:schemeClr val="accent1"/>
+            </a:lnRef>
+            <a:fillRef idx="0">
+              <a:schemeClr val="accent1"/>
+            </a:fillRef>
+            <a:effectRef idx="0">
+              <a:schemeClr val="accent1"/>
+            </a:effectRef>
+            <a:fontRef idx="minor">
+              <a:schemeClr val="tx1"/>
+            </a:fontRef>
+          </p:style>
+        </p:cxnSp>
+        <p:sp>
+          <p:nvSpPr>
+            <p:cNvPr id="25" name="TextBox 24">
+              <a:extLst>
+                <a:ext uri="{FF2B5EF4-FFF2-40B4-BE49-F238E27FC236}">
+                  <a16:creationId xmlns:a16="http://schemas.microsoft.com/office/drawing/2014/main" xmlns="" id="{E099C3C1-73E1-4BFB-B6A8-DE7EBE0ECF76}"/>
+                </a:ext>
+              </a:extLst>
+            </p:cNvPr>
+            <p:cNvSpPr txBox="1"/>
+            <p:nvPr/>
+          </p:nvSpPr>
+          <p:spPr>
+            <a:xfrm>
+              <a:off x="5155252" y="6242421"/>
+              <a:ext cx="868180" cy="369332"/>
+            </a:xfrm>
+            <a:prstGeom prst="rect">
+              <a:avLst/>
+            </a:prstGeom>
+            <a:noFill/>
+          </p:spPr>
+          <p:txBody>
+            <a:bodyPr wrap="square" rtlCol="0">
+              <a:spAutoFit/>
+            </a:bodyPr>
+            <a:lstStyle/>
+            <a:p>
+              <a:r>
+                <a:rPr lang="ru-RU" sz="900" dirty="0"/>
+                <a:t>Кристаллический </a:t>
+              </a:r>
+              <a:r>
+                <a:rPr lang="en-US" sz="900" dirty="0" smtClean="0"/>
+                <a:t>Ga</a:t>
+              </a:r>
+              <a:r>
+                <a:rPr lang="en-US" sz="900" baseline="-25000" dirty="0" smtClean="0"/>
+                <a:t>2</a:t>
+              </a:r>
+              <a:r>
+                <a:rPr lang="en-US" sz="900" dirty="0" smtClean="0"/>
+                <a:t>Se</a:t>
+              </a:r>
+              <a:r>
+                <a:rPr lang="en-US" sz="900" baseline="-25000" dirty="0" smtClean="0"/>
+                <a:t>3</a:t>
+              </a:r>
+              <a:endParaRPr lang="ru-RU" sz="900" baseline="-25000" dirty="0"/>
+            </a:p>
+          </p:txBody>
+        </p:sp>
+        <p:cxnSp>
+          <p:nvCxnSpPr>
+            <p:cNvPr id="26" name="Прямая со стрелкой 25">
+              <a:extLst>
+                <a:ext uri="{FF2B5EF4-FFF2-40B4-BE49-F238E27FC236}">
+                  <a16:creationId xmlns:a16="http://schemas.microsoft.com/office/drawing/2014/main" xmlns="" id="{FCE4D230-AA70-4213-B641-B7A486271E38}"/>
+                </a:ext>
+              </a:extLst>
+            </p:cNvPr>
+            <p:cNvCxnSpPr>
+              <a:cxnSpLocks/>
+              <a:stCxn id="25" idx="0"/>
+            </p:cNvCxnSpPr>
+            <p:nvPr/>
+          </p:nvCxnSpPr>
+          <p:spPr>
+            <a:xfrm flipH="1" flipV="1">
+              <a:off x="5486400" y="5726097"/>
+              <a:ext cx="102942" cy="516324"/>
+            </a:xfrm>
+            <a:prstGeom prst="straightConnector1">
+              <a:avLst/>
+            </a:prstGeom>
+            <a:ln w="19050">
+              <a:solidFill>
+                <a:schemeClr val="tx1">
+                  <a:lumMod val="95000"/>
+                  <a:lumOff val="5000"/>
+                </a:schemeClr>
+              </a:solidFill>
+              <a:tailEnd type="triangle"/>
+            </a:ln>
+          </p:spPr>
+          <p:style>
+            <a:lnRef idx="1">
+              <a:schemeClr val="accent1"/>
+            </a:lnRef>
+            <a:fillRef idx="0">
+              <a:schemeClr val="accent1"/>
+            </a:fillRef>
+            <a:effectRef idx="0">
+              <a:schemeClr val="accent1"/>
+            </a:effectRef>
+            <a:fontRef idx="minor">
+              <a:schemeClr val="tx1"/>
+            </a:fontRef>
+          </p:style>
+        </p:cxnSp>
+      </p:grpSp>
     </p:spTree>
     <p:extLst>
       <p:ext uri="{BB962C8B-B14F-4D97-AF65-F5344CB8AC3E}">
-        <p14:creationId xmlns:p14="http://schemas.microsoft.com/office/powerpoint/2010/main" val="1487873127"/>
+        <p14:creationId xmlns:p14="http://schemas.microsoft.com/office/powerpoint/2010/main" xmlns="" val="1487873127"/>
       </p:ext>
     </p:extLst>
   </p:cSld>
@@ -9494,7 +10371,7 @@
           <p:cNvPr id="2" name="Заголовок 1">
             <a:extLst>
               <a:ext uri="{FF2B5EF4-FFF2-40B4-BE49-F238E27FC236}">
-                <a16:creationId xmlns="" xmlns:a16="http://schemas.microsoft.com/office/drawing/2014/main" id="{804B3D23-5310-4A6F-8BAC-53EC5DED660E}"/>
+                <a16:creationId xmlns:a16="http://schemas.microsoft.com/office/drawing/2014/main" xmlns="" id="{804B3D23-5310-4A6F-8BAC-53EC5DED660E}"/>
               </a:ext>
             </a:extLst>
           </p:cNvPr>
@@ -9529,7 +10406,7 @@
           <p:cNvPr id="4" name="Объект 3">
             <a:extLst>
               <a:ext uri="{FF2B5EF4-FFF2-40B4-BE49-F238E27FC236}">
-                <a16:creationId xmlns="" xmlns:a16="http://schemas.microsoft.com/office/drawing/2014/main" id="{5A64B944-A78D-44D4-B123-B1A6655D7AFF}"/>
+                <a16:creationId xmlns:a16="http://schemas.microsoft.com/office/drawing/2014/main" xmlns="" id="{5A64B944-A78D-44D4-B123-B1A6655D7AFF}"/>
               </a:ext>
             </a:extLst>
           </p:cNvPr>
@@ -9837,7 +10714,7 @@
           <p:cNvPr id="3" name="Номер слайда 2">
             <a:extLst>
               <a:ext uri="{FF2B5EF4-FFF2-40B4-BE49-F238E27FC236}">
-                <a16:creationId xmlns="" xmlns:a16="http://schemas.microsoft.com/office/drawing/2014/main" id="{F03C2823-ECF7-4DEF-8B68-D6722E2BF2C3}"/>
+                <a16:creationId xmlns:a16="http://schemas.microsoft.com/office/drawing/2014/main" xmlns="" id="{F03C2823-ECF7-4DEF-8B68-D6722E2BF2C3}"/>
               </a:ext>
             </a:extLst>
           </p:cNvPr>
@@ -9865,7 +10742,7 @@
     </p:spTree>
     <p:extLst>
       <p:ext uri="{BB962C8B-B14F-4D97-AF65-F5344CB8AC3E}">
-        <p14:creationId xmlns:p14="http://schemas.microsoft.com/office/powerpoint/2010/main" val="2050309021"/>
+        <p14:creationId xmlns:p14="http://schemas.microsoft.com/office/powerpoint/2010/main" xmlns="" val="2050309021"/>
       </p:ext>
     </p:extLst>
   </p:cSld>
@@ -9988,7 +10865,7 @@
     </p:spTree>
     <p:extLst>
       <p:ext uri="{BB962C8B-B14F-4D97-AF65-F5344CB8AC3E}">
-        <p14:creationId xmlns:p14="http://schemas.microsoft.com/office/powerpoint/2010/main" val="4203807464"/>
+        <p14:creationId xmlns:p14="http://schemas.microsoft.com/office/powerpoint/2010/main" xmlns="" val="4203807464"/>
       </p:ext>
     </p:extLst>
   </p:cSld>
@@ -10260,7 +11137,7 @@
   <a:extraClrSchemeLst/>
   <a:extLst>
     <a:ext uri="{05A4C25C-085E-4340-85A3-A5531E510DB2}">
-      <thm15:themeFamily xmlns:thm15="http://schemas.microsoft.com/office/thememl/2012/main" name="Office Theme" id="{62F939B6-93AF-4DB8-9C6B-D6C7DFDC589F}" vid="{4A3C46E8-61CC-4603-A589-7422A47A8E4A}"/>
+      <thm15:themeFamily xmlns:thm15="http://schemas.microsoft.com/office/thememl/2012/main" xmlns="" name="Office Theme" id="{62F939B6-93AF-4DB8-9C6B-D6C7DFDC589F}" vid="{4A3C46E8-61CC-4603-A589-7422A47A8E4A}"/>
     </a:ext>
   </a:extLst>
 </a:theme>
@@ -10521,7 +11398,7 @@
   <a:extraClrSchemeLst/>
   <a:extLst>
     <a:ext uri="{05A4C25C-085E-4340-85A3-A5531E510DB2}">
-      <thm15:themeFamily xmlns:thm15="http://schemas.microsoft.com/office/thememl/2012/main" name="Office Theme" id="{62F939B6-93AF-4DB8-9C6B-D6C7DFDC589F}" vid="{4A3C46E8-61CC-4603-A589-7422A47A8E4A}"/>
+      <thm15:themeFamily xmlns:thm15="http://schemas.microsoft.com/office/thememl/2012/main" xmlns="" name="Office Theme" id="{62F939B6-93AF-4DB8-9C6B-D6C7DFDC589F}" vid="{4A3C46E8-61CC-4603-A589-7422A47A8E4A}"/>
     </a:ext>
   </a:extLst>
 </a:theme>
